--- a/presentations/Session_7_SC_Discovery_LB.pptx
+++ b/presentations/Session_7_SC_Discovery_LB.pptx
@@ -8,14 +8,24 @@
     <p:sldMasterId id="2147483724" r:id="rId4"/>
   </p:sldMasterIdLst>
   <p:notesMasterIdLst>
-    <p:notesMasterId r:id="rId7"/>
+    <p:notesMasterId r:id="rId17"/>
   </p:notesMasterIdLst>
   <p:handoutMasterIdLst>
-    <p:handoutMasterId r:id="rId8"/>
+    <p:handoutMasterId r:id="rId18"/>
   </p:handoutMasterIdLst>
   <p:sldIdLst>
     <p:sldId id="353" r:id="rId5"/>
-    <p:sldId id="259" r:id="rId6"/>
+    <p:sldId id="357" r:id="rId6"/>
+    <p:sldId id="358" r:id="rId7"/>
+    <p:sldId id="356" r:id="rId8"/>
+    <p:sldId id="359" r:id="rId9"/>
+    <p:sldId id="363" r:id="rId10"/>
+    <p:sldId id="364" r:id="rId11"/>
+    <p:sldId id="361" r:id="rId12"/>
+    <p:sldId id="365" r:id="rId13"/>
+    <p:sldId id="366" r:id="rId14"/>
+    <p:sldId id="368" r:id="rId15"/>
+    <p:sldId id="367" r:id="rId16"/>
   </p:sldIdLst>
   <p:sldSz cx="9144000" cy="5143500" type="screen16x9"/>
   <p:notesSz cx="6858000" cy="9144000"/>
@@ -120,7 +130,17 @@
         <p14:section name="Default Section" id="{53BEC9F5-E74A-0C43-AF9D-619E2F4BC018}">
           <p14:sldIdLst>
             <p14:sldId id="353"/>
-            <p14:sldId id="259"/>
+            <p14:sldId id="357"/>
+            <p14:sldId id="358"/>
+            <p14:sldId id="356"/>
+            <p14:sldId id="359"/>
+            <p14:sldId id="363"/>
+            <p14:sldId id="364"/>
+            <p14:sldId id="361"/>
+            <p14:sldId id="365"/>
+            <p14:sldId id="366"/>
+            <p14:sldId id="368"/>
+            <p14:sldId id="367"/>
           </p14:sldIdLst>
         </p14:section>
       </p14:sectionLst>
@@ -211,7 +231,7 @@
           <a:p>
             <a:fld id="{372E5B6B-8713-8747-AE5B-F1241B2BF5F0}" type="datetimeFigureOut">
               <a:rPr lang="en-US" smtClean="0"/>
-              <a:t>3/2/16</a:t>
+              <a:t>4/5/16</a:t>
             </a:fld>
             <a:endParaRPr lang="en-US"/>
           </a:p>
@@ -377,7 +397,7 @@
           <a:p>
             <a:fld id="{7E7B7340-DDD5-1B49-81AA-25BC4050C073}" type="datetimeFigureOut">
               <a:rPr lang="en-US" smtClean="0"/>
-              <a:t>3/2/16</a:t>
+              <a:t>4/5/16</a:t>
             </a:fld>
             <a:endParaRPr lang="en-US"/>
           </a:p>
@@ -738,12 +758,12 @@
 </p:notes>
 </file>
 
-<file path=ppt/notesSlides/notesSlide2.xml><?xml version="1.0" encoding="utf-8"?>
-<p:notes xmlns:a="http://schemas.openxmlformats.org/drawingml/2006/main" xmlns:r="http://schemas.openxmlformats.org/officeDocument/2006/relationships" xmlns:p="http://schemas.openxmlformats.org/presentationml/2006/main" showMasterSp="0" showMasterPhAnim="0">
+<file path=ppt/notesSlides/notesSlide10.xml><?xml version="1.0" encoding="utf-8"?>
+<p:notes xmlns:a="http://schemas.openxmlformats.org/drawingml/2006/main" xmlns:r="http://schemas.openxmlformats.org/officeDocument/2006/relationships" xmlns:p="http://schemas.openxmlformats.org/presentationml/2006/main">
   <p:cSld>
     <p:spTree>
       <p:nvGrpSpPr>
-        <p:cNvPr id="1" name="Shape 197"/>
+        <p:cNvPr id="1" name=""/>
         <p:cNvGrpSpPr/>
         <p:nvPr/>
       </p:nvGrpSpPr>
@@ -757,85 +777,1377 @@
       </p:grpSpPr>
       <p:sp>
         <p:nvSpPr>
-          <p:cNvPr id="198" name="Shape 198"/>
-          <p:cNvSpPr txBox="1">
+          <p:cNvPr id="2" name="Slide Image Placeholder 1"/>
+          <p:cNvSpPr>
+            <a:spLocks noGrp="1" noRot="1" noChangeAspect="1"/>
+          </p:cNvSpPr>
+          <p:nvPr>
+            <p:ph type="sldImg"/>
+          </p:nvPr>
+        </p:nvSpPr>
+        <p:spPr/>
+      </p:sp>
+      <p:sp>
+        <p:nvSpPr>
+          <p:cNvPr id="3" name="Notes Placeholder 2"/>
+          <p:cNvSpPr>
             <a:spLocks noGrp="1"/>
           </p:cNvSpPr>
           <p:nvPr>
             <p:ph type="body" idx="1"/>
           </p:nvPr>
         </p:nvSpPr>
-        <p:spPr>
-          <a:xfrm>
-            <a:off x="295171" y="2972430"/>
-            <a:ext cx="6267659" cy="5793719"/>
-          </a:xfrm>
-          <a:prstGeom prst="rect">
-            <a:avLst/>
-          </a:prstGeom>
-        </p:spPr>
+        <p:spPr/>
         <p:txBody>
-          <a:bodyPr lIns="90556" tIns="90556" rIns="90556" bIns="90556" anchor="t" anchorCtr="0">
-            <a:noAutofit/>
-          </a:bodyPr>
+          <a:bodyPr/>
           <a:lstStyle/>
           <a:p>
-            <a:endParaRPr dirty="0"/>
+            <a:endParaRPr lang="en-US" dirty="0"/>
           </a:p>
         </p:txBody>
       </p:sp>
       <p:sp>
         <p:nvSpPr>
-          <p:cNvPr id="199" name="Shape 199"/>
+          <p:cNvPr id="4" name="Slide Number Placeholder 3"/>
+          <p:cNvSpPr>
+            <a:spLocks noGrp="1"/>
+          </p:cNvSpPr>
+          <p:nvPr>
+            <p:ph type="sldNum" sz="quarter" idx="10"/>
+          </p:nvPr>
+        </p:nvSpPr>
+        <p:spPr/>
+        <p:txBody>
+          <a:bodyPr/>
+          <a:lstStyle/>
+          <a:p>
+            <a:fld id="{19B87A38-3CEC-41F8-9B8A-7D549F200228}" type="slidenum">
+              <a:rPr lang="en-US" smtClean="0"/>
+              <a:t>10</a:t>
+            </a:fld>
+            <a:endParaRPr lang="en-US"/>
+          </a:p>
+        </p:txBody>
+      </p:sp>
+    </p:spTree>
+    <p:extLst>
+      <p:ext uri="{BB962C8B-B14F-4D97-AF65-F5344CB8AC3E}">
+        <p14:creationId xmlns:p14="http://schemas.microsoft.com/office/powerpoint/2010/main" val="2014211017"/>
+      </p:ext>
+    </p:extLst>
+  </p:cSld>
+  <p:clrMapOvr>
+    <a:masterClrMapping/>
+  </p:clrMapOvr>
+</p:notes>
+</file>
+
+<file path=ppt/notesSlides/notesSlide11.xml><?xml version="1.0" encoding="utf-8"?>
+<p:notes xmlns:a="http://schemas.openxmlformats.org/drawingml/2006/main" xmlns:r="http://schemas.openxmlformats.org/officeDocument/2006/relationships" xmlns:p="http://schemas.openxmlformats.org/presentationml/2006/main">
+  <p:cSld>
+    <p:spTree>
+      <p:nvGrpSpPr>
+        <p:cNvPr id="1" name=""/>
+        <p:cNvGrpSpPr/>
+        <p:nvPr/>
+      </p:nvGrpSpPr>
+      <p:grpSpPr>
+        <a:xfrm>
+          <a:off x="0" y="0"/>
+          <a:ext cx="0" cy="0"/>
+          <a:chOff x="0" y="0"/>
+          <a:chExt cx="0" cy="0"/>
+        </a:xfrm>
+      </p:grpSpPr>
+      <p:sp>
+        <p:nvSpPr>
+          <p:cNvPr id="2" name="Slide Image Placeholder 1"/>
           <p:cNvSpPr>
             <a:spLocks noGrp="1" noRot="1" noChangeAspect="1"/>
           </p:cNvSpPr>
           <p:nvPr>
-            <p:ph type="sldImg" idx="2"/>
+            <p:ph type="sldImg"/>
+          </p:nvPr>
+        </p:nvSpPr>
+        <p:spPr/>
+      </p:sp>
+      <p:sp>
+        <p:nvSpPr>
+          <p:cNvPr id="3" name="Notes Placeholder 2"/>
+          <p:cNvSpPr>
+            <a:spLocks noGrp="1"/>
+          </p:cNvSpPr>
+          <p:nvPr>
+            <p:ph type="body" idx="1"/>
+          </p:nvPr>
+        </p:nvSpPr>
+        <p:spPr/>
+        <p:txBody>
+          <a:bodyPr/>
+          <a:lstStyle/>
+          <a:p>
+            <a:endParaRPr lang="en-US" dirty="0"/>
+          </a:p>
+        </p:txBody>
+      </p:sp>
+      <p:sp>
+        <p:nvSpPr>
+          <p:cNvPr id="4" name="Slide Number Placeholder 3"/>
+          <p:cNvSpPr>
+            <a:spLocks noGrp="1"/>
+          </p:cNvSpPr>
+          <p:nvPr>
+            <p:ph type="sldNum" sz="quarter" idx="10"/>
+          </p:nvPr>
+        </p:nvSpPr>
+        <p:spPr/>
+        <p:txBody>
+          <a:bodyPr/>
+          <a:lstStyle/>
+          <a:p>
+            <a:fld id="{19B87A38-3CEC-41F8-9B8A-7D549F200228}" type="slidenum">
+              <a:rPr lang="en-US" smtClean="0"/>
+              <a:t>11</a:t>
+            </a:fld>
+            <a:endParaRPr lang="en-US"/>
+          </a:p>
+        </p:txBody>
+      </p:sp>
+    </p:spTree>
+    <p:extLst>
+      <p:ext uri="{BB962C8B-B14F-4D97-AF65-F5344CB8AC3E}">
+        <p14:creationId xmlns:p14="http://schemas.microsoft.com/office/powerpoint/2010/main" val="1485285142"/>
+      </p:ext>
+    </p:extLst>
+  </p:cSld>
+  <p:clrMapOvr>
+    <a:masterClrMapping/>
+  </p:clrMapOvr>
+</p:notes>
+</file>
+
+<file path=ppt/notesSlides/notesSlide12.xml><?xml version="1.0" encoding="utf-8"?>
+<p:notes xmlns:a="http://schemas.openxmlformats.org/drawingml/2006/main" xmlns:r="http://schemas.openxmlformats.org/officeDocument/2006/relationships" xmlns:p="http://schemas.openxmlformats.org/presentationml/2006/main">
+  <p:cSld>
+    <p:spTree>
+      <p:nvGrpSpPr>
+        <p:cNvPr id="1" name=""/>
+        <p:cNvGrpSpPr/>
+        <p:nvPr/>
+      </p:nvGrpSpPr>
+      <p:grpSpPr>
+        <a:xfrm>
+          <a:off x="0" y="0"/>
+          <a:ext cx="0" cy="0"/>
+          <a:chOff x="0" y="0"/>
+          <a:chExt cx="0" cy="0"/>
+        </a:xfrm>
+      </p:grpSpPr>
+      <p:sp>
+        <p:nvSpPr>
+          <p:cNvPr id="2" name="Slide Image Placeholder 1"/>
+          <p:cNvSpPr>
+            <a:spLocks noGrp="1" noRot="1" noChangeAspect="1"/>
+          </p:cNvSpPr>
+          <p:nvPr>
+            <p:ph type="sldImg"/>
           </p:nvPr>
         </p:nvSpPr>
         <p:spPr>
           <a:xfrm>
-            <a:off x="1606550" y="685800"/>
-            <a:ext cx="3702050" cy="2082800"/>
+            <a:off x="381000" y="685800"/>
+            <a:ext cx="6096000" cy="3429000"/>
           </a:xfrm>
-          <a:custGeom>
-            <a:avLst/>
-            <a:gdLst/>
-            <a:ahLst/>
-            <a:cxnLst/>
-            <a:rect l="0" t="0" r="0" b="0"/>
-            <a:pathLst>
-              <a:path w="120000" h="120000" extrusionOk="0">
-                <a:moveTo>
-                  <a:pt x="0" y="0"/>
-                </a:moveTo>
-                <a:lnTo>
-                  <a:pt x="120000" y="0"/>
-                </a:lnTo>
-                <a:lnTo>
-                  <a:pt x="120000" y="120000"/>
-                </a:lnTo>
-                <a:lnTo>
-                  <a:pt x="0" y="120000"/>
-                </a:lnTo>
-                <a:close/>
-              </a:path>
-            </a:pathLst>
-          </a:custGeom>
-          <a:noFill/>
-          <a:ln w="9525" cap="flat" cmpd="sng">
-            <a:solidFill>
-              <a:srgbClr val="000000"/>
-            </a:solidFill>
-            <a:prstDash val="solid"/>
-            <a:round/>
-            <a:headEnd type="none" w="med" len="med"/>
-            <a:tailEnd type="none" w="med" len="med"/>
-          </a:ln>
         </p:spPr>
       </p:sp>
+      <p:sp>
+        <p:nvSpPr>
+          <p:cNvPr id="3" name="Notes Placeholder 2"/>
+          <p:cNvSpPr>
+            <a:spLocks noGrp="1"/>
+          </p:cNvSpPr>
+          <p:nvPr>
+            <p:ph type="body" idx="1"/>
+          </p:nvPr>
+        </p:nvSpPr>
+        <p:spPr/>
+        <p:txBody>
+          <a:bodyPr lIns="90571" tIns="45286" rIns="90571" bIns="45286">
+            <a:normAutofit/>
+          </a:bodyPr>
+          <a:lstStyle/>
+          <a:p>
+            <a:endParaRPr lang="en-US" dirty="0"/>
+          </a:p>
+        </p:txBody>
+      </p:sp>
     </p:spTree>
+    <p:extLst>
+      <p:ext uri="{BB962C8B-B14F-4D97-AF65-F5344CB8AC3E}">
+        <p14:creationId xmlns:p14="http://schemas.microsoft.com/office/powerpoint/2010/main" val="2318069329"/>
+      </p:ext>
+    </p:extLst>
+  </p:cSld>
+  <p:clrMapOvr>
+    <a:masterClrMapping/>
+  </p:clrMapOvr>
+</p:notes>
+</file>
+
+<file path=ppt/notesSlides/notesSlide2.xml><?xml version="1.0" encoding="utf-8"?>
+<p:notes xmlns:a="http://schemas.openxmlformats.org/drawingml/2006/main" xmlns:r="http://schemas.openxmlformats.org/officeDocument/2006/relationships" xmlns:p="http://schemas.openxmlformats.org/presentationml/2006/main">
+  <p:cSld>
+    <p:spTree>
+      <p:nvGrpSpPr>
+        <p:cNvPr id="1" name=""/>
+        <p:cNvGrpSpPr/>
+        <p:nvPr/>
+      </p:nvGrpSpPr>
+      <p:grpSpPr>
+        <a:xfrm>
+          <a:off x="0" y="0"/>
+          <a:ext cx="0" cy="0"/>
+          <a:chOff x="0" y="0"/>
+          <a:chExt cx="0" cy="0"/>
+        </a:xfrm>
+      </p:grpSpPr>
+      <p:sp>
+        <p:nvSpPr>
+          <p:cNvPr id="2" name="Slide Image Placeholder 1"/>
+          <p:cNvSpPr>
+            <a:spLocks noGrp="1" noRot="1" noChangeAspect="1"/>
+          </p:cNvSpPr>
+          <p:nvPr>
+            <p:ph type="sldImg"/>
+          </p:nvPr>
+        </p:nvSpPr>
+        <p:spPr/>
+      </p:sp>
+      <p:sp>
+        <p:nvSpPr>
+          <p:cNvPr id="3" name="Notes Placeholder 2"/>
+          <p:cNvSpPr>
+            <a:spLocks noGrp="1"/>
+          </p:cNvSpPr>
+          <p:nvPr>
+            <p:ph type="body" idx="1"/>
+          </p:nvPr>
+        </p:nvSpPr>
+        <p:spPr/>
+        <p:txBody>
+          <a:bodyPr/>
+          <a:lstStyle/>
+          <a:p>
+            <a:r>
+              <a:rPr lang="en-US" dirty="0" smtClean="0"/>
+              <a:t>Service Discovery is one of the key tenets of a microservice based architecture.</a:t>
+            </a:r>
+          </a:p>
+          <a:p>
+            <a:r>
+              <a:rPr lang="en-US" dirty="0" smtClean="0"/>
+              <a:t>In distributed systems, application dependencies cease to be a method call away.</a:t>
+            </a:r>
+          </a:p>
+          <a:p>
+            <a:r>
+              <a:rPr lang="en-US" dirty="0" smtClean="0"/>
+              <a:t>Trying to hand configure each client or use some form of convention can be very difficult to do and can be very brittle.</a:t>
+            </a:r>
+            <a:endParaRPr lang="en-US" dirty="0"/>
+          </a:p>
+        </p:txBody>
+      </p:sp>
+      <p:sp>
+        <p:nvSpPr>
+          <p:cNvPr id="4" name="Slide Number Placeholder 3"/>
+          <p:cNvSpPr>
+            <a:spLocks noGrp="1"/>
+          </p:cNvSpPr>
+          <p:nvPr>
+            <p:ph type="sldNum" sz="quarter" idx="10"/>
+          </p:nvPr>
+        </p:nvSpPr>
+        <p:spPr/>
+        <p:txBody>
+          <a:bodyPr/>
+          <a:lstStyle/>
+          <a:p>
+            <a:fld id="{19B87A38-3CEC-41F8-9B8A-7D549F200228}" type="slidenum">
+              <a:rPr lang="en-US" smtClean="0"/>
+              <a:t>2</a:t>
+            </a:fld>
+            <a:endParaRPr lang="en-US"/>
+          </a:p>
+        </p:txBody>
+      </p:sp>
+    </p:spTree>
+    <p:extLst>
+      <p:ext uri="{BB962C8B-B14F-4D97-AF65-F5344CB8AC3E}">
+        <p14:creationId xmlns:p14="http://schemas.microsoft.com/office/powerpoint/2010/main" val="136638083"/>
+      </p:ext>
+    </p:extLst>
+  </p:cSld>
+  <p:clrMapOvr>
+    <a:masterClrMapping/>
+  </p:clrMapOvr>
+</p:notes>
+</file>
+
+<file path=ppt/notesSlides/notesSlide3.xml><?xml version="1.0" encoding="utf-8"?>
+<p:notes xmlns:a="http://schemas.openxmlformats.org/drawingml/2006/main" xmlns:r="http://schemas.openxmlformats.org/officeDocument/2006/relationships" xmlns:p="http://schemas.openxmlformats.org/presentationml/2006/main">
+  <p:cSld>
+    <p:spTree>
+      <p:nvGrpSpPr>
+        <p:cNvPr id="1" name=""/>
+        <p:cNvGrpSpPr/>
+        <p:nvPr/>
+      </p:nvGrpSpPr>
+      <p:grpSpPr>
+        <a:xfrm>
+          <a:off x="0" y="0"/>
+          <a:ext cx="0" cy="0"/>
+          <a:chOff x="0" y="0"/>
+          <a:chExt cx="0" cy="0"/>
+        </a:xfrm>
+      </p:grpSpPr>
+      <p:sp>
+        <p:nvSpPr>
+          <p:cNvPr id="2" name="Slide Image Placeholder 1"/>
+          <p:cNvSpPr>
+            <a:spLocks noGrp="1" noRot="1" noChangeAspect="1"/>
+          </p:cNvSpPr>
+          <p:nvPr>
+            <p:ph type="sldImg"/>
+          </p:nvPr>
+        </p:nvSpPr>
+        <p:spPr/>
+      </p:sp>
+      <p:sp>
+        <p:nvSpPr>
+          <p:cNvPr id="3" name="Notes Placeholder 2"/>
+          <p:cNvSpPr>
+            <a:spLocks noGrp="1"/>
+          </p:cNvSpPr>
+          <p:nvPr>
+            <p:ph type="body" idx="1"/>
+          </p:nvPr>
+        </p:nvSpPr>
+        <p:spPr/>
+        <p:txBody>
+          <a:bodyPr/>
+          <a:lstStyle/>
+          <a:p>
+            <a:r>
+              <a:rPr lang="en-US" dirty="0" smtClean="0"/>
+              <a:t>Service instances in the registry all have to send heartbeats to keep their registrations up to date</a:t>
+            </a:r>
+          </a:p>
+          <a:p>
+            <a:r>
+              <a:rPr lang="en-US" dirty="0" smtClean="0"/>
+              <a:t>Clients also have an in-memory cache of eureka registrations (so they don’t have to go to the registry for every single request to a service)</a:t>
+            </a:r>
+            <a:endParaRPr lang="en-US" dirty="0"/>
+          </a:p>
+        </p:txBody>
+      </p:sp>
+      <p:sp>
+        <p:nvSpPr>
+          <p:cNvPr id="4" name="Slide Number Placeholder 3"/>
+          <p:cNvSpPr>
+            <a:spLocks noGrp="1"/>
+          </p:cNvSpPr>
+          <p:nvPr>
+            <p:ph type="sldNum" sz="quarter" idx="10"/>
+          </p:nvPr>
+        </p:nvSpPr>
+        <p:spPr/>
+        <p:txBody>
+          <a:bodyPr/>
+          <a:lstStyle/>
+          <a:p>
+            <a:fld id="{19B87A38-3CEC-41F8-9B8A-7D549F200228}" type="slidenum">
+              <a:rPr lang="en-US" smtClean="0"/>
+              <a:t>3</a:t>
+            </a:fld>
+            <a:endParaRPr lang="en-US"/>
+          </a:p>
+        </p:txBody>
+      </p:sp>
+    </p:spTree>
+    <p:extLst>
+      <p:ext uri="{BB962C8B-B14F-4D97-AF65-F5344CB8AC3E}">
+        <p14:creationId xmlns:p14="http://schemas.microsoft.com/office/powerpoint/2010/main" val="2014211017"/>
+      </p:ext>
+    </p:extLst>
+  </p:cSld>
+  <p:clrMapOvr>
+    <a:masterClrMapping/>
+  </p:clrMapOvr>
+</p:notes>
+</file>
+
+<file path=ppt/notesSlides/notesSlide4.xml><?xml version="1.0" encoding="utf-8"?>
+<p:notes xmlns:a="http://schemas.openxmlformats.org/drawingml/2006/main" xmlns:r="http://schemas.openxmlformats.org/officeDocument/2006/relationships" xmlns:p="http://schemas.openxmlformats.org/presentationml/2006/main">
+  <p:cSld>
+    <p:spTree>
+      <p:nvGrpSpPr>
+        <p:cNvPr id="1" name=""/>
+        <p:cNvGrpSpPr/>
+        <p:nvPr/>
+      </p:nvGrpSpPr>
+      <p:grpSpPr>
+        <a:xfrm>
+          <a:off x="0" y="0"/>
+          <a:ext cx="0" cy="0"/>
+          <a:chOff x="0" y="0"/>
+          <a:chExt cx="0" cy="0"/>
+        </a:xfrm>
+      </p:grpSpPr>
+      <p:sp>
+        <p:nvSpPr>
+          <p:cNvPr id="2" name="Slide Image Placeholder 1"/>
+          <p:cNvSpPr>
+            <a:spLocks noGrp="1" noRot="1" noChangeAspect="1"/>
+          </p:cNvSpPr>
+          <p:nvPr>
+            <p:ph type="sldImg"/>
+          </p:nvPr>
+        </p:nvSpPr>
+        <p:spPr/>
+      </p:sp>
+      <p:sp>
+        <p:nvSpPr>
+          <p:cNvPr id="3" name="Notes Placeholder 2"/>
+          <p:cNvSpPr>
+            <a:spLocks noGrp="1"/>
+          </p:cNvSpPr>
+          <p:nvPr>
+            <p:ph type="body" idx="1"/>
+          </p:nvPr>
+        </p:nvSpPr>
+        <p:spPr/>
+        <p:txBody>
+          <a:bodyPr/>
+          <a:lstStyle/>
+          <a:p>
+            <a:endParaRPr lang="en-US" dirty="0"/>
+          </a:p>
+        </p:txBody>
+      </p:sp>
+      <p:sp>
+        <p:nvSpPr>
+          <p:cNvPr id="4" name="Slide Number Placeholder 3"/>
+          <p:cNvSpPr>
+            <a:spLocks noGrp="1"/>
+          </p:cNvSpPr>
+          <p:nvPr>
+            <p:ph type="sldNum" sz="quarter" idx="10"/>
+          </p:nvPr>
+        </p:nvSpPr>
+        <p:spPr/>
+        <p:txBody>
+          <a:bodyPr/>
+          <a:lstStyle/>
+          <a:p>
+            <a:fld id="{19B87A38-3CEC-41F8-9B8A-7D549F200228}" type="slidenum">
+              <a:rPr lang="en-US" smtClean="0"/>
+              <a:t>4</a:t>
+            </a:fld>
+            <a:endParaRPr lang="en-US"/>
+          </a:p>
+        </p:txBody>
+      </p:sp>
+    </p:spTree>
+    <p:extLst>
+      <p:ext uri="{BB962C8B-B14F-4D97-AF65-F5344CB8AC3E}">
+        <p14:creationId xmlns:p14="http://schemas.microsoft.com/office/powerpoint/2010/main" val="1485285142"/>
+      </p:ext>
+    </p:extLst>
+  </p:cSld>
+  <p:clrMapOvr>
+    <a:masterClrMapping/>
+  </p:clrMapOvr>
+</p:notes>
+</file>
+
+<file path=ppt/notesSlides/notesSlide5.xml><?xml version="1.0" encoding="utf-8"?>
+<p:notes xmlns:a="http://schemas.openxmlformats.org/drawingml/2006/main" xmlns:r="http://schemas.openxmlformats.org/officeDocument/2006/relationships" xmlns:p="http://schemas.openxmlformats.org/presentationml/2006/main">
+  <p:cSld>
+    <p:spTree>
+      <p:nvGrpSpPr>
+        <p:cNvPr id="1" name=""/>
+        <p:cNvGrpSpPr/>
+        <p:nvPr/>
+      </p:nvGrpSpPr>
+      <p:grpSpPr>
+        <a:xfrm>
+          <a:off x="0" y="0"/>
+          <a:ext cx="0" cy="0"/>
+          <a:chOff x="0" y="0"/>
+          <a:chExt cx="0" cy="0"/>
+        </a:xfrm>
+      </p:grpSpPr>
+      <p:sp>
+        <p:nvSpPr>
+          <p:cNvPr id="2" name="Slide Image Placeholder 1"/>
+          <p:cNvSpPr>
+            <a:spLocks noGrp="1" noRot="1" noChangeAspect="1"/>
+          </p:cNvSpPr>
+          <p:nvPr>
+            <p:ph type="sldImg"/>
+          </p:nvPr>
+        </p:nvSpPr>
+        <p:spPr/>
+      </p:sp>
+      <p:sp>
+        <p:nvSpPr>
+          <p:cNvPr id="3" name="Notes Placeholder 2"/>
+          <p:cNvSpPr>
+            <a:spLocks noGrp="1"/>
+          </p:cNvSpPr>
+          <p:nvPr>
+            <p:ph type="body" idx="1"/>
+          </p:nvPr>
+        </p:nvSpPr>
+        <p:spPr/>
+        <p:txBody>
+          <a:bodyPr/>
+          <a:lstStyle/>
+          <a:p>
+            <a:endParaRPr lang="en-US" dirty="0"/>
+          </a:p>
+        </p:txBody>
+      </p:sp>
+      <p:sp>
+        <p:nvSpPr>
+          <p:cNvPr id="4" name="Slide Number Placeholder 3"/>
+          <p:cNvSpPr>
+            <a:spLocks noGrp="1"/>
+          </p:cNvSpPr>
+          <p:nvPr>
+            <p:ph type="sldNum" sz="quarter" idx="10"/>
+          </p:nvPr>
+        </p:nvSpPr>
+        <p:spPr/>
+        <p:txBody>
+          <a:bodyPr/>
+          <a:lstStyle/>
+          <a:p>
+            <a:fld id="{19B87A38-3CEC-41F8-9B8A-7D549F200228}" type="slidenum">
+              <a:rPr lang="en-US" smtClean="0"/>
+              <a:t>5</a:t>
+            </a:fld>
+            <a:endParaRPr lang="en-US"/>
+          </a:p>
+        </p:txBody>
+      </p:sp>
+    </p:spTree>
+    <p:extLst>
+      <p:ext uri="{BB962C8B-B14F-4D97-AF65-F5344CB8AC3E}">
+        <p14:creationId xmlns:p14="http://schemas.microsoft.com/office/powerpoint/2010/main" val="2014211017"/>
+      </p:ext>
+    </p:extLst>
+  </p:cSld>
+  <p:clrMapOvr>
+    <a:masterClrMapping/>
+  </p:clrMapOvr>
+</p:notes>
+</file>
+
+<file path=ppt/notesSlides/notesSlide6.xml><?xml version="1.0" encoding="utf-8"?>
+<p:notes xmlns:a="http://schemas.openxmlformats.org/drawingml/2006/main" xmlns:r="http://schemas.openxmlformats.org/officeDocument/2006/relationships" xmlns:p="http://schemas.openxmlformats.org/presentationml/2006/main">
+  <p:cSld>
+    <p:spTree>
+      <p:nvGrpSpPr>
+        <p:cNvPr id="1" name=""/>
+        <p:cNvGrpSpPr/>
+        <p:nvPr/>
+      </p:nvGrpSpPr>
+      <p:grpSpPr>
+        <a:xfrm>
+          <a:off x="0" y="0"/>
+          <a:ext cx="0" cy="0"/>
+          <a:chOff x="0" y="0"/>
+          <a:chExt cx="0" cy="0"/>
+        </a:xfrm>
+      </p:grpSpPr>
+      <p:sp>
+        <p:nvSpPr>
+          <p:cNvPr id="2" name="Slide Image Placeholder 1"/>
+          <p:cNvSpPr>
+            <a:spLocks noGrp="1" noRot="1" noChangeAspect="1"/>
+          </p:cNvSpPr>
+          <p:nvPr>
+            <p:ph type="sldImg"/>
+          </p:nvPr>
+        </p:nvSpPr>
+        <p:spPr/>
+      </p:sp>
+      <p:sp>
+        <p:nvSpPr>
+          <p:cNvPr id="3" name="Notes Placeholder 2"/>
+          <p:cNvSpPr>
+            <a:spLocks noGrp="1"/>
+          </p:cNvSpPr>
+          <p:nvPr>
+            <p:ph type="body" idx="1"/>
+          </p:nvPr>
+        </p:nvSpPr>
+        <p:spPr/>
+        <p:txBody>
+          <a:bodyPr/>
+          <a:lstStyle/>
+          <a:p>
+            <a:r>
+              <a:rPr lang="en-US" sz="1200" b="1" kern="1200" dirty="0" smtClean="0">
+                <a:solidFill>
+                  <a:schemeClr val="tx1"/>
+                </a:solidFill>
+                <a:effectLst/>
+                <a:latin typeface="+mn-lt"/>
+                <a:ea typeface="+mn-ea"/>
+                <a:cs typeface="+mn-cs"/>
+              </a:rPr>
+              <a:t>The server is easily embeddable in a Spring Boot application using </a:t>
+            </a:r>
+            <a:r>
+              <a:rPr lang="en-US" sz="1200" b="1" kern="1200" dirty="0" err="1" smtClean="0">
+                <a:solidFill>
+                  <a:schemeClr val="tx1"/>
+                </a:solidFill>
+                <a:effectLst/>
+                <a:latin typeface="+mn-lt"/>
+                <a:ea typeface="+mn-ea"/>
+                <a:cs typeface="+mn-cs"/>
+              </a:rPr>
+              <a:t>the@EnableConfigServer</a:t>
+            </a:r>
+            <a:r>
+              <a:rPr lang="en-US" sz="1200" b="1" kern="1200" dirty="0" smtClean="0">
+                <a:solidFill>
+                  <a:schemeClr val="tx1"/>
+                </a:solidFill>
+                <a:effectLst/>
+                <a:latin typeface="+mn-lt"/>
+                <a:ea typeface="+mn-ea"/>
+                <a:cs typeface="+mn-cs"/>
+              </a:rPr>
+              <a:t> annotation.</a:t>
+            </a:r>
+            <a:endParaRPr lang="en-US" sz="1200" kern="1200" dirty="0" smtClean="0">
+              <a:solidFill>
+                <a:schemeClr val="tx1"/>
+              </a:solidFill>
+              <a:effectLst/>
+              <a:latin typeface="+mn-lt"/>
+              <a:ea typeface="+mn-ea"/>
+              <a:cs typeface="+mn-cs"/>
+            </a:endParaRPr>
+          </a:p>
+          <a:p>
+            <a:endParaRPr lang="en-US" dirty="0" smtClean="0"/>
+          </a:p>
+          <a:p>
+            <a:pPr lvl="0" fontAlgn="base"/>
+            <a:r>
+              <a:rPr lang="en-US" sz="1200" b="1" kern="1200" dirty="0" smtClean="0">
+                <a:solidFill>
+                  <a:schemeClr val="tx1"/>
+                </a:solidFill>
+                <a:effectLst/>
+                <a:latin typeface="+mn-lt"/>
+                <a:ea typeface="+mn-ea"/>
+                <a:cs typeface="+mn-cs"/>
+              </a:rPr>
+              <a:t>Application configuration data is stored in a backend</a:t>
+            </a:r>
+            <a:endParaRPr lang="en-US" sz="1200" kern="1200" dirty="0" smtClean="0">
+              <a:solidFill>
+                <a:schemeClr val="tx1"/>
+              </a:solidFill>
+              <a:effectLst/>
+              <a:latin typeface="+mn-lt"/>
+              <a:ea typeface="+mn-ea"/>
+              <a:cs typeface="+mn-cs"/>
+            </a:endParaRPr>
+          </a:p>
+          <a:p>
+            <a:pPr lvl="0" fontAlgn="base"/>
+            <a:r>
+              <a:rPr lang="en-US" sz="1200" b="1" kern="1200" dirty="0" smtClean="0">
+                <a:solidFill>
+                  <a:schemeClr val="tx1"/>
+                </a:solidFill>
+                <a:effectLst/>
+                <a:latin typeface="+mn-lt"/>
+                <a:ea typeface="+mn-ea"/>
+                <a:cs typeface="+mn-cs"/>
+              </a:rPr>
+              <a:t>Git, Subversion and File System </a:t>
+            </a:r>
+            <a:r>
+              <a:rPr lang="en-US" sz="1200" b="1" kern="1200" dirty="0" err="1" smtClean="0">
+                <a:solidFill>
+                  <a:schemeClr val="tx1"/>
+                </a:solidFill>
+                <a:effectLst/>
+                <a:latin typeface="+mn-lt"/>
+                <a:ea typeface="+mn-ea"/>
+                <a:cs typeface="+mn-cs"/>
+              </a:rPr>
+              <a:t>backends</a:t>
+            </a:r>
+            <a:r>
+              <a:rPr lang="en-US" sz="1200" b="1" kern="1200" dirty="0" smtClean="0">
+                <a:solidFill>
+                  <a:schemeClr val="tx1"/>
+                </a:solidFill>
+                <a:effectLst/>
+                <a:latin typeface="+mn-lt"/>
+                <a:ea typeface="+mn-ea"/>
+                <a:cs typeface="+mn-cs"/>
+              </a:rPr>
+              <a:t> are supported</a:t>
+            </a:r>
+            <a:endParaRPr lang="en-US" sz="1200" kern="1200" dirty="0" smtClean="0">
+              <a:solidFill>
+                <a:schemeClr val="tx1"/>
+              </a:solidFill>
+              <a:effectLst/>
+              <a:latin typeface="+mn-lt"/>
+              <a:ea typeface="+mn-ea"/>
+              <a:cs typeface="+mn-cs"/>
+            </a:endParaRPr>
+          </a:p>
+          <a:p>
+            <a:pPr lvl="0" fontAlgn="base"/>
+            <a:r>
+              <a:rPr lang="en-US" sz="1200" b="1" kern="1200" dirty="0" smtClean="0">
+                <a:solidFill>
+                  <a:schemeClr val="tx1"/>
+                </a:solidFill>
+                <a:effectLst/>
+                <a:latin typeface="+mn-lt"/>
+                <a:ea typeface="+mn-ea"/>
+                <a:cs typeface="+mn-cs"/>
+              </a:rPr>
+              <a:t>Git is the default backend. It's great for auditing changes and managing upgrades</a:t>
+            </a:r>
+            <a:endParaRPr lang="en-US" sz="1200" kern="1200" dirty="0" smtClean="0">
+              <a:solidFill>
+                <a:schemeClr val="tx1"/>
+              </a:solidFill>
+              <a:effectLst/>
+              <a:latin typeface="+mn-lt"/>
+              <a:ea typeface="+mn-ea"/>
+              <a:cs typeface="+mn-cs"/>
+            </a:endParaRPr>
+          </a:p>
+          <a:p>
+            <a:pPr lvl="0" fontAlgn="base"/>
+            <a:r>
+              <a:rPr lang="en-US" sz="1200" b="1" kern="1200" dirty="0" smtClean="0">
+                <a:solidFill>
+                  <a:schemeClr val="tx1"/>
+                </a:solidFill>
+                <a:effectLst/>
+                <a:latin typeface="+mn-lt"/>
+                <a:ea typeface="+mn-ea"/>
+                <a:cs typeface="+mn-cs"/>
+              </a:rPr>
+              <a:t>Setting the git backend is done via the </a:t>
+            </a:r>
+            <a:r>
+              <a:rPr lang="en-US" sz="1200" b="1" kern="1200" dirty="0" err="1" smtClean="0">
+                <a:solidFill>
+                  <a:schemeClr val="tx1"/>
+                </a:solidFill>
+                <a:effectLst/>
+                <a:latin typeface="+mn-lt"/>
+                <a:ea typeface="+mn-ea"/>
+                <a:cs typeface="+mn-cs"/>
+              </a:rPr>
+              <a:t>spring.cloud.config.server.git.uriconfiguration</a:t>
+            </a:r>
+            <a:r>
+              <a:rPr lang="en-US" sz="1200" b="1" kern="1200" dirty="0" smtClean="0">
+                <a:solidFill>
+                  <a:schemeClr val="tx1"/>
+                </a:solidFill>
+                <a:effectLst/>
+                <a:latin typeface="+mn-lt"/>
+                <a:ea typeface="+mn-ea"/>
+                <a:cs typeface="+mn-cs"/>
+              </a:rPr>
+              <a:t> property</a:t>
+            </a:r>
+          </a:p>
+          <a:p>
+            <a:pPr lvl="0" fontAlgn="base"/>
+            <a:endParaRPr lang="en-US" sz="1200" b="1" kern="1200" dirty="0" smtClean="0">
+              <a:solidFill>
+                <a:schemeClr val="tx1"/>
+              </a:solidFill>
+              <a:effectLst/>
+              <a:latin typeface="+mn-lt"/>
+              <a:ea typeface="+mn-ea"/>
+              <a:cs typeface="+mn-cs"/>
+            </a:endParaRPr>
+          </a:p>
+          <a:p>
+            <a:pPr lvl="0" fontAlgn="base"/>
+            <a:endParaRPr lang="en-US" sz="1200" kern="1200" dirty="0" smtClean="0">
+              <a:solidFill>
+                <a:schemeClr val="tx1"/>
+              </a:solidFill>
+              <a:effectLst/>
+              <a:latin typeface="+mn-lt"/>
+              <a:ea typeface="+mn-ea"/>
+              <a:cs typeface="+mn-cs"/>
+            </a:endParaRPr>
+          </a:p>
+          <a:p>
+            <a:r>
+              <a:rPr lang="en-US" sz="1200" kern="1200" dirty="0" smtClean="0">
+                <a:solidFill>
+                  <a:schemeClr val="tx1"/>
+                </a:solidFill>
+                <a:effectLst/>
+                <a:latin typeface="+mn-lt"/>
+                <a:ea typeface="+mn-ea"/>
+                <a:cs typeface="+mn-cs"/>
+              </a:rPr>
+              <a:t> </a:t>
+            </a:r>
+          </a:p>
+          <a:p>
+            <a:endParaRPr lang="en-US" dirty="0"/>
+          </a:p>
+        </p:txBody>
+      </p:sp>
+      <p:sp>
+        <p:nvSpPr>
+          <p:cNvPr id="4" name="Slide Number Placeholder 3"/>
+          <p:cNvSpPr>
+            <a:spLocks noGrp="1"/>
+          </p:cNvSpPr>
+          <p:nvPr>
+            <p:ph type="sldNum" sz="quarter" idx="10"/>
+          </p:nvPr>
+        </p:nvSpPr>
+        <p:spPr/>
+        <p:txBody>
+          <a:bodyPr/>
+          <a:lstStyle/>
+          <a:p>
+            <a:fld id="{19B87A38-3CEC-41F8-9B8A-7D549F200228}" type="slidenum">
+              <a:rPr lang="en-US" smtClean="0"/>
+              <a:t>6</a:t>
+            </a:fld>
+            <a:endParaRPr lang="en-US"/>
+          </a:p>
+        </p:txBody>
+      </p:sp>
+    </p:spTree>
+    <p:extLst>
+      <p:ext uri="{BB962C8B-B14F-4D97-AF65-F5344CB8AC3E}">
+        <p14:creationId xmlns:p14="http://schemas.microsoft.com/office/powerpoint/2010/main" val="1485285142"/>
+      </p:ext>
+    </p:extLst>
+  </p:cSld>
+  <p:clrMapOvr>
+    <a:masterClrMapping/>
+  </p:clrMapOvr>
+</p:notes>
+</file>
+
+<file path=ppt/notesSlides/notesSlide7.xml><?xml version="1.0" encoding="utf-8"?>
+<p:notes xmlns:a="http://schemas.openxmlformats.org/drawingml/2006/main" xmlns:r="http://schemas.openxmlformats.org/officeDocument/2006/relationships" xmlns:p="http://schemas.openxmlformats.org/presentationml/2006/main">
+  <p:cSld>
+    <p:spTree>
+      <p:nvGrpSpPr>
+        <p:cNvPr id="1" name=""/>
+        <p:cNvGrpSpPr/>
+        <p:nvPr/>
+      </p:nvGrpSpPr>
+      <p:grpSpPr>
+        <a:xfrm>
+          <a:off x="0" y="0"/>
+          <a:ext cx="0" cy="0"/>
+          <a:chOff x="0" y="0"/>
+          <a:chExt cx="0" cy="0"/>
+        </a:xfrm>
+      </p:grpSpPr>
+      <p:sp>
+        <p:nvSpPr>
+          <p:cNvPr id="2" name="Slide Image Placeholder 1"/>
+          <p:cNvSpPr>
+            <a:spLocks noGrp="1" noRot="1" noChangeAspect="1"/>
+          </p:cNvSpPr>
+          <p:nvPr>
+            <p:ph type="sldImg"/>
+          </p:nvPr>
+        </p:nvSpPr>
+        <p:spPr/>
+      </p:sp>
+      <p:sp>
+        <p:nvSpPr>
+          <p:cNvPr id="3" name="Notes Placeholder 2"/>
+          <p:cNvSpPr>
+            <a:spLocks noGrp="1"/>
+          </p:cNvSpPr>
+          <p:nvPr>
+            <p:ph type="body" idx="1"/>
+          </p:nvPr>
+        </p:nvSpPr>
+        <p:spPr/>
+        <p:txBody>
+          <a:bodyPr/>
+          <a:lstStyle/>
+          <a:p>
+            <a:pPr marL="0" indent="0" fontAlgn="base">
+              <a:buNone/>
+            </a:pPr>
+            <a:endParaRPr lang="en-US" sz="1200" dirty="0"/>
+          </a:p>
+        </p:txBody>
+      </p:sp>
+      <p:sp>
+        <p:nvSpPr>
+          <p:cNvPr id="4" name="Slide Number Placeholder 3"/>
+          <p:cNvSpPr>
+            <a:spLocks noGrp="1"/>
+          </p:cNvSpPr>
+          <p:nvPr>
+            <p:ph type="sldNum" sz="quarter" idx="10"/>
+          </p:nvPr>
+        </p:nvSpPr>
+        <p:spPr/>
+        <p:txBody>
+          <a:bodyPr/>
+          <a:lstStyle/>
+          <a:p>
+            <a:fld id="{19B87A38-3CEC-41F8-9B8A-7D549F200228}" type="slidenum">
+              <a:rPr lang="en-US" smtClean="0"/>
+              <a:t>7</a:t>
+            </a:fld>
+            <a:endParaRPr lang="en-US"/>
+          </a:p>
+        </p:txBody>
+      </p:sp>
+    </p:spTree>
+    <p:extLst>
+      <p:ext uri="{BB962C8B-B14F-4D97-AF65-F5344CB8AC3E}">
+        <p14:creationId xmlns:p14="http://schemas.microsoft.com/office/powerpoint/2010/main" val="1485285142"/>
+      </p:ext>
+    </p:extLst>
+  </p:cSld>
+  <p:clrMapOvr>
+    <a:masterClrMapping/>
+  </p:clrMapOvr>
+</p:notes>
+</file>
+
+<file path=ppt/notesSlides/notesSlide8.xml><?xml version="1.0" encoding="utf-8"?>
+<p:notes xmlns:a="http://schemas.openxmlformats.org/drawingml/2006/main" xmlns:r="http://schemas.openxmlformats.org/officeDocument/2006/relationships" xmlns:p="http://schemas.openxmlformats.org/presentationml/2006/main">
+  <p:cSld>
+    <p:spTree>
+      <p:nvGrpSpPr>
+        <p:cNvPr id="1" name=""/>
+        <p:cNvGrpSpPr/>
+        <p:nvPr/>
+      </p:nvGrpSpPr>
+      <p:grpSpPr>
+        <a:xfrm>
+          <a:off x="0" y="0"/>
+          <a:ext cx="0" cy="0"/>
+          <a:chOff x="0" y="0"/>
+          <a:chExt cx="0" cy="0"/>
+        </a:xfrm>
+      </p:grpSpPr>
+      <p:sp>
+        <p:nvSpPr>
+          <p:cNvPr id="2" name="Slide Image Placeholder 1"/>
+          <p:cNvSpPr>
+            <a:spLocks noGrp="1" noRot="1" noChangeAspect="1"/>
+          </p:cNvSpPr>
+          <p:nvPr>
+            <p:ph type="sldImg"/>
+          </p:nvPr>
+        </p:nvSpPr>
+        <p:spPr/>
+      </p:sp>
+      <p:sp>
+        <p:nvSpPr>
+          <p:cNvPr id="3" name="Notes Placeholder 2"/>
+          <p:cNvSpPr>
+            <a:spLocks noGrp="1"/>
+          </p:cNvSpPr>
+          <p:nvPr>
+            <p:ph type="body" idx="1"/>
+          </p:nvPr>
+        </p:nvSpPr>
+        <p:spPr/>
+        <p:txBody>
+          <a:bodyPr/>
+          <a:lstStyle/>
+          <a:p>
+            <a:r>
+              <a:rPr lang="en-US" sz="1200" u="sng" kern="1200" dirty="0" smtClean="0">
+                <a:solidFill>
+                  <a:schemeClr val="tx1"/>
+                </a:solidFill>
+                <a:effectLst/>
+                <a:latin typeface="+mn-lt"/>
+                <a:ea typeface="+mn-ea"/>
+                <a:cs typeface="+mn-cs"/>
+                <a:hlinkClick r:id="rId3"/>
+              </a:rPr>
+              <a:t>Netflix uses Zuul</a:t>
+            </a:r>
+            <a:r>
+              <a:rPr lang="en-US" sz="1200" kern="1200" dirty="0" smtClean="0">
+                <a:solidFill>
+                  <a:schemeClr val="tx1"/>
+                </a:solidFill>
+                <a:effectLst/>
+                <a:latin typeface="+mn-lt"/>
+                <a:ea typeface="+mn-ea"/>
+                <a:cs typeface="+mn-cs"/>
+              </a:rPr>
+              <a:t> for the following:</a:t>
+            </a:r>
+          </a:p>
+          <a:p>
+            <a:pPr lvl="0"/>
+            <a:r>
+              <a:rPr lang="en-US" sz="1200" kern="1200" dirty="0" smtClean="0">
+                <a:solidFill>
+                  <a:schemeClr val="tx1"/>
+                </a:solidFill>
+                <a:effectLst/>
+                <a:latin typeface="+mn-lt"/>
+                <a:ea typeface="+mn-ea"/>
+                <a:cs typeface="+mn-cs"/>
+              </a:rPr>
+              <a:t>Authentication</a:t>
+            </a:r>
+          </a:p>
+          <a:p>
+            <a:pPr lvl="0"/>
+            <a:r>
+              <a:rPr lang="en-US" sz="1200" kern="1200" dirty="0" smtClean="0">
+                <a:solidFill>
+                  <a:schemeClr val="tx1"/>
+                </a:solidFill>
+                <a:effectLst/>
+                <a:latin typeface="+mn-lt"/>
+                <a:ea typeface="+mn-ea"/>
+                <a:cs typeface="+mn-cs"/>
+              </a:rPr>
+              <a:t>Insights</a:t>
+            </a:r>
+          </a:p>
+          <a:p>
+            <a:pPr lvl="0"/>
+            <a:r>
+              <a:rPr lang="en-US" sz="1200" kern="1200" dirty="0" smtClean="0">
+                <a:solidFill>
+                  <a:schemeClr val="tx1"/>
+                </a:solidFill>
+                <a:effectLst/>
+                <a:latin typeface="+mn-lt"/>
+                <a:ea typeface="+mn-ea"/>
+                <a:cs typeface="+mn-cs"/>
+              </a:rPr>
+              <a:t>Stress Testing</a:t>
+            </a:r>
+          </a:p>
+          <a:p>
+            <a:pPr lvl="0"/>
+            <a:r>
+              <a:rPr lang="en-US" sz="1200" kern="1200" dirty="0" smtClean="0">
+                <a:solidFill>
+                  <a:schemeClr val="tx1"/>
+                </a:solidFill>
+                <a:effectLst/>
+                <a:latin typeface="+mn-lt"/>
+                <a:ea typeface="+mn-ea"/>
+                <a:cs typeface="+mn-cs"/>
+              </a:rPr>
+              <a:t>Canary Testing</a:t>
+            </a:r>
+          </a:p>
+          <a:p>
+            <a:pPr lvl="0"/>
+            <a:r>
+              <a:rPr lang="en-US" sz="1200" kern="1200" dirty="0" smtClean="0">
+                <a:solidFill>
+                  <a:schemeClr val="tx1"/>
+                </a:solidFill>
+                <a:effectLst/>
+                <a:latin typeface="+mn-lt"/>
+                <a:ea typeface="+mn-ea"/>
+                <a:cs typeface="+mn-cs"/>
+              </a:rPr>
+              <a:t>Dynamic Routing</a:t>
+            </a:r>
+          </a:p>
+          <a:p>
+            <a:pPr lvl="0"/>
+            <a:r>
+              <a:rPr lang="en-US" sz="1200" kern="1200" dirty="0" smtClean="0">
+                <a:solidFill>
+                  <a:schemeClr val="tx1"/>
+                </a:solidFill>
+                <a:effectLst/>
+                <a:latin typeface="+mn-lt"/>
+                <a:ea typeface="+mn-ea"/>
+                <a:cs typeface="+mn-cs"/>
+              </a:rPr>
+              <a:t>Service Migration</a:t>
+            </a:r>
+          </a:p>
+          <a:p>
+            <a:pPr lvl="0"/>
+            <a:r>
+              <a:rPr lang="en-US" sz="1200" kern="1200" dirty="0" smtClean="0">
+                <a:solidFill>
+                  <a:schemeClr val="tx1"/>
+                </a:solidFill>
+                <a:effectLst/>
+                <a:latin typeface="+mn-lt"/>
+                <a:ea typeface="+mn-ea"/>
+                <a:cs typeface="+mn-cs"/>
+              </a:rPr>
+              <a:t>Load Shedding</a:t>
+            </a:r>
+          </a:p>
+          <a:p>
+            <a:pPr lvl="0"/>
+            <a:r>
+              <a:rPr lang="en-US" sz="1200" kern="1200" dirty="0" smtClean="0">
+                <a:solidFill>
+                  <a:schemeClr val="tx1"/>
+                </a:solidFill>
+                <a:effectLst/>
+                <a:latin typeface="+mn-lt"/>
+                <a:ea typeface="+mn-ea"/>
+                <a:cs typeface="+mn-cs"/>
+              </a:rPr>
+              <a:t>Security</a:t>
+            </a:r>
+          </a:p>
+          <a:p>
+            <a:pPr lvl="0"/>
+            <a:r>
+              <a:rPr lang="en-US" sz="1200" kern="1200" dirty="0" smtClean="0">
+                <a:solidFill>
+                  <a:schemeClr val="tx1"/>
+                </a:solidFill>
+                <a:effectLst/>
+                <a:latin typeface="+mn-lt"/>
+                <a:ea typeface="+mn-ea"/>
+                <a:cs typeface="+mn-cs"/>
+              </a:rPr>
+              <a:t>Static Response handling</a:t>
+            </a:r>
+          </a:p>
+          <a:p>
+            <a:pPr lvl="0"/>
+            <a:r>
+              <a:rPr lang="en-US" sz="1200" kern="1200" dirty="0" smtClean="0">
+                <a:solidFill>
+                  <a:schemeClr val="tx1"/>
+                </a:solidFill>
+                <a:effectLst/>
+                <a:latin typeface="+mn-lt"/>
+                <a:ea typeface="+mn-ea"/>
+                <a:cs typeface="+mn-cs"/>
+              </a:rPr>
+              <a:t>Active/Active traffic management</a:t>
+            </a:r>
+          </a:p>
+          <a:p>
+            <a:r>
+              <a:rPr lang="en-US" sz="1200" kern="1200" dirty="0" err="1" smtClean="0">
+                <a:solidFill>
+                  <a:schemeClr val="tx1"/>
+                </a:solidFill>
+                <a:effectLst/>
+                <a:latin typeface="+mn-lt"/>
+                <a:ea typeface="+mn-ea"/>
+                <a:cs typeface="+mn-cs"/>
+              </a:rPr>
+              <a:t>Zuul’s</a:t>
+            </a:r>
+            <a:r>
+              <a:rPr lang="en-US" sz="1200" kern="1200" dirty="0" smtClean="0">
+                <a:solidFill>
+                  <a:schemeClr val="tx1"/>
+                </a:solidFill>
+                <a:effectLst/>
+                <a:latin typeface="+mn-lt"/>
+                <a:ea typeface="+mn-ea"/>
+                <a:cs typeface="+mn-cs"/>
+              </a:rPr>
+              <a:t> rule engine allows rules and filters to be written in essentially any JVM language, with built in support for Java and Groovy.</a:t>
+            </a:r>
+          </a:p>
+          <a:p>
+            <a:r>
+              <a:rPr lang="en-US" sz="1200" kern="1200" dirty="0" smtClean="0">
+                <a:solidFill>
+                  <a:schemeClr val="tx1"/>
+                </a:solidFill>
+                <a:effectLst/>
+                <a:latin typeface="+mn-lt"/>
+                <a:ea typeface="+mn-ea"/>
+                <a:cs typeface="+mn-cs"/>
+              </a:rPr>
+              <a:t> </a:t>
+            </a:r>
+          </a:p>
+          <a:p>
+            <a:r>
+              <a:rPr lang="en-US" sz="1200" kern="1200" dirty="0" smtClean="0">
+                <a:solidFill>
+                  <a:schemeClr val="tx1"/>
+                </a:solidFill>
+                <a:effectLst/>
+                <a:latin typeface="+mn-lt"/>
+                <a:ea typeface="+mn-ea"/>
+                <a:cs typeface="+mn-cs"/>
+              </a:rPr>
+              <a:t> </a:t>
+            </a:r>
+            <a:endParaRPr lang="en-US" sz="1200" kern="1200" dirty="0">
+              <a:solidFill>
+                <a:schemeClr val="tx1"/>
+              </a:solidFill>
+              <a:effectLst/>
+              <a:latin typeface="+mn-lt"/>
+              <a:ea typeface="+mn-ea"/>
+              <a:cs typeface="+mn-cs"/>
+            </a:endParaRPr>
+          </a:p>
+        </p:txBody>
+      </p:sp>
+      <p:sp>
+        <p:nvSpPr>
+          <p:cNvPr id="4" name="Slide Number Placeholder 3"/>
+          <p:cNvSpPr>
+            <a:spLocks noGrp="1"/>
+          </p:cNvSpPr>
+          <p:nvPr>
+            <p:ph type="sldNum" sz="quarter" idx="10"/>
+          </p:nvPr>
+        </p:nvSpPr>
+        <p:spPr/>
+        <p:txBody>
+          <a:bodyPr/>
+          <a:lstStyle/>
+          <a:p>
+            <a:fld id="{19B87A38-3CEC-41F8-9B8A-7D549F200228}" type="slidenum">
+              <a:rPr lang="en-US" smtClean="0"/>
+              <a:t>8</a:t>
+            </a:fld>
+            <a:endParaRPr lang="en-US"/>
+          </a:p>
+        </p:txBody>
+      </p:sp>
+    </p:spTree>
+    <p:extLst>
+      <p:ext uri="{BB962C8B-B14F-4D97-AF65-F5344CB8AC3E}">
+        <p14:creationId xmlns:p14="http://schemas.microsoft.com/office/powerpoint/2010/main" val="2014211017"/>
+      </p:ext>
+    </p:extLst>
+  </p:cSld>
+  <p:clrMapOvr>
+    <a:masterClrMapping/>
+  </p:clrMapOvr>
+</p:notes>
+</file>
+
+<file path=ppt/notesSlides/notesSlide9.xml><?xml version="1.0" encoding="utf-8"?>
+<p:notes xmlns:a="http://schemas.openxmlformats.org/drawingml/2006/main" xmlns:r="http://schemas.openxmlformats.org/officeDocument/2006/relationships" xmlns:p="http://schemas.openxmlformats.org/presentationml/2006/main">
+  <p:cSld>
+    <p:spTree>
+      <p:nvGrpSpPr>
+        <p:cNvPr id="1" name=""/>
+        <p:cNvGrpSpPr/>
+        <p:nvPr/>
+      </p:nvGrpSpPr>
+      <p:grpSpPr>
+        <a:xfrm>
+          <a:off x="0" y="0"/>
+          <a:ext cx="0" cy="0"/>
+          <a:chOff x="0" y="0"/>
+          <a:chExt cx="0" cy="0"/>
+        </a:xfrm>
+      </p:grpSpPr>
+      <p:sp>
+        <p:nvSpPr>
+          <p:cNvPr id="2" name="Slide Image Placeholder 1"/>
+          <p:cNvSpPr>
+            <a:spLocks noGrp="1" noRot="1" noChangeAspect="1"/>
+          </p:cNvSpPr>
+          <p:nvPr>
+            <p:ph type="sldImg"/>
+          </p:nvPr>
+        </p:nvSpPr>
+        <p:spPr/>
+      </p:sp>
+      <p:sp>
+        <p:nvSpPr>
+          <p:cNvPr id="3" name="Notes Placeholder 2"/>
+          <p:cNvSpPr>
+            <a:spLocks noGrp="1"/>
+          </p:cNvSpPr>
+          <p:nvPr>
+            <p:ph type="body" idx="1"/>
+          </p:nvPr>
+        </p:nvSpPr>
+        <p:spPr/>
+        <p:txBody>
+          <a:bodyPr/>
+          <a:lstStyle/>
+          <a:p>
+            <a:endParaRPr lang="en-US" dirty="0"/>
+          </a:p>
+        </p:txBody>
+      </p:sp>
+      <p:sp>
+        <p:nvSpPr>
+          <p:cNvPr id="4" name="Slide Number Placeholder 3"/>
+          <p:cNvSpPr>
+            <a:spLocks noGrp="1"/>
+          </p:cNvSpPr>
+          <p:nvPr>
+            <p:ph type="sldNum" sz="quarter" idx="10"/>
+          </p:nvPr>
+        </p:nvSpPr>
+        <p:spPr/>
+        <p:txBody>
+          <a:bodyPr/>
+          <a:lstStyle/>
+          <a:p>
+            <a:fld id="{19B87A38-3CEC-41F8-9B8A-7D549F200228}" type="slidenum">
+              <a:rPr lang="en-US" smtClean="0"/>
+              <a:t>9</a:t>
+            </a:fld>
+            <a:endParaRPr lang="en-US"/>
+          </a:p>
+        </p:txBody>
+      </p:sp>
+    </p:spTree>
+    <p:extLst>
+      <p:ext uri="{BB962C8B-B14F-4D97-AF65-F5344CB8AC3E}">
+        <p14:creationId xmlns:p14="http://schemas.microsoft.com/office/powerpoint/2010/main" val="2014211017"/>
+      </p:ext>
+    </p:extLst>
   </p:cSld>
   <p:clrMapOvr>
     <a:masterClrMapping/>
@@ -988,6 +2300,550 @@
 </file>
 
 <file path=ppt/slideLayouts/slideLayout10.xml><?xml version="1.0" encoding="utf-8"?>
+<p:sldLayout xmlns:a="http://schemas.openxmlformats.org/drawingml/2006/main" xmlns:r="http://schemas.openxmlformats.org/officeDocument/2006/relationships" xmlns:p="http://schemas.openxmlformats.org/presentationml/2006/main" type="tx">
+  <p:cSld name="Title and Content">
+    <p:spTree>
+      <p:nvGrpSpPr>
+        <p:cNvPr id="1" name="Shape 290"/>
+        <p:cNvGrpSpPr/>
+        <p:nvPr/>
+      </p:nvGrpSpPr>
+      <p:grpSpPr>
+        <a:xfrm>
+          <a:off x="0" y="0"/>
+          <a:ext cx="0" cy="0"/>
+          <a:chOff x="0" y="0"/>
+          <a:chExt cx="0" cy="0"/>
+        </a:xfrm>
+      </p:grpSpPr>
+      <p:sp>
+        <p:nvSpPr>
+          <p:cNvPr id="291" name="Shape 291"/>
+          <p:cNvSpPr txBox="1">
+            <a:spLocks noGrp="1"/>
+          </p:cNvSpPr>
+          <p:nvPr>
+            <p:ph type="sldNum" idx="12"/>
+          </p:nvPr>
+        </p:nvSpPr>
+        <p:spPr>
+          <a:xfrm>
+            <a:off x="8553450" y="5021494"/>
+            <a:ext cx="533399" cy="127000"/>
+          </a:xfrm>
+          <a:prstGeom prst="rect">
+            <a:avLst/>
+          </a:prstGeom>
+          <a:noFill/>
+          <a:ln>
+            <a:noFill/>
+          </a:ln>
+        </p:spPr>
+        <p:txBody>
+          <a:bodyPr lIns="91425" tIns="45700" rIns="91425" bIns="45700" anchor="t" anchorCtr="0">
+            <a:noAutofit/>
+          </a:bodyPr>
+          <a:lstStyle/>
+          <a:p>
+            <a:pPr marL="0" marR="0" lvl="0" indent="0" algn="l" rtl="0">
+              <a:spcBef>
+                <a:spcPts val="0"/>
+              </a:spcBef>
+              <a:buSzPct val="25000"/>
+              <a:buNone/>
+            </a:pPr>
+            <a:fld id="{00000000-1234-1234-1234-123412341234}" type="slidenum">
+              <a:rPr lang="en-US" sz="1800" b="0" i="0" u="none" strike="noStrike" cap="none" baseline="0">
+                <a:solidFill>
+                  <a:srgbClr val="4D4D4D"/>
+                </a:solidFill>
+                <a:latin typeface="Arial"/>
+                <a:ea typeface="Arial"/>
+                <a:cs typeface="Arial"/>
+                <a:sym typeface="Arial"/>
+              </a:rPr>
+              <a:t>‹#›</a:t>
+            </a:fld>
+            <a:endParaRPr lang="en-US" sz="1800" b="0" i="0" u="none" strike="noStrike" cap="none" baseline="0">
+              <a:solidFill>
+                <a:srgbClr val="4D4D4D"/>
+              </a:solidFill>
+              <a:latin typeface="Arial"/>
+              <a:ea typeface="Arial"/>
+              <a:cs typeface="Arial"/>
+              <a:sym typeface="Arial"/>
+            </a:endParaRPr>
+          </a:p>
+        </p:txBody>
+      </p:sp>
+      <p:sp>
+        <p:nvSpPr>
+          <p:cNvPr id="292" name="Shape 292"/>
+          <p:cNvSpPr txBox="1">
+            <a:spLocks noGrp="1"/>
+          </p:cNvSpPr>
+          <p:nvPr>
+            <p:ph type="title"/>
+          </p:nvPr>
+        </p:nvSpPr>
+        <p:spPr>
+          <a:xfrm>
+            <a:off x="366712" y="325437"/>
+            <a:ext cx="8410576" cy="623887"/>
+          </a:xfrm>
+          <a:prstGeom prst="rect">
+            <a:avLst/>
+          </a:prstGeom>
+          <a:noFill/>
+          <a:ln>
+            <a:noFill/>
+          </a:ln>
+        </p:spPr>
+        <p:txBody>
+          <a:bodyPr lIns="91425" tIns="91425" rIns="91425" bIns="91425" anchor="t" anchorCtr="0"/>
+          <a:lstStyle>
+            <a:lvl1pPr algn="l" rtl="0">
+              <a:spcBef>
+                <a:spcPts val="0"/>
+              </a:spcBef>
+              <a:buClr>
+                <a:srgbClr val="2C95DD"/>
+              </a:buClr>
+              <a:buNone/>
+              <a:defRPr sz="3200">
+                <a:solidFill>
+                  <a:srgbClr val="2C95DD"/>
+                </a:solidFill>
+              </a:defRPr>
+            </a:lvl1pPr>
+            <a:lvl2pPr rtl="0">
+              <a:spcBef>
+                <a:spcPts val="0"/>
+              </a:spcBef>
+              <a:defRPr/>
+            </a:lvl2pPr>
+            <a:lvl3pPr rtl="0">
+              <a:spcBef>
+                <a:spcPts val="0"/>
+              </a:spcBef>
+              <a:defRPr/>
+            </a:lvl3pPr>
+            <a:lvl4pPr rtl="0">
+              <a:spcBef>
+                <a:spcPts val="0"/>
+              </a:spcBef>
+              <a:defRPr/>
+            </a:lvl4pPr>
+            <a:lvl5pPr rtl="0">
+              <a:spcBef>
+                <a:spcPts val="0"/>
+              </a:spcBef>
+              <a:defRPr/>
+            </a:lvl5pPr>
+            <a:lvl6pPr rtl="0">
+              <a:spcBef>
+                <a:spcPts val="0"/>
+              </a:spcBef>
+              <a:defRPr/>
+            </a:lvl6pPr>
+            <a:lvl7pPr rtl="0">
+              <a:spcBef>
+                <a:spcPts val="0"/>
+              </a:spcBef>
+              <a:defRPr/>
+            </a:lvl7pPr>
+            <a:lvl8pPr rtl="0">
+              <a:spcBef>
+                <a:spcPts val="0"/>
+              </a:spcBef>
+              <a:defRPr/>
+            </a:lvl8pPr>
+            <a:lvl9pPr rtl="0">
+              <a:spcBef>
+                <a:spcPts val="0"/>
+              </a:spcBef>
+              <a:defRPr/>
+            </a:lvl9pPr>
+          </a:lstStyle>
+          <a:p>
+            <a:endParaRPr/>
+          </a:p>
+        </p:txBody>
+      </p:sp>
+      <p:sp>
+        <p:nvSpPr>
+          <p:cNvPr id="293" name="Shape 293"/>
+          <p:cNvSpPr txBox="1">
+            <a:spLocks noGrp="1"/>
+          </p:cNvSpPr>
+          <p:nvPr>
+            <p:ph type="body" idx="1"/>
+          </p:nvPr>
+        </p:nvSpPr>
+        <p:spPr>
+          <a:xfrm>
+            <a:off x="366713" y="1074737"/>
+            <a:ext cx="8410576" cy="3429001"/>
+          </a:xfrm>
+          <a:prstGeom prst="rect">
+            <a:avLst/>
+          </a:prstGeom>
+          <a:noFill/>
+          <a:ln>
+            <a:noFill/>
+          </a:ln>
+        </p:spPr>
+        <p:txBody>
+          <a:bodyPr lIns="91425" tIns="91425" rIns="91425" bIns="91425" anchor="t" anchorCtr="0"/>
+          <a:lstStyle>
+            <a:lvl1pPr marL="228600" indent="-50800" algn="l" rtl="0">
+              <a:spcBef>
+                <a:spcPts val="560"/>
+              </a:spcBef>
+              <a:buClr>
+                <a:srgbClr val="2C95DD"/>
+              </a:buClr>
+              <a:buFont typeface="Arial"/>
+              <a:buChar char="•"/>
+              <a:defRPr sz="2800">
+                <a:solidFill>
+                  <a:schemeClr val="dk1"/>
+                </a:solidFill>
+              </a:defRPr>
+            </a:lvl1pPr>
+            <a:lvl2pPr marL="742950" indent="-133350" algn="l" rtl="0">
+              <a:spcBef>
+                <a:spcPts val="480"/>
+              </a:spcBef>
+              <a:buClr>
+                <a:srgbClr val="2C95DD"/>
+              </a:buClr>
+              <a:buFont typeface="Arial"/>
+              <a:buChar char="–"/>
+              <a:defRPr sz="2400">
+                <a:solidFill>
+                  <a:schemeClr val="dk1"/>
+                </a:solidFill>
+              </a:defRPr>
+            </a:lvl2pPr>
+            <a:lvl3pPr marL="1143000" indent="-101600" algn="l" rtl="0">
+              <a:spcBef>
+                <a:spcPts val="400"/>
+              </a:spcBef>
+              <a:buClr>
+                <a:srgbClr val="2C95DD"/>
+              </a:buClr>
+              <a:buFont typeface="Arial"/>
+              <a:buChar char="•"/>
+              <a:defRPr sz="2000">
+                <a:solidFill>
+                  <a:schemeClr val="dk1"/>
+                </a:solidFill>
+              </a:defRPr>
+            </a:lvl3pPr>
+            <a:lvl4pPr marL="1600200" indent="-114300" algn="l" rtl="0">
+              <a:spcBef>
+                <a:spcPts val="360"/>
+              </a:spcBef>
+              <a:buClr>
+                <a:srgbClr val="2C95DD"/>
+              </a:buClr>
+              <a:buFont typeface="Arial"/>
+              <a:buChar char="–"/>
+              <a:defRPr sz="1800">
+                <a:solidFill>
+                  <a:schemeClr val="dk1"/>
+                </a:solidFill>
+              </a:defRPr>
+            </a:lvl4pPr>
+            <a:lvl5pPr marL="2057400" indent="-114300" algn="l" rtl="0">
+              <a:spcBef>
+                <a:spcPts val="360"/>
+              </a:spcBef>
+              <a:buClr>
+                <a:srgbClr val="2C95DD"/>
+              </a:buClr>
+              <a:buFont typeface="Arial"/>
+              <a:buChar char="»"/>
+              <a:defRPr sz="1800">
+                <a:solidFill>
+                  <a:schemeClr val="dk1"/>
+                </a:solidFill>
+              </a:defRPr>
+            </a:lvl5pPr>
+            <a:lvl6pPr marL="2514600" indent="-101600" algn="l" rtl="0">
+              <a:spcBef>
+                <a:spcPts val="400"/>
+              </a:spcBef>
+              <a:buClr>
+                <a:schemeClr val="dk1"/>
+              </a:buClr>
+              <a:buFont typeface="Arial"/>
+              <a:buChar char="•"/>
+              <a:defRPr sz="2000">
+                <a:solidFill>
+                  <a:schemeClr val="dk1"/>
+                </a:solidFill>
+                <a:latin typeface="Arial"/>
+                <a:ea typeface="Arial"/>
+                <a:cs typeface="Arial"/>
+                <a:sym typeface="Arial"/>
+              </a:defRPr>
+            </a:lvl6pPr>
+            <a:lvl7pPr marL="2971800" indent="-101600" algn="l" rtl="0">
+              <a:spcBef>
+                <a:spcPts val="400"/>
+              </a:spcBef>
+              <a:buClr>
+                <a:schemeClr val="dk1"/>
+              </a:buClr>
+              <a:buFont typeface="Arial"/>
+              <a:buChar char="•"/>
+              <a:defRPr sz="2000">
+                <a:solidFill>
+                  <a:schemeClr val="dk1"/>
+                </a:solidFill>
+                <a:latin typeface="Arial"/>
+                <a:ea typeface="Arial"/>
+                <a:cs typeface="Arial"/>
+                <a:sym typeface="Arial"/>
+              </a:defRPr>
+            </a:lvl7pPr>
+            <a:lvl8pPr marL="3429000" indent="-101600" algn="l" rtl="0">
+              <a:spcBef>
+                <a:spcPts val="400"/>
+              </a:spcBef>
+              <a:buClr>
+                <a:schemeClr val="dk1"/>
+              </a:buClr>
+              <a:buFont typeface="Arial"/>
+              <a:buChar char="•"/>
+              <a:defRPr sz="2000">
+                <a:solidFill>
+                  <a:schemeClr val="dk1"/>
+                </a:solidFill>
+                <a:latin typeface="Arial"/>
+                <a:ea typeface="Arial"/>
+                <a:cs typeface="Arial"/>
+                <a:sym typeface="Arial"/>
+              </a:defRPr>
+            </a:lvl8pPr>
+            <a:lvl9pPr marL="3886200" indent="-101600" algn="l" rtl="0">
+              <a:spcBef>
+                <a:spcPts val="400"/>
+              </a:spcBef>
+              <a:buClr>
+                <a:schemeClr val="dk1"/>
+              </a:buClr>
+              <a:buFont typeface="Arial"/>
+              <a:buChar char="•"/>
+              <a:defRPr sz="2000">
+                <a:solidFill>
+                  <a:schemeClr val="dk1"/>
+                </a:solidFill>
+                <a:latin typeface="Arial"/>
+                <a:ea typeface="Arial"/>
+                <a:cs typeface="Arial"/>
+                <a:sym typeface="Arial"/>
+              </a:defRPr>
+            </a:lvl9pPr>
+          </a:lstStyle>
+          <a:p>
+            <a:endParaRPr/>
+          </a:p>
+        </p:txBody>
+      </p:sp>
+    </p:spTree>
+    <p:extLst>
+      <p:ext uri="{BB962C8B-B14F-4D97-AF65-F5344CB8AC3E}">
+        <p14:creationId xmlns:p14="http://schemas.microsoft.com/office/powerpoint/2010/main" val="3605154465"/>
+      </p:ext>
+    </p:extLst>
+  </p:cSld>
+  <p:clrMapOvr>
+    <a:masterClrMapping/>
+  </p:clrMapOvr>
+</p:sldLayout>
+</file>
+
+<file path=ppt/slideLayouts/slideLayout11.xml><?xml version="1.0" encoding="utf-8"?>
+<p:sldLayout xmlns:a="http://schemas.openxmlformats.org/drawingml/2006/main" xmlns:r="http://schemas.openxmlformats.org/officeDocument/2006/relationships" xmlns:p="http://schemas.openxmlformats.org/presentationml/2006/main" preserve="1" userDrawn="1">
+  <p:cSld name="Main Page">
+    <p:spTree>
+      <p:nvGrpSpPr>
+        <p:cNvPr id="1" name=""/>
+        <p:cNvGrpSpPr/>
+        <p:nvPr/>
+      </p:nvGrpSpPr>
+      <p:grpSpPr>
+        <a:xfrm>
+          <a:off x="0" y="0"/>
+          <a:ext cx="0" cy="0"/>
+          <a:chOff x="0" y="0"/>
+          <a:chExt cx="0" cy="0"/>
+        </a:xfrm>
+      </p:grpSpPr>
+      <p:sp>
+        <p:nvSpPr>
+          <p:cNvPr id="2" name="Title 1"/>
+          <p:cNvSpPr>
+            <a:spLocks noGrp="1"/>
+          </p:cNvSpPr>
+          <p:nvPr>
+            <p:ph type="title"/>
+          </p:nvPr>
+        </p:nvSpPr>
+        <p:spPr>
+          <a:xfrm>
+            <a:off x="113722" y="149918"/>
+            <a:ext cx="8796928" cy="474445"/>
+          </a:xfrm>
+          <a:prstGeom prst="rect">
+            <a:avLst/>
+          </a:prstGeom>
+        </p:spPr>
+        <p:txBody>
+          <a:bodyPr/>
+          <a:lstStyle>
+            <a:lvl1pPr algn="l">
+              <a:defRPr sz="2800" b="1">
+                <a:solidFill>
+                  <a:srgbClr val="008774"/>
+                </a:solidFill>
+                <a:latin typeface="Arial"/>
+                <a:cs typeface="Arial"/>
+              </a:defRPr>
+            </a:lvl1pPr>
+          </a:lstStyle>
+          <a:p>
+            <a:r>
+              <a:rPr lang="en-US" dirty="0" smtClean="0"/>
+              <a:t>Click to edit Master title style</a:t>
+            </a:r>
+            <a:endParaRPr lang="en-US" dirty="0"/>
+          </a:p>
+        </p:txBody>
+      </p:sp>
+      <p:sp>
+        <p:nvSpPr>
+          <p:cNvPr id="6" name="Slide Number Placeholder 5"/>
+          <p:cNvSpPr>
+            <a:spLocks noGrp="1"/>
+          </p:cNvSpPr>
+          <p:nvPr>
+            <p:ph type="sldNum" sz="quarter" idx="12"/>
+          </p:nvPr>
+        </p:nvSpPr>
+        <p:spPr>
+          <a:xfrm>
+            <a:off x="48247" y="4861463"/>
+            <a:ext cx="373338" cy="273844"/>
+          </a:xfrm>
+          <a:prstGeom prst="rect">
+            <a:avLst/>
+          </a:prstGeom>
+        </p:spPr>
+        <p:txBody>
+          <a:bodyPr/>
+          <a:lstStyle>
+            <a:lvl1pPr>
+              <a:defRPr sz="900">
+                <a:solidFill>
+                  <a:schemeClr val="bg1">
+                    <a:lumMod val="65000"/>
+                  </a:schemeClr>
+                </a:solidFill>
+              </a:defRPr>
+            </a:lvl1pPr>
+          </a:lstStyle>
+          <a:p>
+            <a:fld id="{ADA07C09-8A41-3B46-A636-3955072BBB4F}" type="slidenum">
+              <a:rPr lang="en-US" smtClean="0">
+                <a:solidFill>
+                  <a:srgbClr val="FFFFFF">
+                    <a:lumMod val="65000"/>
+                  </a:srgbClr>
+                </a:solidFill>
+                <a:latin typeface="Arial"/>
+              </a:rPr>
+              <a:pPr/>
+              <a:t>‹#›</a:t>
+            </a:fld>
+            <a:endParaRPr lang="en-US">
+              <a:solidFill>
+                <a:srgbClr val="FFFFFF">
+                  <a:lumMod val="65000"/>
+                </a:srgbClr>
+              </a:solidFill>
+              <a:latin typeface="Arial"/>
+            </a:endParaRPr>
+          </a:p>
+        </p:txBody>
+      </p:sp>
+      <p:sp>
+        <p:nvSpPr>
+          <p:cNvPr id="13" name="Text Placeholder 12"/>
+          <p:cNvSpPr>
+            <a:spLocks noGrp="1"/>
+          </p:cNvSpPr>
+          <p:nvPr>
+            <p:ph type="body" sz="quarter" idx="13"/>
+          </p:nvPr>
+        </p:nvSpPr>
+        <p:spPr>
+          <a:xfrm>
+            <a:off x="114300" y="624363"/>
+            <a:ext cx="8796338" cy="288565"/>
+          </a:xfrm>
+          <a:prstGeom prst="rect">
+            <a:avLst/>
+          </a:prstGeom>
+        </p:spPr>
+        <p:txBody>
+          <a:bodyPr vert="horz"/>
+          <a:lstStyle>
+            <a:lvl1pPr marL="0" indent="0">
+              <a:buNone/>
+              <a:defRPr sz="1800">
+                <a:solidFill>
+                  <a:srgbClr val="7F7F7F"/>
+                </a:solidFill>
+                <a:latin typeface="Arial"/>
+                <a:cs typeface="Arial"/>
+              </a:defRPr>
+            </a:lvl1pPr>
+          </a:lstStyle>
+          <a:p>
+            <a:pPr lvl="0"/>
+            <a:r>
+              <a:rPr lang="en-US" dirty="0" smtClean="0"/>
+              <a:t>Click to edit Master</a:t>
+            </a:r>
+            <a:endParaRPr lang="en-US" dirty="0"/>
+          </a:p>
+        </p:txBody>
+      </p:sp>
+    </p:spTree>
+    <p:extLst>
+      <p:ext uri="{BB962C8B-B14F-4D97-AF65-F5344CB8AC3E}">
+        <p14:creationId xmlns:p14="http://schemas.microsoft.com/office/powerpoint/2010/main" val="3116951951"/>
+      </p:ext>
+    </p:extLst>
+  </p:cSld>
+  <p:clrMapOvr>
+    <a:masterClrMapping/>
+  </p:clrMapOvr>
+  <p:timing>
+    <p:tnLst>
+      <p:par>
+        <p:cTn xmlns:p14="http://schemas.microsoft.com/office/powerpoint/2010/main" id="1" dur="indefinite" restart="never" nodeType="tmRoot"/>
+      </p:par>
+    </p:tnLst>
+  </p:timing>
+</p:sldLayout>
+</file>
+
+<file path=ppt/slideLayouts/slideLayout12.xml><?xml version="1.0" encoding="utf-8"?>
 <p:sldLayout xmlns:a="http://schemas.openxmlformats.org/drawingml/2006/main" xmlns:r="http://schemas.openxmlformats.org/officeDocument/2006/relationships" xmlns:p="http://schemas.openxmlformats.org/presentationml/2006/main" preserve="1" userDrawn="1">
   <p:cSld name="Split">
     <p:spTree>
@@ -1165,7 +3021,7 @@
 </p:sldLayout>
 </file>
 
-<file path=ppt/slideLayouts/slideLayout11.xml><?xml version="1.0" encoding="utf-8"?>
+<file path=ppt/slideLayouts/slideLayout13.xml><?xml version="1.0" encoding="utf-8"?>
 <p:sldLayout xmlns:a="http://schemas.openxmlformats.org/drawingml/2006/main" xmlns:r="http://schemas.openxmlformats.org/officeDocument/2006/relationships" xmlns:p="http://schemas.openxmlformats.org/presentationml/2006/main" preserve="1" userDrawn="1">
   <p:cSld name=" Blank logo">
     <p:spTree>
@@ -1258,7 +3114,7 @@
 </p:sldLayout>
 </file>
 
-<file path=ppt/slideLayouts/slideLayout12.xml><?xml version="1.0" encoding="utf-8"?>
+<file path=ppt/slideLayouts/slideLayout14.xml><?xml version="1.0" encoding="utf-8"?>
 <p:sldLayout xmlns:a="http://schemas.openxmlformats.org/drawingml/2006/main" xmlns:r="http://schemas.openxmlformats.org/officeDocument/2006/relationships" xmlns:p="http://schemas.openxmlformats.org/presentationml/2006/main" userDrawn="1">
   <p:cSld name="Title Only">
     <p:spTree>
@@ -1343,7 +3199,7 @@
 </p:sldLayout>
 </file>
 
-<file path=ppt/slideLayouts/slideLayout13.xml><?xml version="1.0" encoding="utf-8"?>
+<file path=ppt/slideLayouts/slideLayout15.xml><?xml version="1.0" encoding="utf-8"?>
 <p:sldLayout xmlns:a="http://schemas.openxmlformats.org/drawingml/2006/main" xmlns:r="http://schemas.openxmlformats.org/officeDocument/2006/relationships" xmlns:p="http://schemas.openxmlformats.org/presentationml/2006/main" userDrawn="1">
   <p:cSld name="Blank">
     <p:spTree>
@@ -1429,7 +3285,7 @@
 </p:sldLayout>
 </file>
 
-<file path=ppt/slideLayouts/slideLayout14.xml><?xml version="1.0" encoding="utf-8"?>
+<file path=ppt/slideLayouts/slideLayout16.xml><?xml version="1.0" encoding="utf-8"?>
 <p:sldLayout xmlns:a="http://schemas.openxmlformats.org/drawingml/2006/main" xmlns:r="http://schemas.openxmlformats.org/officeDocument/2006/relationships" xmlns:p="http://schemas.openxmlformats.org/presentationml/2006/main" type="tx">
   <p:cSld name="Title - Top">
     <p:spTree>
@@ -1493,7 +3349,7 @@
 </p:sldLayout>
 </file>
 
-<file path=ppt/slideLayouts/slideLayout15.xml><?xml version="1.0" encoding="utf-8"?>
+<file path=ppt/slideLayouts/slideLayout17.xml><?xml version="1.0" encoding="utf-8"?>
 <p:sldLayout xmlns:a="http://schemas.openxmlformats.org/drawingml/2006/main" xmlns:r="http://schemas.openxmlformats.org/officeDocument/2006/relationships" xmlns:p="http://schemas.openxmlformats.org/presentationml/2006/main" userDrawn="1">
   <p:cSld name="12_Custom Layout">
     <p:spTree>
@@ -1658,7 +3514,7 @@
 </p:sldLayout>
 </file>
 
-<file path=ppt/slideLayouts/slideLayout16.xml><?xml version="1.0" encoding="utf-8"?>
+<file path=ppt/slideLayouts/slideLayout18.xml><?xml version="1.0" encoding="utf-8"?>
 <p:sldLayout xmlns:a="http://schemas.openxmlformats.org/drawingml/2006/main" xmlns:r="http://schemas.openxmlformats.org/officeDocument/2006/relationships" xmlns:p="http://schemas.openxmlformats.org/presentationml/2006/main" preserve="1" userDrawn="1">
   <p:cSld name="Main Page">
     <p:spTree>
@@ -1885,7 +3741,7 @@
 </p:sldLayout>
 </file>
 
-<file path=ppt/slideLayouts/slideLayout17.xml><?xml version="1.0" encoding="utf-8"?>
+<file path=ppt/slideLayouts/slideLayout19.xml><?xml version="1.0" encoding="utf-8"?>
 <p:sldLayout xmlns:a="http://schemas.openxmlformats.org/drawingml/2006/main" xmlns:r="http://schemas.openxmlformats.org/officeDocument/2006/relationships" xmlns:p="http://schemas.openxmlformats.org/presentationml/2006/main" preserve="1" userDrawn="1">
   <p:cSld name="Split">
     <p:spTree>
@@ -2063,7 +3919,67 @@
 </p:sldLayout>
 </file>
 
-<file path=ppt/slideLayouts/slideLayout18.xml><?xml version="1.0" encoding="utf-8"?>
+<file path=ppt/slideLayouts/slideLayout2.xml><?xml version="1.0" encoding="utf-8"?>
+<p:sldLayout xmlns:a="http://schemas.openxmlformats.org/drawingml/2006/main" xmlns:r="http://schemas.openxmlformats.org/officeDocument/2006/relationships" xmlns:p="http://schemas.openxmlformats.org/presentationml/2006/main" preserve="1" userDrawn="1">
+  <p:cSld name="1_Title and Content">
+    <p:spTree>
+      <p:nvGrpSpPr>
+        <p:cNvPr id="1" name=""/>
+        <p:cNvGrpSpPr/>
+        <p:nvPr/>
+      </p:nvGrpSpPr>
+      <p:grpSpPr>
+        <a:xfrm>
+          <a:off x="0" y="0"/>
+          <a:ext cx="0" cy="0"/>
+          <a:chOff x="0" y="0"/>
+          <a:chExt cx="0" cy="0"/>
+        </a:xfrm>
+      </p:grpSpPr>
+      <p:sp>
+        <p:nvSpPr>
+          <p:cNvPr id="6" name="Slide Number Placeholder 5"/>
+          <p:cNvSpPr>
+            <a:spLocks noGrp="1"/>
+          </p:cNvSpPr>
+          <p:nvPr>
+            <p:ph type="sldNum" sz="quarter" idx="12"/>
+          </p:nvPr>
+        </p:nvSpPr>
+        <p:spPr/>
+        <p:txBody>
+          <a:bodyPr/>
+          <a:lstStyle/>
+          <a:p>
+            <a:fld id="{ADA07C09-8A41-3B46-A636-3955072BBB4F}" type="slidenum">
+              <a:rPr lang="en-US" smtClean="0"/>
+              <a:t>‹#›</a:t>
+            </a:fld>
+            <a:endParaRPr lang="en-US"/>
+          </a:p>
+        </p:txBody>
+      </p:sp>
+    </p:spTree>
+    <p:extLst>
+      <p:ext uri="{BB962C8B-B14F-4D97-AF65-F5344CB8AC3E}">
+        <p14:creationId xmlns:p14="http://schemas.microsoft.com/office/powerpoint/2010/main" val="3839756889"/>
+      </p:ext>
+    </p:extLst>
+  </p:cSld>
+  <p:clrMapOvr>
+    <a:masterClrMapping/>
+  </p:clrMapOvr>
+  <p:timing>
+    <p:tnLst>
+      <p:par>
+        <p:cTn xmlns:p14="http://schemas.microsoft.com/office/powerpoint/2010/main" id="1" dur="indefinite" restart="never" nodeType="tmRoot"/>
+      </p:par>
+    </p:tnLst>
+  </p:timing>
+</p:sldLayout>
+</file>
+
+<file path=ppt/slideLayouts/slideLayout20.xml><?xml version="1.0" encoding="utf-8"?>
 <p:sldLayout xmlns:a="http://schemas.openxmlformats.org/drawingml/2006/main" xmlns:r="http://schemas.openxmlformats.org/officeDocument/2006/relationships" xmlns:p="http://schemas.openxmlformats.org/presentationml/2006/main" preserve="1" userDrawn="1">
   <p:cSld name=" Blank logo">
     <p:spTree>
@@ -2156,7 +4072,7 @@
 </p:sldLayout>
 </file>
 
-<file path=ppt/slideLayouts/slideLayout19.xml><?xml version="1.0" encoding="utf-8"?>
+<file path=ppt/slideLayouts/slideLayout21.xml><?xml version="1.0" encoding="utf-8"?>
 <p:sldLayout xmlns:a="http://schemas.openxmlformats.org/drawingml/2006/main" xmlns:r="http://schemas.openxmlformats.org/officeDocument/2006/relationships" xmlns:p="http://schemas.openxmlformats.org/presentationml/2006/main" userDrawn="1">
   <p:cSld name="Title Only">
     <p:spTree>
@@ -2241,67 +4157,7 @@
 </p:sldLayout>
 </file>
 
-<file path=ppt/slideLayouts/slideLayout2.xml><?xml version="1.0" encoding="utf-8"?>
-<p:sldLayout xmlns:a="http://schemas.openxmlformats.org/drawingml/2006/main" xmlns:r="http://schemas.openxmlformats.org/officeDocument/2006/relationships" xmlns:p="http://schemas.openxmlformats.org/presentationml/2006/main" preserve="1" userDrawn="1">
-  <p:cSld name="1_Title and Content">
-    <p:spTree>
-      <p:nvGrpSpPr>
-        <p:cNvPr id="1" name=""/>
-        <p:cNvGrpSpPr/>
-        <p:nvPr/>
-      </p:nvGrpSpPr>
-      <p:grpSpPr>
-        <a:xfrm>
-          <a:off x="0" y="0"/>
-          <a:ext cx="0" cy="0"/>
-          <a:chOff x="0" y="0"/>
-          <a:chExt cx="0" cy="0"/>
-        </a:xfrm>
-      </p:grpSpPr>
-      <p:sp>
-        <p:nvSpPr>
-          <p:cNvPr id="6" name="Slide Number Placeholder 5"/>
-          <p:cNvSpPr>
-            <a:spLocks noGrp="1"/>
-          </p:cNvSpPr>
-          <p:nvPr>
-            <p:ph type="sldNum" sz="quarter" idx="12"/>
-          </p:nvPr>
-        </p:nvSpPr>
-        <p:spPr/>
-        <p:txBody>
-          <a:bodyPr/>
-          <a:lstStyle/>
-          <a:p>
-            <a:fld id="{ADA07C09-8A41-3B46-A636-3955072BBB4F}" type="slidenum">
-              <a:rPr lang="en-US" smtClean="0"/>
-              <a:t>‹#›</a:t>
-            </a:fld>
-            <a:endParaRPr lang="en-US"/>
-          </a:p>
-        </p:txBody>
-      </p:sp>
-    </p:spTree>
-    <p:extLst>
-      <p:ext uri="{BB962C8B-B14F-4D97-AF65-F5344CB8AC3E}">
-        <p14:creationId xmlns:p14="http://schemas.microsoft.com/office/powerpoint/2010/main" val="3839756889"/>
-      </p:ext>
-    </p:extLst>
-  </p:cSld>
-  <p:clrMapOvr>
-    <a:masterClrMapping/>
-  </p:clrMapOvr>
-  <p:timing>
-    <p:tnLst>
-      <p:par>
-        <p:cTn xmlns:p14="http://schemas.microsoft.com/office/powerpoint/2010/main" id="1" dur="indefinite" restart="never" nodeType="tmRoot"/>
-      </p:par>
-    </p:tnLst>
-  </p:timing>
-</p:sldLayout>
-</file>
-
-<file path=ppt/slideLayouts/slideLayout20.xml><?xml version="1.0" encoding="utf-8"?>
+<file path=ppt/slideLayouts/slideLayout22.xml><?xml version="1.0" encoding="utf-8"?>
 <p:sldLayout xmlns:a="http://schemas.openxmlformats.org/drawingml/2006/main" xmlns:r="http://schemas.openxmlformats.org/officeDocument/2006/relationships" xmlns:p="http://schemas.openxmlformats.org/presentationml/2006/main" userDrawn="1">
   <p:cSld name="Blank">
     <p:spTree>
@@ -2387,7 +4243,7 @@
 </p:sldLayout>
 </file>
 
-<file path=ppt/slideLayouts/slideLayout21.xml><?xml version="1.0" encoding="utf-8"?>
+<file path=ppt/slideLayouts/slideLayout23.xml><?xml version="1.0" encoding="utf-8"?>
 <p:sldLayout xmlns:a="http://schemas.openxmlformats.org/drawingml/2006/main" xmlns:r="http://schemas.openxmlformats.org/officeDocument/2006/relationships" xmlns:p="http://schemas.openxmlformats.org/presentationml/2006/main" type="tx">
   <p:cSld name="Title - Top">
     <p:spTree>
@@ -2451,7 +4307,7 @@
 </p:sldLayout>
 </file>
 
-<file path=ppt/slideLayouts/slideLayout22.xml><?xml version="1.0" encoding="utf-8"?>
+<file path=ppt/slideLayouts/slideLayout24.xml><?xml version="1.0" encoding="utf-8"?>
 <p:sldLayout xmlns:a="http://schemas.openxmlformats.org/drawingml/2006/main" xmlns:r="http://schemas.openxmlformats.org/officeDocument/2006/relationships" xmlns:p="http://schemas.openxmlformats.org/presentationml/2006/main" userDrawn="1">
   <p:cSld name="12_Custom Layout">
     <p:spTree>
@@ -2718,6 +4574,677 @@
 </file>
 
 <file path=ppt/slideLayouts/slideLayout4.xml><?xml version="1.0" encoding="utf-8"?>
+<p:sldLayout xmlns:a="http://schemas.openxmlformats.org/drawingml/2006/main" xmlns:r="http://schemas.openxmlformats.org/officeDocument/2006/relationships" xmlns:p="http://schemas.openxmlformats.org/presentationml/2006/main" userDrawn="1">
+  <p:cSld name="Temp Basic with Rule">
+    <p:bg>
+      <p:bgPr>
+        <a:solidFill>
+          <a:srgbClr val="17232A"/>
+        </a:solidFill>
+        <a:effectLst/>
+      </p:bgPr>
+    </p:bg>
+    <p:spTree>
+      <p:nvGrpSpPr>
+        <p:cNvPr id="1" name=""/>
+        <p:cNvGrpSpPr/>
+        <p:nvPr/>
+      </p:nvGrpSpPr>
+      <p:grpSpPr>
+        <a:xfrm>
+          <a:off x="0" y="0"/>
+          <a:ext cx="0" cy="0"/>
+          <a:chOff x="0" y="0"/>
+          <a:chExt cx="0" cy="0"/>
+        </a:xfrm>
+      </p:grpSpPr>
+      <p:sp>
+        <p:nvSpPr>
+          <p:cNvPr id="2" name="Title 1"/>
+          <p:cNvSpPr>
+            <a:spLocks noGrp="1"/>
+          </p:cNvSpPr>
+          <p:nvPr>
+            <p:ph type="title" hasCustomPrompt="1"/>
+          </p:nvPr>
+        </p:nvSpPr>
+        <p:spPr>
+          <a:xfrm>
+            <a:off x="457199" y="320040"/>
+            <a:ext cx="8229601" cy="363558"/>
+          </a:xfrm>
+          <a:prstGeom prst="rect">
+            <a:avLst/>
+          </a:prstGeom>
+        </p:spPr>
+        <p:txBody>
+          <a:bodyPr lIns="0" tIns="0" rIns="0" bIns="0"/>
+          <a:lstStyle>
+            <a:lvl1pPr>
+              <a:defRPr sz="3200" b="0">
+                <a:solidFill>
+                  <a:schemeClr val="bg1"/>
+                </a:solidFill>
+                <a:latin typeface="Arial" panose="020B0604020202020204" pitchFamily="34" charset="0"/>
+                <a:cs typeface="Arial" panose="020B0604020202020204" pitchFamily="34" charset="0"/>
+              </a:defRPr>
+            </a:lvl1pPr>
+          </a:lstStyle>
+          <a:p>
+            <a:r>
+              <a:rPr lang="en-US" dirty="0" smtClean="0"/>
+              <a:t>CLICK TO EDIT MASTER TITLE STYLE</a:t>
+            </a:r>
+            <a:endParaRPr lang="en-US" dirty="0"/>
+          </a:p>
+        </p:txBody>
+      </p:sp>
+      <p:sp>
+        <p:nvSpPr>
+          <p:cNvPr id="4" name="Content Placeholder 3"/>
+          <p:cNvSpPr>
+            <a:spLocks noGrp="1"/>
+          </p:cNvSpPr>
+          <p:nvPr>
+            <p:ph sz="quarter" idx="10"/>
+          </p:nvPr>
+        </p:nvSpPr>
+        <p:spPr>
+          <a:xfrm>
+            <a:off x="457200" y="1108074"/>
+            <a:ext cx="8229600" cy="3082925"/>
+          </a:xfrm>
+          <a:prstGeom prst="rect">
+            <a:avLst/>
+          </a:prstGeom>
+        </p:spPr>
+        <p:txBody>
+          <a:bodyPr/>
+          <a:lstStyle>
+            <a:lvl1pPr>
+              <a:defRPr>
+                <a:solidFill>
+                  <a:schemeClr val="bg1"/>
+                </a:solidFill>
+                <a:latin typeface="Arial" panose="020B0604020202020204" pitchFamily="34" charset="0"/>
+                <a:cs typeface="Arial" panose="020B0604020202020204" pitchFamily="34" charset="0"/>
+              </a:defRPr>
+            </a:lvl1pPr>
+            <a:lvl2pPr>
+              <a:defRPr>
+                <a:solidFill>
+                  <a:schemeClr val="bg1"/>
+                </a:solidFill>
+                <a:latin typeface="Arial" panose="020B0604020202020204" pitchFamily="34" charset="0"/>
+                <a:cs typeface="Arial" panose="020B0604020202020204" pitchFamily="34" charset="0"/>
+              </a:defRPr>
+            </a:lvl2pPr>
+            <a:lvl3pPr>
+              <a:defRPr>
+                <a:solidFill>
+                  <a:schemeClr val="bg1"/>
+                </a:solidFill>
+                <a:latin typeface="Arial" panose="020B0604020202020204" pitchFamily="34" charset="0"/>
+                <a:cs typeface="Arial" panose="020B0604020202020204" pitchFamily="34" charset="0"/>
+              </a:defRPr>
+            </a:lvl3pPr>
+            <a:lvl4pPr>
+              <a:defRPr>
+                <a:solidFill>
+                  <a:schemeClr val="bg1"/>
+                </a:solidFill>
+                <a:latin typeface="Arial" panose="020B0604020202020204" pitchFamily="34" charset="0"/>
+                <a:cs typeface="Arial" panose="020B0604020202020204" pitchFamily="34" charset="0"/>
+              </a:defRPr>
+            </a:lvl4pPr>
+            <a:lvl5pPr>
+              <a:defRPr>
+                <a:solidFill>
+                  <a:schemeClr val="bg1"/>
+                </a:solidFill>
+                <a:latin typeface="Arial" panose="020B0604020202020204" pitchFamily="34" charset="0"/>
+                <a:cs typeface="Arial" panose="020B0604020202020204" pitchFamily="34" charset="0"/>
+              </a:defRPr>
+            </a:lvl5pPr>
+          </a:lstStyle>
+          <a:p>
+            <a:pPr lvl="0"/>
+            <a:r>
+              <a:rPr lang="en-US" smtClean="0"/>
+              <a:t>Click to edit Master text styles</a:t>
+            </a:r>
+          </a:p>
+          <a:p>
+            <a:pPr lvl="1"/>
+            <a:r>
+              <a:rPr lang="en-US" smtClean="0"/>
+              <a:t>Second level</a:t>
+            </a:r>
+          </a:p>
+          <a:p>
+            <a:pPr lvl="2"/>
+            <a:r>
+              <a:rPr lang="en-US" smtClean="0"/>
+              <a:t>Third level</a:t>
+            </a:r>
+          </a:p>
+          <a:p>
+            <a:pPr lvl="3"/>
+            <a:r>
+              <a:rPr lang="en-US" smtClean="0"/>
+              <a:t>Fourth level</a:t>
+            </a:r>
+          </a:p>
+          <a:p>
+            <a:pPr lvl="4"/>
+            <a:r>
+              <a:rPr lang="en-US" smtClean="0"/>
+              <a:t>Fifth level</a:t>
+            </a:r>
+            <a:endParaRPr lang="en-US" dirty="0"/>
+          </a:p>
+        </p:txBody>
+      </p:sp>
+      <p:sp>
+        <p:nvSpPr>
+          <p:cNvPr id="5" name="Rectangle 4"/>
+          <p:cNvSpPr/>
+          <p:nvPr userDrawn="1"/>
+        </p:nvSpPr>
+        <p:spPr bwMode="gray">
+          <a:xfrm>
+            <a:off x="0" y="4629150"/>
+            <a:ext cx="9144000" cy="385763"/>
+          </a:xfrm>
+          <a:prstGeom prst="rect">
+            <a:avLst/>
+          </a:prstGeom>
+          <a:solidFill>
+            <a:srgbClr val="00786E"/>
+          </a:solidFill>
+          <a:ln>
+            <a:noFill/>
+          </a:ln>
+        </p:spPr>
+        <p:style>
+          <a:lnRef idx="2">
+            <a:schemeClr val="accent1">
+              <a:shade val="50000"/>
+            </a:schemeClr>
+          </a:lnRef>
+          <a:fillRef idx="1">
+            <a:schemeClr val="accent1"/>
+          </a:fillRef>
+          <a:effectRef idx="0">
+            <a:schemeClr val="accent1"/>
+          </a:effectRef>
+          <a:fontRef idx="minor">
+            <a:schemeClr val="lt1"/>
+          </a:fontRef>
+        </p:style>
+        <p:txBody>
+          <a:bodyPr rtlCol="0" anchor="ctr"/>
+          <a:lstStyle/>
+          <a:p>
+            <a:pPr algn="l"/>
+            <a:endParaRPr lang="en-US" dirty="0">
+              <a:latin typeface="+mn-lt"/>
+            </a:endParaRPr>
+          </a:p>
+        </p:txBody>
+      </p:sp>
+      <p:sp>
+        <p:nvSpPr>
+          <p:cNvPr id="7" name="TextBox 6"/>
+          <p:cNvSpPr txBox="1"/>
+          <p:nvPr userDrawn="1"/>
+        </p:nvSpPr>
+        <p:spPr bwMode="gray">
+          <a:xfrm>
+            <a:off x="366713" y="5018449"/>
+            <a:ext cx="2274887" cy="92333"/>
+          </a:xfrm>
+          <a:prstGeom prst="rect">
+            <a:avLst/>
+          </a:prstGeom>
+          <a:noFill/>
+        </p:spPr>
+        <p:txBody>
+          <a:bodyPr wrap="square" lIns="0" tIns="0" rIns="0" bIns="0" rtlCol="0">
+            <a:spAutoFit/>
+          </a:bodyPr>
+          <a:lstStyle/>
+          <a:p>
+            <a:pPr algn="l"/>
+            <a:r>
+              <a:rPr lang="en-US" sz="600" dirty="0" smtClean="0">
+                <a:solidFill>
+                  <a:schemeClr val="bg1">
+                    <a:lumMod val="50000"/>
+                  </a:schemeClr>
+                </a:solidFill>
+                <a:latin typeface="Arial"/>
+                <a:cs typeface="Arial"/>
+              </a:rPr>
+              <a:t>© Copyright 2015 Pivotal.</a:t>
+            </a:r>
+            <a:r>
+              <a:rPr lang="en-US" sz="600" baseline="0" dirty="0" smtClean="0">
+                <a:solidFill>
+                  <a:schemeClr val="bg1">
+                    <a:lumMod val="50000"/>
+                  </a:schemeClr>
+                </a:solidFill>
+                <a:latin typeface="Arial"/>
+                <a:cs typeface="Arial"/>
+              </a:rPr>
+              <a:t> </a:t>
+            </a:r>
+            <a:r>
+              <a:rPr lang="en-US" sz="600" dirty="0" smtClean="0">
+                <a:solidFill>
+                  <a:schemeClr val="bg1">
+                    <a:lumMod val="50000"/>
+                  </a:schemeClr>
+                </a:solidFill>
+                <a:latin typeface="Arial"/>
+                <a:cs typeface="Arial"/>
+              </a:rPr>
+              <a:t>All rights reserved.</a:t>
+            </a:r>
+            <a:endParaRPr lang="en-US" sz="600" dirty="0">
+              <a:solidFill>
+                <a:schemeClr val="bg1">
+                  <a:lumMod val="50000"/>
+                </a:schemeClr>
+              </a:solidFill>
+              <a:latin typeface="Arial"/>
+              <a:cs typeface="Arial"/>
+            </a:endParaRPr>
+          </a:p>
+        </p:txBody>
+      </p:sp>
+      <p:pic>
+        <p:nvPicPr>
+          <p:cNvPr id="8" name="Picture 7" descr="Pivotal_Logo_white.png"/>
+          <p:cNvPicPr>
+            <a:picLocks noChangeAspect="1"/>
+          </p:cNvPicPr>
+          <p:nvPr userDrawn="1"/>
+        </p:nvPicPr>
+        <p:blipFill>
+          <a:blip r:embed="rId2" cstate="print"/>
+          <a:stretch>
+            <a:fillRect/>
+          </a:stretch>
+        </p:blipFill>
+        <p:spPr>
+          <a:xfrm>
+            <a:off x="7941733" y="4713966"/>
+            <a:ext cx="957262" cy="219455"/>
+          </a:xfrm>
+          <a:prstGeom prst="rect">
+            <a:avLst/>
+          </a:prstGeom>
+        </p:spPr>
+      </p:pic>
+      <p:cxnSp>
+        <p:nvCxnSpPr>
+          <p:cNvPr id="9" name="Straight Connector 8"/>
+          <p:cNvCxnSpPr/>
+          <p:nvPr userDrawn="1"/>
+        </p:nvCxnSpPr>
+        <p:spPr>
+          <a:xfrm>
+            <a:off x="0" y="885931"/>
+            <a:ext cx="9144000" cy="0"/>
+          </a:xfrm>
+          <a:prstGeom prst="line">
+            <a:avLst/>
+          </a:prstGeom>
+          <a:ln>
+            <a:solidFill>
+              <a:srgbClr val="E8E8E8"/>
+            </a:solidFill>
+          </a:ln>
+        </p:spPr>
+        <p:style>
+          <a:lnRef idx="1">
+            <a:schemeClr val="dk1"/>
+          </a:lnRef>
+          <a:fillRef idx="0">
+            <a:schemeClr val="dk1"/>
+          </a:fillRef>
+          <a:effectRef idx="0">
+            <a:schemeClr val="dk1"/>
+          </a:effectRef>
+          <a:fontRef idx="minor">
+            <a:schemeClr val="tx1"/>
+          </a:fontRef>
+        </p:style>
+      </p:cxnSp>
+    </p:spTree>
+    <p:extLst>
+      <p:ext uri="{BB962C8B-B14F-4D97-AF65-F5344CB8AC3E}">
+        <p14:creationId xmlns:p14="http://schemas.microsoft.com/office/powerpoint/2010/main" val="3448617096"/>
+      </p:ext>
+    </p:extLst>
+  </p:cSld>
+  <p:clrMapOvr>
+    <a:masterClrMapping/>
+  </p:clrMapOvr>
+  <p:timing>
+    <p:tnLst>
+      <p:par>
+        <p:cTn xmlns:p14="http://schemas.microsoft.com/office/powerpoint/2010/main" id="1" dur="indefinite" restart="never" nodeType="tmRoot"/>
+      </p:par>
+    </p:tnLst>
+  </p:timing>
+</p:sldLayout>
+</file>
+
+<file path=ppt/slideLayouts/slideLayout5.xml><?xml version="1.0" encoding="utf-8"?>
+<p:sldLayout xmlns:a="http://schemas.openxmlformats.org/drawingml/2006/main" xmlns:r="http://schemas.openxmlformats.org/officeDocument/2006/relationships" xmlns:p="http://schemas.openxmlformats.org/presentationml/2006/main">
+  <p:cSld name="black background">
+    <p:spTree>
+      <p:nvGrpSpPr>
+        <p:cNvPr id="1" name="Shape 61"/>
+        <p:cNvGrpSpPr/>
+        <p:nvPr/>
+      </p:nvGrpSpPr>
+      <p:grpSpPr>
+        <a:xfrm>
+          <a:off x="0" y="0"/>
+          <a:ext cx="0" cy="0"/>
+          <a:chOff x="0" y="0"/>
+          <a:chExt cx="0" cy="0"/>
+        </a:xfrm>
+      </p:grpSpPr>
+      <p:sp>
+        <p:nvSpPr>
+          <p:cNvPr id="62" name="Shape 62"/>
+          <p:cNvSpPr/>
+          <p:nvPr/>
+        </p:nvSpPr>
+        <p:spPr>
+          <a:xfrm>
+            <a:off x="0" y="0"/>
+            <a:ext cx="9144000" cy="5143499"/>
+          </a:xfrm>
+          <a:prstGeom prst="rect">
+            <a:avLst/>
+          </a:prstGeom>
+          <a:solidFill>
+            <a:srgbClr val="000000"/>
+          </a:solidFill>
+          <a:ln w="12700" cap="flat">
+            <a:solidFill>
+              <a:schemeClr val="lt2"/>
+            </a:solidFill>
+            <a:prstDash val="solid"/>
+            <a:round/>
+            <a:headEnd type="none" w="med" len="med"/>
+            <a:tailEnd type="none" w="med" len="med"/>
+          </a:ln>
+        </p:spPr>
+        <p:txBody>
+          <a:bodyPr lIns="91425" tIns="45700" rIns="91425" bIns="45700" anchor="ctr" anchorCtr="0">
+            <a:noAutofit/>
+          </a:bodyPr>
+          <a:lstStyle/>
+          <a:p>
+            <a:pPr marL="0" marR="0" lvl="0" indent="0" algn="ctr" rtl="0">
+              <a:lnSpc>
+                <a:spcPct val="100000"/>
+              </a:lnSpc>
+              <a:spcBef>
+                <a:spcPts val="0"/>
+              </a:spcBef>
+              <a:spcAft>
+                <a:spcPts val="0"/>
+              </a:spcAft>
+              <a:buClr>
+                <a:schemeClr val="lt1"/>
+              </a:buClr>
+              <a:buFont typeface="Arial"/>
+              <a:buNone/>
+            </a:pPr>
+            <a:endParaRPr sz="1800" b="0" i="0" u="none" strike="noStrike" cap="none" baseline="0">
+              <a:solidFill>
+                <a:srgbClr val="FFFFFF"/>
+              </a:solidFill>
+              <a:latin typeface="Arial"/>
+              <a:ea typeface="Arial"/>
+              <a:cs typeface="Arial"/>
+              <a:sym typeface="Arial"/>
+              <a:rtl val="0"/>
+            </a:endParaRPr>
+          </a:p>
+        </p:txBody>
+      </p:sp>
+      <p:sp>
+        <p:nvSpPr>
+          <p:cNvPr id="63" name="Shape 63"/>
+          <p:cNvSpPr/>
+          <p:nvPr/>
+        </p:nvSpPr>
+        <p:spPr>
+          <a:xfrm>
+            <a:off x="0" y="4629150"/>
+            <a:ext cx="9144000" cy="385800"/>
+          </a:xfrm>
+          <a:prstGeom prst="rect">
+            <a:avLst/>
+          </a:prstGeom>
+          <a:solidFill>
+            <a:srgbClr val="00786E"/>
+          </a:solidFill>
+          <a:ln>
+            <a:noFill/>
+          </a:ln>
+        </p:spPr>
+        <p:txBody>
+          <a:bodyPr lIns="91425" tIns="45700" rIns="91425" bIns="45700" anchor="ctr" anchorCtr="0">
+            <a:noAutofit/>
+          </a:bodyPr>
+          <a:lstStyle/>
+          <a:p>
+            <a:pPr marL="0" marR="0" lvl="0" indent="0" algn="l" rtl="0">
+              <a:lnSpc>
+                <a:spcPct val="100000"/>
+              </a:lnSpc>
+              <a:spcBef>
+                <a:spcPts val="0"/>
+              </a:spcBef>
+              <a:spcAft>
+                <a:spcPts val="0"/>
+              </a:spcAft>
+              <a:buClr>
+                <a:schemeClr val="lt1"/>
+              </a:buClr>
+              <a:buFont typeface="Arial"/>
+              <a:buNone/>
+            </a:pPr>
+            <a:endParaRPr sz="1800" b="0" i="0" u="none" strike="noStrike" cap="none" baseline="0">
+              <a:solidFill>
+                <a:srgbClr val="FFFFFF"/>
+              </a:solidFill>
+              <a:latin typeface="Arial"/>
+              <a:ea typeface="Arial"/>
+              <a:cs typeface="Arial"/>
+              <a:sym typeface="Arial"/>
+              <a:rtl val="0"/>
+            </a:endParaRPr>
+          </a:p>
+        </p:txBody>
+      </p:sp>
+      <p:sp>
+        <p:nvSpPr>
+          <p:cNvPr id="64" name="Shape 64"/>
+          <p:cNvSpPr txBox="1"/>
+          <p:nvPr/>
+        </p:nvSpPr>
+        <p:spPr>
+          <a:xfrm flipH="1">
+            <a:off x="8553450" y="5021262"/>
+            <a:ext cx="533399" cy="123899"/>
+          </a:xfrm>
+          <a:prstGeom prst="rect">
+            <a:avLst/>
+          </a:prstGeom>
+          <a:noFill/>
+          <a:ln>
+            <a:noFill/>
+          </a:ln>
+        </p:spPr>
+        <p:txBody>
+          <a:bodyPr lIns="0" tIns="0" rIns="0" bIns="0" anchor="t" anchorCtr="0">
+            <a:noAutofit/>
+          </a:bodyPr>
+          <a:lstStyle/>
+          <a:p>
+            <a:pPr marL="0" marR="0" lvl="0" indent="0" algn="r" rtl="0">
+              <a:lnSpc>
+                <a:spcPct val="100000"/>
+              </a:lnSpc>
+              <a:spcBef>
+                <a:spcPts val="0"/>
+              </a:spcBef>
+              <a:spcAft>
+                <a:spcPts val="0"/>
+              </a:spcAft>
+              <a:buClr>
+                <a:srgbClr val="7F7F7F"/>
+              </a:buClr>
+              <a:buSzPct val="25000"/>
+              <a:buFont typeface="Arial"/>
+              <a:buNone/>
+            </a:pPr>
+            <a:fld id="{00000000-1234-1234-1234-123412341234}" type="slidenum">
+              <a:rPr lang="en" sz="800" b="0" i="0" u="none" strike="noStrike" cap="none" baseline="0">
+                <a:solidFill>
+                  <a:srgbClr val="7F7F7F"/>
+                </a:solidFill>
+                <a:latin typeface="Arial"/>
+                <a:ea typeface="Arial"/>
+                <a:cs typeface="Arial"/>
+                <a:sym typeface="Arial"/>
+                <a:rtl val="0"/>
+              </a:rPr>
+              <a:t>‹#›</a:t>
+            </a:fld>
+            <a:endParaRPr lang="en" sz="800" b="0" i="0" u="none" strike="noStrike" cap="none" baseline="0">
+              <a:solidFill>
+                <a:srgbClr val="7F7F7F"/>
+              </a:solidFill>
+              <a:latin typeface="Arial"/>
+              <a:ea typeface="Arial"/>
+              <a:cs typeface="Arial"/>
+              <a:sym typeface="Arial"/>
+              <a:rtl val="0"/>
+            </a:endParaRPr>
+          </a:p>
+        </p:txBody>
+      </p:sp>
+      <p:sp>
+        <p:nvSpPr>
+          <p:cNvPr id="65" name="Shape 65"/>
+          <p:cNvSpPr txBox="1"/>
+          <p:nvPr/>
+        </p:nvSpPr>
+        <p:spPr>
+          <a:xfrm>
+            <a:off x="366712" y="5018087"/>
+            <a:ext cx="2274900" cy="99900"/>
+          </a:xfrm>
+          <a:prstGeom prst="rect">
+            <a:avLst/>
+          </a:prstGeom>
+          <a:noFill/>
+          <a:ln>
+            <a:noFill/>
+          </a:ln>
+        </p:spPr>
+        <p:txBody>
+          <a:bodyPr lIns="0" tIns="0" rIns="0" bIns="0" anchor="t" anchorCtr="0">
+            <a:noAutofit/>
+          </a:bodyPr>
+          <a:lstStyle/>
+          <a:p>
+            <a:pPr marL="0" marR="0" lvl="0" indent="0" algn="l" rtl="0">
+              <a:lnSpc>
+                <a:spcPct val="100000"/>
+              </a:lnSpc>
+              <a:spcBef>
+                <a:spcPts val="0"/>
+              </a:spcBef>
+              <a:spcAft>
+                <a:spcPts val="0"/>
+              </a:spcAft>
+              <a:buClr>
+                <a:srgbClr val="7F7F7F"/>
+              </a:buClr>
+              <a:buSzPct val="25000"/>
+              <a:buFont typeface="Arial"/>
+              <a:buNone/>
+            </a:pPr>
+            <a:r>
+              <a:rPr lang="en" sz="600" b="0" i="0" u="none" strike="noStrike" cap="none" baseline="0">
+                <a:solidFill>
+                  <a:srgbClr val="7F7F7F"/>
+                </a:solidFill>
+                <a:latin typeface="Arial"/>
+                <a:ea typeface="Arial"/>
+                <a:cs typeface="Arial"/>
+                <a:sym typeface="Arial"/>
+                <a:rtl val="0"/>
+              </a:rPr>
+              <a:t>© Copyright 2013 Pivotal. All rights reserved.</a:t>
+            </a:r>
+          </a:p>
+        </p:txBody>
+      </p:sp>
+      <p:pic>
+        <p:nvPicPr>
+          <p:cNvPr id="66" name="Shape 66"/>
+          <p:cNvPicPr preferRelativeResize="0"/>
+          <p:nvPr/>
+        </p:nvPicPr>
+        <p:blipFill rotWithShape="1">
+          <a:blip r:embed="rId2">
+            <a:alphaModFix/>
+          </a:blip>
+          <a:srcRect/>
+          <a:stretch/>
+        </p:blipFill>
+        <p:spPr>
+          <a:xfrm>
+            <a:off x="7942263" y="4713287"/>
+            <a:ext cx="957299" cy="220800"/>
+          </a:xfrm>
+          <a:prstGeom prst="rect">
+            <a:avLst/>
+          </a:prstGeom>
+          <a:noFill/>
+          <a:ln>
+            <a:noFill/>
+          </a:ln>
+        </p:spPr>
+      </p:pic>
+    </p:spTree>
+    <p:extLst>
+      <p:ext uri="{BB962C8B-B14F-4D97-AF65-F5344CB8AC3E}">
+        <p14:creationId xmlns:p14="http://schemas.microsoft.com/office/powerpoint/2010/main" val="3547717869"/>
+      </p:ext>
+    </p:extLst>
+  </p:cSld>
+  <p:clrMapOvr>
+    <a:masterClrMapping/>
+  </p:clrMapOvr>
+</p:sldLayout>
+</file>
+
+<file path=ppt/slideLayouts/slideLayout6.xml><?xml version="1.0" encoding="utf-8"?>
 <p:sldLayout xmlns:a="http://schemas.openxmlformats.org/drawingml/2006/main" xmlns:r="http://schemas.openxmlformats.org/officeDocument/2006/relationships" xmlns:p="http://schemas.openxmlformats.org/presentationml/2006/main">
   <p:cSld name="Divider 1">
     <p:spTree>
@@ -3204,7 +5731,7 @@
 </p:sldLayout>
 </file>
 
-<file path=ppt/slideLayouts/slideLayout5.xml><?xml version="1.0" encoding="utf-8"?>
+<file path=ppt/slideLayouts/slideLayout7.xml><?xml version="1.0" encoding="utf-8"?>
 <p:sldLayout xmlns:a="http://schemas.openxmlformats.org/drawingml/2006/main" xmlns:r="http://schemas.openxmlformats.org/officeDocument/2006/relationships" xmlns:p="http://schemas.openxmlformats.org/presentationml/2006/main">
   <p:cSld name="1_Title and Content">
     <p:spTree>
@@ -3514,7 +6041,7 @@
 </p:sldLayout>
 </file>
 
-<file path=ppt/slideLayouts/slideLayout6.xml><?xml version="1.0" encoding="utf-8"?>
+<file path=ppt/slideLayouts/slideLayout8.xml><?xml version="1.0" encoding="utf-8"?>
 <p:sldLayout xmlns:a="http://schemas.openxmlformats.org/drawingml/2006/main" xmlns:r="http://schemas.openxmlformats.org/officeDocument/2006/relationships" xmlns:p="http://schemas.openxmlformats.org/presentationml/2006/main">
   <p:cSld name="Title Only">
     <p:spTree>
@@ -3633,7 +6160,7 @@
 </p:sldLayout>
 </file>
 
-<file path=ppt/slideLayouts/slideLayout7.xml><?xml version="1.0" encoding="utf-8"?>
+<file path=ppt/slideLayouts/slideLayout9.xml><?xml version="1.0" encoding="utf-8"?>
 <p:sldLayout xmlns:a="http://schemas.openxmlformats.org/drawingml/2006/main" xmlns:r="http://schemas.openxmlformats.org/officeDocument/2006/relationships" xmlns:p="http://schemas.openxmlformats.org/presentationml/2006/main" type="tx">
   <p:cSld name="Title - Top">
     <p:spTree>
@@ -3854,550 +6381,6 @@
 </p:sldLayout>
 </file>
 
-<file path=ppt/slideLayouts/slideLayout8.xml><?xml version="1.0" encoding="utf-8"?>
-<p:sldLayout xmlns:a="http://schemas.openxmlformats.org/drawingml/2006/main" xmlns:r="http://schemas.openxmlformats.org/officeDocument/2006/relationships" xmlns:p="http://schemas.openxmlformats.org/presentationml/2006/main" type="tx">
-  <p:cSld name="Title and Content">
-    <p:spTree>
-      <p:nvGrpSpPr>
-        <p:cNvPr id="1" name="Shape 290"/>
-        <p:cNvGrpSpPr/>
-        <p:nvPr/>
-      </p:nvGrpSpPr>
-      <p:grpSpPr>
-        <a:xfrm>
-          <a:off x="0" y="0"/>
-          <a:ext cx="0" cy="0"/>
-          <a:chOff x="0" y="0"/>
-          <a:chExt cx="0" cy="0"/>
-        </a:xfrm>
-      </p:grpSpPr>
-      <p:sp>
-        <p:nvSpPr>
-          <p:cNvPr id="291" name="Shape 291"/>
-          <p:cNvSpPr txBox="1">
-            <a:spLocks noGrp="1"/>
-          </p:cNvSpPr>
-          <p:nvPr>
-            <p:ph type="sldNum" idx="12"/>
-          </p:nvPr>
-        </p:nvSpPr>
-        <p:spPr>
-          <a:xfrm>
-            <a:off x="8553450" y="5021494"/>
-            <a:ext cx="533399" cy="127000"/>
-          </a:xfrm>
-          <a:prstGeom prst="rect">
-            <a:avLst/>
-          </a:prstGeom>
-          <a:noFill/>
-          <a:ln>
-            <a:noFill/>
-          </a:ln>
-        </p:spPr>
-        <p:txBody>
-          <a:bodyPr lIns="91425" tIns="45700" rIns="91425" bIns="45700" anchor="t" anchorCtr="0">
-            <a:noAutofit/>
-          </a:bodyPr>
-          <a:lstStyle/>
-          <a:p>
-            <a:pPr marL="0" marR="0" lvl="0" indent="0" algn="l" rtl="0">
-              <a:spcBef>
-                <a:spcPts val="0"/>
-              </a:spcBef>
-              <a:buSzPct val="25000"/>
-              <a:buNone/>
-            </a:pPr>
-            <a:fld id="{00000000-1234-1234-1234-123412341234}" type="slidenum">
-              <a:rPr lang="en-US" sz="1800" b="0" i="0" u="none" strike="noStrike" cap="none" baseline="0">
-                <a:solidFill>
-                  <a:srgbClr val="4D4D4D"/>
-                </a:solidFill>
-                <a:latin typeface="Arial"/>
-                <a:ea typeface="Arial"/>
-                <a:cs typeface="Arial"/>
-                <a:sym typeface="Arial"/>
-              </a:rPr>
-              <a:t>‹#›</a:t>
-            </a:fld>
-            <a:endParaRPr lang="en-US" sz="1800" b="0" i="0" u="none" strike="noStrike" cap="none" baseline="0">
-              <a:solidFill>
-                <a:srgbClr val="4D4D4D"/>
-              </a:solidFill>
-              <a:latin typeface="Arial"/>
-              <a:ea typeface="Arial"/>
-              <a:cs typeface="Arial"/>
-              <a:sym typeface="Arial"/>
-            </a:endParaRPr>
-          </a:p>
-        </p:txBody>
-      </p:sp>
-      <p:sp>
-        <p:nvSpPr>
-          <p:cNvPr id="292" name="Shape 292"/>
-          <p:cNvSpPr txBox="1">
-            <a:spLocks noGrp="1"/>
-          </p:cNvSpPr>
-          <p:nvPr>
-            <p:ph type="title"/>
-          </p:nvPr>
-        </p:nvSpPr>
-        <p:spPr>
-          <a:xfrm>
-            <a:off x="366712" y="325437"/>
-            <a:ext cx="8410576" cy="623887"/>
-          </a:xfrm>
-          <a:prstGeom prst="rect">
-            <a:avLst/>
-          </a:prstGeom>
-          <a:noFill/>
-          <a:ln>
-            <a:noFill/>
-          </a:ln>
-        </p:spPr>
-        <p:txBody>
-          <a:bodyPr lIns="91425" tIns="91425" rIns="91425" bIns="91425" anchor="t" anchorCtr="0"/>
-          <a:lstStyle>
-            <a:lvl1pPr algn="l" rtl="0">
-              <a:spcBef>
-                <a:spcPts val="0"/>
-              </a:spcBef>
-              <a:buClr>
-                <a:srgbClr val="2C95DD"/>
-              </a:buClr>
-              <a:buNone/>
-              <a:defRPr sz="3200">
-                <a:solidFill>
-                  <a:srgbClr val="2C95DD"/>
-                </a:solidFill>
-              </a:defRPr>
-            </a:lvl1pPr>
-            <a:lvl2pPr rtl="0">
-              <a:spcBef>
-                <a:spcPts val="0"/>
-              </a:spcBef>
-              <a:defRPr/>
-            </a:lvl2pPr>
-            <a:lvl3pPr rtl="0">
-              <a:spcBef>
-                <a:spcPts val="0"/>
-              </a:spcBef>
-              <a:defRPr/>
-            </a:lvl3pPr>
-            <a:lvl4pPr rtl="0">
-              <a:spcBef>
-                <a:spcPts val="0"/>
-              </a:spcBef>
-              <a:defRPr/>
-            </a:lvl4pPr>
-            <a:lvl5pPr rtl="0">
-              <a:spcBef>
-                <a:spcPts val="0"/>
-              </a:spcBef>
-              <a:defRPr/>
-            </a:lvl5pPr>
-            <a:lvl6pPr rtl="0">
-              <a:spcBef>
-                <a:spcPts val="0"/>
-              </a:spcBef>
-              <a:defRPr/>
-            </a:lvl6pPr>
-            <a:lvl7pPr rtl="0">
-              <a:spcBef>
-                <a:spcPts val="0"/>
-              </a:spcBef>
-              <a:defRPr/>
-            </a:lvl7pPr>
-            <a:lvl8pPr rtl="0">
-              <a:spcBef>
-                <a:spcPts val="0"/>
-              </a:spcBef>
-              <a:defRPr/>
-            </a:lvl8pPr>
-            <a:lvl9pPr rtl="0">
-              <a:spcBef>
-                <a:spcPts val="0"/>
-              </a:spcBef>
-              <a:defRPr/>
-            </a:lvl9pPr>
-          </a:lstStyle>
-          <a:p>
-            <a:endParaRPr/>
-          </a:p>
-        </p:txBody>
-      </p:sp>
-      <p:sp>
-        <p:nvSpPr>
-          <p:cNvPr id="293" name="Shape 293"/>
-          <p:cNvSpPr txBox="1">
-            <a:spLocks noGrp="1"/>
-          </p:cNvSpPr>
-          <p:nvPr>
-            <p:ph type="body" idx="1"/>
-          </p:nvPr>
-        </p:nvSpPr>
-        <p:spPr>
-          <a:xfrm>
-            <a:off x="366713" y="1074737"/>
-            <a:ext cx="8410576" cy="3429001"/>
-          </a:xfrm>
-          <a:prstGeom prst="rect">
-            <a:avLst/>
-          </a:prstGeom>
-          <a:noFill/>
-          <a:ln>
-            <a:noFill/>
-          </a:ln>
-        </p:spPr>
-        <p:txBody>
-          <a:bodyPr lIns="91425" tIns="91425" rIns="91425" bIns="91425" anchor="t" anchorCtr="0"/>
-          <a:lstStyle>
-            <a:lvl1pPr marL="228600" indent="-50800" algn="l" rtl="0">
-              <a:spcBef>
-                <a:spcPts val="560"/>
-              </a:spcBef>
-              <a:buClr>
-                <a:srgbClr val="2C95DD"/>
-              </a:buClr>
-              <a:buFont typeface="Arial"/>
-              <a:buChar char="•"/>
-              <a:defRPr sz="2800">
-                <a:solidFill>
-                  <a:schemeClr val="dk1"/>
-                </a:solidFill>
-              </a:defRPr>
-            </a:lvl1pPr>
-            <a:lvl2pPr marL="742950" indent="-133350" algn="l" rtl="0">
-              <a:spcBef>
-                <a:spcPts val="480"/>
-              </a:spcBef>
-              <a:buClr>
-                <a:srgbClr val="2C95DD"/>
-              </a:buClr>
-              <a:buFont typeface="Arial"/>
-              <a:buChar char="–"/>
-              <a:defRPr sz="2400">
-                <a:solidFill>
-                  <a:schemeClr val="dk1"/>
-                </a:solidFill>
-              </a:defRPr>
-            </a:lvl2pPr>
-            <a:lvl3pPr marL="1143000" indent="-101600" algn="l" rtl="0">
-              <a:spcBef>
-                <a:spcPts val="400"/>
-              </a:spcBef>
-              <a:buClr>
-                <a:srgbClr val="2C95DD"/>
-              </a:buClr>
-              <a:buFont typeface="Arial"/>
-              <a:buChar char="•"/>
-              <a:defRPr sz="2000">
-                <a:solidFill>
-                  <a:schemeClr val="dk1"/>
-                </a:solidFill>
-              </a:defRPr>
-            </a:lvl3pPr>
-            <a:lvl4pPr marL="1600200" indent="-114300" algn="l" rtl="0">
-              <a:spcBef>
-                <a:spcPts val="360"/>
-              </a:spcBef>
-              <a:buClr>
-                <a:srgbClr val="2C95DD"/>
-              </a:buClr>
-              <a:buFont typeface="Arial"/>
-              <a:buChar char="–"/>
-              <a:defRPr sz="1800">
-                <a:solidFill>
-                  <a:schemeClr val="dk1"/>
-                </a:solidFill>
-              </a:defRPr>
-            </a:lvl4pPr>
-            <a:lvl5pPr marL="2057400" indent="-114300" algn="l" rtl="0">
-              <a:spcBef>
-                <a:spcPts val="360"/>
-              </a:spcBef>
-              <a:buClr>
-                <a:srgbClr val="2C95DD"/>
-              </a:buClr>
-              <a:buFont typeface="Arial"/>
-              <a:buChar char="»"/>
-              <a:defRPr sz="1800">
-                <a:solidFill>
-                  <a:schemeClr val="dk1"/>
-                </a:solidFill>
-              </a:defRPr>
-            </a:lvl5pPr>
-            <a:lvl6pPr marL="2514600" indent="-101600" algn="l" rtl="0">
-              <a:spcBef>
-                <a:spcPts val="400"/>
-              </a:spcBef>
-              <a:buClr>
-                <a:schemeClr val="dk1"/>
-              </a:buClr>
-              <a:buFont typeface="Arial"/>
-              <a:buChar char="•"/>
-              <a:defRPr sz="2000">
-                <a:solidFill>
-                  <a:schemeClr val="dk1"/>
-                </a:solidFill>
-                <a:latin typeface="Arial"/>
-                <a:ea typeface="Arial"/>
-                <a:cs typeface="Arial"/>
-                <a:sym typeface="Arial"/>
-              </a:defRPr>
-            </a:lvl6pPr>
-            <a:lvl7pPr marL="2971800" indent="-101600" algn="l" rtl="0">
-              <a:spcBef>
-                <a:spcPts val="400"/>
-              </a:spcBef>
-              <a:buClr>
-                <a:schemeClr val="dk1"/>
-              </a:buClr>
-              <a:buFont typeface="Arial"/>
-              <a:buChar char="•"/>
-              <a:defRPr sz="2000">
-                <a:solidFill>
-                  <a:schemeClr val="dk1"/>
-                </a:solidFill>
-                <a:latin typeface="Arial"/>
-                <a:ea typeface="Arial"/>
-                <a:cs typeface="Arial"/>
-                <a:sym typeface="Arial"/>
-              </a:defRPr>
-            </a:lvl7pPr>
-            <a:lvl8pPr marL="3429000" indent="-101600" algn="l" rtl="0">
-              <a:spcBef>
-                <a:spcPts val="400"/>
-              </a:spcBef>
-              <a:buClr>
-                <a:schemeClr val="dk1"/>
-              </a:buClr>
-              <a:buFont typeface="Arial"/>
-              <a:buChar char="•"/>
-              <a:defRPr sz="2000">
-                <a:solidFill>
-                  <a:schemeClr val="dk1"/>
-                </a:solidFill>
-                <a:latin typeface="Arial"/>
-                <a:ea typeface="Arial"/>
-                <a:cs typeface="Arial"/>
-                <a:sym typeface="Arial"/>
-              </a:defRPr>
-            </a:lvl8pPr>
-            <a:lvl9pPr marL="3886200" indent="-101600" algn="l" rtl="0">
-              <a:spcBef>
-                <a:spcPts val="400"/>
-              </a:spcBef>
-              <a:buClr>
-                <a:schemeClr val="dk1"/>
-              </a:buClr>
-              <a:buFont typeface="Arial"/>
-              <a:buChar char="•"/>
-              <a:defRPr sz="2000">
-                <a:solidFill>
-                  <a:schemeClr val="dk1"/>
-                </a:solidFill>
-                <a:latin typeface="Arial"/>
-                <a:ea typeface="Arial"/>
-                <a:cs typeface="Arial"/>
-                <a:sym typeface="Arial"/>
-              </a:defRPr>
-            </a:lvl9pPr>
-          </a:lstStyle>
-          <a:p>
-            <a:endParaRPr/>
-          </a:p>
-        </p:txBody>
-      </p:sp>
-    </p:spTree>
-    <p:extLst>
-      <p:ext uri="{BB962C8B-B14F-4D97-AF65-F5344CB8AC3E}">
-        <p14:creationId xmlns:p14="http://schemas.microsoft.com/office/powerpoint/2010/main" val="3605154465"/>
-      </p:ext>
-    </p:extLst>
-  </p:cSld>
-  <p:clrMapOvr>
-    <a:masterClrMapping/>
-  </p:clrMapOvr>
-</p:sldLayout>
-</file>
-
-<file path=ppt/slideLayouts/slideLayout9.xml><?xml version="1.0" encoding="utf-8"?>
-<p:sldLayout xmlns:a="http://schemas.openxmlformats.org/drawingml/2006/main" xmlns:r="http://schemas.openxmlformats.org/officeDocument/2006/relationships" xmlns:p="http://schemas.openxmlformats.org/presentationml/2006/main" preserve="1" userDrawn="1">
-  <p:cSld name="Main Page">
-    <p:spTree>
-      <p:nvGrpSpPr>
-        <p:cNvPr id="1" name=""/>
-        <p:cNvGrpSpPr/>
-        <p:nvPr/>
-      </p:nvGrpSpPr>
-      <p:grpSpPr>
-        <a:xfrm>
-          <a:off x="0" y="0"/>
-          <a:ext cx="0" cy="0"/>
-          <a:chOff x="0" y="0"/>
-          <a:chExt cx="0" cy="0"/>
-        </a:xfrm>
-      </p:grpSpPr>
-      <p:sp>
-        <p:nvSpPr>
-          <p:cNvPr id="2" name="Title 1"/>
-          <p:cNvSpPr>
-            <a:spLocks noGrp="1"/>
-          </p:cNvSpPr>
-          <p:nvPr>
-            <p:ph type="title"/>
-          </p:nvPr>
-        </p:nvSpPr>
-        <p:spPr>
-          <a:xfrm>
-            <a:off x="113722" y="149918"/>
-            <a:ext cx="8796928" cy="474445"/>
-          </a:xfrm>
-          <a:prstGeom prst="rect">
-            <a:avLst/>
-          </a:prstGeom>
-        </p:spPr>
-        <p:txBody>
-          <a:bodyPr/>
-          <a:lstStyle>
-            <a:lvl1pPr algn="l">
-              <a:defRPr sz="2800" b="1">
-                <a:solidFill>
-                  <a:srgbClr val="008774"/>
-                </a:solidFill>
-                <a:latin typeface="Arial"/>
-                <a:cs typeface="Arial"/>
-              </a:defRPr>
-            </a:lvl1pPr>
-          </a:lstStyle>
-          <a:p>
-            <a:r>
-              <a:rPr lang="en-US" dirty="0" smtClean="0"/>
-              <a:t>Click to edit Master title style</a:t>
-            </a:r>
-            <a:endParaRPr lang="en-US" dirty="0"/>
-          </a:p>
-        </p:txBody>
-      </p:sp>
-      <p:sp>
-        <p:nvSpPr>
-          <p:cNvPr id="6" name="Slide Number Placeholder 5"/>
-          <p:cNvSpPr>
-            <a:spLocks noGrp="1"/>
-          </p:cNvSpPr>
-          <p:nvPr>
-            <p:ph type="sldNum" sz="quarter" idx="12"/>
-          </p:nvPr>
-        </p:nvSpPr>
-        <p:spPr>
-          <a:xfrm>
-            <a:off x="48247" y="4861463"/>
-            <a:ext cx="373338" cy="273844"/>
-          </a:xfrm>
-          <a:prstGeom prst="rect">
-            <a:avLst/>
-          </a:prstGeom>
-        </p:spPr>
-        <p:txBody>
-          <a:bodyPr/>
-          <a:lstStyle>
-            <a:lvl1pPr>
-              <a:defRPr sz="900">
-                <a:solidFill>
-                  <a:schemeClr val="bg1">
-                    <a:lumMod val="65000"/>
-                  </a:schemeClr>
-                </a:solidFill>
-              </a:defRPr>
-            </a:lvl1pPr>
-          </a:lstStyle>
-          <a:p>
-            <a:fld id="{ADA07C09-8A41-3B46-A636-3955072BBB4F}" type="slidenum">
-              <a:rPr lang="en-US" smtClean="0">
-                <a:solidFill>
-                  <a:srgbClr val="FFFFFF">
-                    <a:lumMod val="65000"/>
-                  </a:srgbClr>
-                </a:solidFill>
-                <a:latin typeface="Arial"/>
-              </a:rPr>
-              <a:pPr/>
-              <a:t>‹#›</a:t>
-            </a:fld>
-            <a:endParaRPr lang="en-US">
-              <a:solidFill>
-                <a:srgbClr val="FFFFFF">
-                  <a:lumMod val="65000"/>
-                </a:srgbClr>
-              </a:solidFill>
-              <a:latin typeface="Arial"/>
-            </a:endParaRPr>
-          </a:p>
-        </p:txBody>
-      </p:sp>
-      <p:sp>
-        <p:nvSpPr>
-          <p:cNvPr id="13" name="Text Placeholder 12"/>
-          <p:cNvSpPr>
-            <a:spLocks noGrp="1"/>
-          </p:cNvSpPr>
-          <p:nvPr>
-            <p:ph type="body" sz="quarter" idx="13"/>
-          </p:nvPr>
-        </p:nvSpPr>
-        <p:spPr>
-          <a:xfrm>
-            <a:off x="114300" y="624363"/>
-            <a:ext cx="8796338" cy="288565"/>
-          </a:xfrm>
-          <a:prstGeom prst="rect">
-            <a:avLst/>
-          </a:prstGeom>
-        </p:spPr>
-        <p:txBody>
-          <a:bodyPr vert="horz"/>
-          <a:lstStyle>
-            <a:lvl1pPr marL="0" indent="0">
-              <a:buNone/>
-              <a:defRPr sz="1800">
-                <a:solidFill>
-                  <a:srgbClr val="7F7F7F"/>
-                </a:solidFill>
-                <a:latin typeface="Arial"/>
-                <a:cs typeface="Arial"/>
-              </a:defRPr>
-            </a:lvl1pPr>
-          </a:lstStyle>
-          <a:p>
-            <a:pPr lvl="0"/>
-            <a:r>
-              <a:rPr lang="en-US" dirty="0" smtClean="0"/>
-              <a:t>Click to edit Master</a:t>
-            </a:r>
-            <a:endParaRPr lang="en-US" dirty="0"/>
-          </a:p>
-        </p:txBody>
-      </p:sp>
-    </p:spTree>
-    <p:extLst>
-      <p:ext uri="{BB962C8B-B14F-4D97-AF65-F5344CB8AC3E}">
-        <p14:creationId xmlns:p14="http://schemas.microsoft.com/office/powerpoint/2010/main" val="3116951951"/>
-      </p:ext>
-    </p:extLst>
-  </p:cSld>
-  <p:clrMapOvr>
-    <a:masterClrMapping/>
-  </p:clrMapOvr>
-  <p:timing>
-    <p:tnLst>
-      <p:par>
-        <p:cTn xmlns:p14="http://schemas.microsoft.com/office/powerpoint/2010/main" id="1" dur="indefinite" restart="never" nodeType="tmRoot"/>
-      </p:par>
-    </p:tnLst>
-  </p:timing>
-</p:sldLayout>
-</file>
-
 <file path=ppt/slideMasters/slideMaster1.xml><?xml version="1.0" encoding="utf-8"?>
 <p:sldMaster xmlns:a="http://schemas.openxmlformats.org/drawingml/2006/main" xmlns:r="http://schemas.openxmlformats.org/officeDocument/2006/relationships" xmlns:p="http://schemas.openxmlformats.org/presentationml/2006/main">
   <p:cSld>
@@ -4476,7 +6459,7 @@
           <p:nvPr userDrawn="1"/>
         </p:nvPicPr>
         <p:blipFill>
-          <a:blip r:embed="rId5">
+          <a:blip r:embed="rId7">
             <a:extLst>
               <a:ext uri="{28A0092B-C50C-407E-A947-70E740481C1C}">
                 <a14:useLocalDpi xmlns:a14="http://schemas.microsoft.com/office/drawing/2010/main" val="0"/>
@@ -4509,6 +6492,8 @@
     <p:sldLayoutId id="2147483650" r:id="rId1"/>
     <p:sldLayoutId id="2147483732" r:id="rId2"/>
     <p:sldLayoutId id="2147483733" r:id="rId3"/>
+    <p:sldLayoutId id="2147483734" r:id="rId4"/>
+    <p:sldLayoutId id="2147483735" r:id="rId5"/>
   </p:sldLayoutIdLst>
   <p:timing>
     <p:tnLst>
@@ -7022,12 +9007,12 @@
 </p:sld>
 </file>
 
-<file path=ppt/slides/slide2.xml><?xml version="1.0" encoding="utf-8"?>
+<file path=ppt/slides/slide10.xml><?xml version="1.0" encoding="utf-8"?>
 <p:sld xmlns:a="http://schemas.openxmlformats.org/drawingml/2006/main" xmlns:r="http://schemas.openxmlformats.org/officeDocument/2006/relationships" xmlns:p="http://schemas.openxmlformats.org/presentationml/2006/main">
   <p:cSld>
     <p:spTree>
       <p:nvGrpSpPr>
-        <p:cNvPr id="1" name="Shape 194"/>
+        <p:cNvPr id="1" name=""/>
         <p:cNvGrpSpPr/>
         <p:nvPr/>
       </p:nvGrpSpPr>
@@ -7041,8 +9026,8 @@
       </p:grpSpPr>
       <p:sp>
         <p:nvSpPr>
-          <p:cNvPr id="195" name="Shape 195"/>
-          <p:cNvSpPr txBox="1">
+          <p:cNvPr id="2" name="Title 1"/>
+          <p:cNvSpPr>
             <a:spLocks noGrp="1"/>
           </p:cNvSpPr>
           <p:nvPr>
@@ -7054,134 +9039,5679 @@
           <a:bodyPr/>
           <a:lstStyle/>
           <a:p>
-            <a:pPr lvl="0"/>
-            <a:r>
-              <a:rPr lang="en-US" sz="3200" b="0" smtClean="0">
-                <a:solidFill>
-                  <a:schemeClr val="accent1"/>
-                </a:solidFill>
-                <a:sym typeface="Arial"/>
-              </a:rPr>
-              <a:t>Workshop Agenda</a:t>
-            </a:r>
-            <a:endParaRPr lang="en-US" sz="3200" b="0" dirty="0">
-              <a:solidFill>
-                <a:schemeClr val="accent1"/>
-              </a:solidFill>
-              <a:sym typeface="Arial"/>
-            </a:endParaRPr>
+            <a:r>
+              <a:rPr lang="en-US" dirty="0" smtClean="0"/>
+              <a:t>HOW??</a:t>
+            </a:r>
+            <a:endParaRPr lang="en-US" dirty="0"/>
           </a:p>
         </p:txBody>
       </p:sp>
       <p:sp>
         <p:nvSpPr>
-          <p:cNvPr id="196" name="Shape 196"/>
-          <p:cNvSpPr txBox="1">
-            <a:spLocks noGrp="1"/>
-          </p:cNvSpPr>
-          <p:nvPr>
-            <p:ph type="body" sz="quarter" idx="13"/>
-          </p:nvPr>
+          <p:cNvPr id="5" name="TextBox 4"/>
+          <p:cNvSpPr txBox="1"/>
+          <p:nvPr/>
         </p:nvSpPr>
         <p:spPr>
           <a:xfrm>
-            <a:off x="431800" y="624362"/>
-            <a:ext cx="8551408" cy="3848609"/>
+            <a:off x="193040" y="3017520"/>
+            <a:ext cx="5181600" cy="1384995"/>
           </a:xfrm>
+          <a:prstGeom prst="rect">
+            <a:avLst/>
+          </a:prstGeom>
+          <a:solidFill>
+            <a:schemeClr val="bg1"/>
+          </a:solidFill>
         </p:spPr>
         <p:txBody>
-          <a:bodyPr/>
+          <a:bodyPr wrap="square" rtlCol="0">
+            <a:spAutoFit/>
+          </a:bodyPr>
           <a:lstStyle/>
           <a:p>
-            <a:pPr marL="514350" lvl="0" indent="-514350">
-              <a:buClr>
-                <a:srgbClr val="008774"/>
-              </a:buClr>
-              <a:buFont typeface="+mj-lt"/>
-              <a:buAutoNum type="arabicPeriod"/>
-            </a:pPr>
-            <a:endParaRPr lang="en-US" sz="2800" dirty="0" smtClean="0">
+            <a:r>
+              <a:rPr lang="en-US" sz="1200" dirty="0">
+                <a:latin typeface="Courier New"/>
+                <a:cs typeface="Courier New"/>
+              </a:rPr>
+              <a:t> </a:t>
+            </a:r>
+            <a:r>
+              <a:rPr lang="en-US" sz="1200" dirty="0" smtClean="0">
+                <a:latin typeface="Courier New"/>
+                <a:cs typeface="Courier New"/>
+              </a:rPr>
+              <a:t>  public Portfolio </a:t>
+            </a:r>
+            <a:r>
+              <a:rPr lang="en-US" sz="1200" dirty="0" smtClean="0">
+                <a:solidFill>
+                  <a:srgbClr val="77933C"/>
+                </a:solidFill>
+                <a:latin typeface="Courier New"/>
+                <a:cs typeface="Courier New"/>
+              </a:rPr>
+              <a:t>accountLookup</a:t>
+            </a:r>
+            <a:r>
+              <a:rPr lang="en-US" sz="1200" dirty="0" smtClean="0">
+                <a:latin typeface="Courier New"/>
+                <a:cs typeface="Courier New"/>
+              </a:rPr>
+              <a:t>(</a:t>
+            </a:r>
+            <a:r>
+              <a:rPr lang="en-US" sz="1200" dirty="0">
+                <a:latin typeface="Courier New"/>
+                <a:cs typeface="Courier New"/>
+              </a:rPr>
+              <a:t>String</a:t>
+            </a:r>
+            <a:r>
+              <a:rPr lang="en-US" sz="1200" dirty="0" smtClean="0">
+                <a:latin typeface="Courier New"/>
+                <a:cs typeface="Courier New"/>
+              </a:rPr>
+              <a:t>[acctId) {</a:t>
+            </a:r>
+          </a:p>
+          <a:p>
+            <a:r>
+              <a:rPr lang="en-US" sz="1200" dirty="0">
+                <a:latin typeface="Courier New"/>
+                <a:cs typeface="Courier New"/>
+              </a:rPr>
+              <a:t> </a:t>
+            </a:r>
+            <a:r>
+              <a:rPr lang="en-US" sz="1200" dirty="0" smtClean="0">
+                <a:latin typeface="Courier New"/>
+                <a:cs typeface="Courier New"/>
+              </a:rPr>
+              <a:t>     Portfolio p = restTemplate.getForObject(</a:t>
+            </a:r>
+          </a:p>
+          <a:p>
+            <a:r>
+              <a:rPr lang="en-US" sz="1200" dirty="0">
+                <a:latin typeface="Courier New"/>
+                <a:cs typeface="Courier New"/>
+              </a:rPr>
+              <a:t>	</a:t>
+            </a:r>
+            <a:r>
+              <a:rPr lang="en-US" sz="1200" dirty="0" smtClean="0">
+                <a:latin typeface="Courier New"/>
+                <a:cs typeface="Courier New"/>
+              </a:rPr>
+              <a:t>    </a:t>
+            </a:r>
+            <a:r>
+              <a:rPr lang="en-US" sz="1200" dirty="0" smtClean="0">
+                <a:latin typeface="Courier New"/>
+                <a:cs typeface="Courier New"/>
+                <a:hlinkClick r:id="rId3"/>
+              </a:rPr>
+              <a:t>“http://portfolio-service/portfolio/{accId}</a:t>
+            </a:r>
+            <a:r>
+              <a:rPr lang="en-US" sz="1200" dirty="0" smtClean="0">
+                <a:latin typeface="Courier New"/>
+                <a:cs typeface="Courier New"/>
+              </a:rPr>
+              <a:t>”,</a:t>
+            </a:r>
+          </a:p>
+          <a:p>
+            <a:r>
+              <a:rPr lang="en-US" sz="1200" dirty="0">
+                <a:latin typeface="Courier New"/>
+                <a:cs typeface="Courier New"/>
+              </a:rPr>
+              <a:t>	 </a:t>
+            </a:r>
+            <a:r>
+              <a:rPr lang="en-US" sz="1200" dirty="0" smtClean="0">
+                <a:latin typeface="Courier New"/>
+                <a:cs typeface="Courier New"/>
+              </a:rPr>
+              <a:t>   Portfolio.class</a:t>
+            </a:r>
+          </a:p>
+          <a:p>
+            <a:r>
+              <a:rPr lang="en-US" sz="1200" dirty="0">
+                <a:latin typeface="Courier New"/>
+                <a:cs typeface="Courier New"/>
+              </a:rPr>
+              <a:t>	</a:t>
+            </a:r>
+            <a:r>
+              <a:rPr lang="en-US" sz="1200" dirty="0" smtClean="0">
+                <a:latin typeface="Courier New"/>
+                <a:cs typeface="Courier New"/>
+              </a:rPr>
+              <a:t>    acctId);</a:t>
+            </a:r>
+            <a:endParaRPr lang="en-US" sz="1200" dirty="0">
+              <a:latin typeface="Courier New"/>
+              <a:cs typeface="Courier New"/>
+            </a:endParaRPr>
+          </a:p>
+          <a:p>
+            <a:r>
+              <a:rPr lang="en-US" sz="1200" dirty="0" smtClean="0">
+                <a:latin typeface="Courier New"/>
+                <a:cs typeface="Courier New"/>
+              </a:rPr>
+              <a:t>	 return p;</a:t>
+            </a:r>
+          </a:p>
+          <a:p>
+            <a:r>
+              <a:rPr lang="en-US" sz="1200" dirty="0" smtClean="0">
+                <a:latin typeface="Courier New"/>
+                <a:cs typeface="Courier New"/>
+              </a:rPr>
+              <a:t>   }</a:t>
+            </a:r>
+            <a:endParaRPr lang="en-US" sz="1200" dirty="0">
+              <a:latin typeface="Courier New"/>
+              <a:cs typeface="Courier New"/>
+            </a:endParaRPr>
+          </a:p>
+        </p:txBody>
+      </p:sp>
+      <p:sp>
+        <p:nvSpPr>
+          <p:cNvPr id="6" name="TextBox 5"/>
+          <p:cNvSpPr txBox="1"/>
+          <p:nvPr/>
+        </p:nvSpPr>
+        <p:spPr>
+          <a:xfrm>
+            <a:off x="3159760" y="3718561"/>
+            <a:ext cx="2214880" cy="461665"/>
+          </a:xfrm>
+          <a:prstGeom prst="rect">
+            <a:avLst/>
+          </a:prstGeom>
+          <a:noFill/>
+        </p:spPr>
+        <p:txBody>
+          <a:bodyPr wrap="square" rtlCol="0">
+            <a:spAutoFit/>
+          </a:bodyPr>
+          <a:lstStyle/>
+          <a:p>
+            <a:r>
+              <a:rPr lang="en-US" sz="1200" b="1" dirty="0" smtClean="0">
+                <a:solidFill>
+                  <a:srgbClr val="FF0000"/>
+                </a:solidFill>
+                <a:latin typeface="Courier New"/>
+                <a:cs typeface="Courier New"/>
+                <a:sym typeface="Wingdings"/>
+              </a:rPr>
+              <a:t> </a:t>
+            </a:r>
+            <a:r>
+              <a:rPr lang="en-US" sz="1200" b="1" dirty="0">
+                <a:solidFill>
+                  <a:srgbClr val="FF0000"/>
+                </a:solidFill>
+                <a:latin typeface="Courier New"/>
+                <a:cs typeface="Courier New"/>
+                <a:sym typeface="Wingdings"/>
+              </a:rPr>
+              <a:t>MAGIC!!</a:t>
+            </a:r>
+            <a:endParaRPr lang="en-US" sz="1200" b="1" dirty="0">
               <a:solidFill>
-                <a:schemeClr val="accent6"/>
+                <a:srgbClr val="FF0000"/>
               </a:solidFill>
-              <a:sym typeface="Arial"/>
+              <a:latin typeface="Courier New"/>
+              <a:cs typeface="Courier New"/>
             </a:endParaRPr>
           </a:p>
           <a:p>
-            <a:pPr marL="514350" lvl="0" indent="-514350">
-              <a:buClr>
-                <a:srgbClr val="008774"/>
-              </a:buClr>
-              <a:buFont typeface="+mj-lt"/>
-              <a:buAutoNum type="arabicPeriod"/>
-            </a:pPr>
-            <a:r>
-              <a:rPr lang="en-US" sz="2800" dirty="0" smtClean="0">
-                <a:solidFill>
-                  <a:schemeClr val="accent6"/>
-                </a:solidFill>
-                <a:sym typeface="Arial"/>
-              </a:rPr>
-              <a:t>TBD</a:t>
-            </a:r>
-          </a:p>
-          <a:p>
-            <a:pPr marL="514350" lvl="0" indent="-514350">
-              <a:buClr>
-                <a:srgbClr val="008774"/>
-              </a:buClr>
-              <a:buFont typeface="+mj-lt"/>
-              <a:buAutoNum type="arabicPeriod"/>
-            </a:pPr>
-            <a:r>
-              <a:rPr lang="en-US" sz="2800" dirty="0" smtClean="0">
-                <a:solidFill>
-                  <a:schemeClr val="accent6"/>
-                </a:solidFill>
-                <a:sym typeface="Arial"/>
-              </a:rPr>
-              <a:t>TBD</a:t>
-            </a:r>
-          </a:p>
-          <a:p>
-            <a:pPr marL="514350" lvl="0" indent="-514350">
-              <a:buClr>
-                <a:srgbClr val="008774"/>
-              </a:buClr>
-              <a:buFont typeface="+mj-lt"/>
-              <a:buAutoNum type="arabicPeriod"/>
-            </a:pPr>
-            <a:r>
-              <a:rPr lang="en-US" sz="2800" dirty="0" smtClean="0">
-                <a:solidFill>
-                  <a:schemeClr val="accent6"/>
-                </a:solidFill>
-                <a:sym typeface="Arial"/>
-              </a:rPr>
-              <a:t>TBD</a:t>
-            </a:r>
-            <a:endParaRPr lang="en-US" sz="2800" dirty="0">
-              <a:solidFill>
-                <a:schemeClr val="accent6"/>
-              </a:solidFill>
-              <a:sym typeface="Arial"/>
+            <a:endParaRPr lang="en-US" sz="1200" dirty="0">
+              <a:latin typeface="Courier New"/>
+              <a:cs typeface="Courier New"/>
             </a:endParaRPr>
+          </a:p>
+        </p:txBody>
+      </p:sp>
+      <p:cxnSp>
+        <p:nvCxnSpPr>
+          <p:cNvPr id="7" name="Straight Arrow Connector 6"/>
+          <p:cNvCxnSpPr/>
+          <p:nvPr/>
+        </p:nvCxnSpPr>
+        <p:spPr>
+          <a:xfrm flipH="1" flipV="1">
+            <a:off x="3088640" y="3637280"/>
+            <a:ext cx="132080" cy="162560"/>
+          </a:xfrm>
+          <a:prstGeom prst="straightConnector1">
+            <a:avLst/>
+          </a:prstGeom>
+          <a:ln>
+            <a:solidFill>
+              <a:srgbClr val="FF0000"/>
+            </a:solidFill>
+            <a:tailEnd type="arrow"/>
+          </a:ln>
+        </p:spPr>
+        <p:style>
+          <a:lnRef idx="2">
+            <a:schemeClr val="accent1"/>
+          </a:lnRef>
+          <a:fillRef idx="0">
+            <a:schemeClr val="accent1"/>
+          </a:fillRef>
+          <a:effectRef idx="1">
+            <a:schemeClr val="accent1"/>
+          </a:effectRef>
+          <a:fontRef idx="minor">
+            <a:schemeClr val="tx1"/>
+          </a:fontRef>
+        </p:style>
+      </p:cxnSp>
+      <p:sp>
+        <p:nvSpPr>
+          <p:cNvPr id="8" name="TextBox 7"/>
+          <p:cNvSpPr txBox="1"/>
+          <p:nvPr/>
+        </p:nvSpPr>
+        <p:spPr>
+          <a:xfrm>
+            <a:off x="193040" y="1107440"/>
+            <a:ext cx="6289040" cy="1569660"/>
+          </a:xfrm>
+          <a:prstGeom prst="rect">
+            <a:avLst/>
+          </a:prstGeom>
+          <a:solidFill>
+            <a:schemeClr val="bg1"/>
+          </a:solidFill>
+        </p:spPr>
+        <p:txBody>
+          <a:bodyPr wrap="square" rtlCol="0">
+            <a:spAutoFit/>
+          </a:bodyPr>
+          <a:lstStyle/>
+          <a:p>
+            <a:r>
+              <a:rPr lang="en-US" sz="1200" dirty="0" smtClean="0">
+                <a:latin typeface="Courier New"/>
+                <a:cs typeface="Courier New"/>
+              </a:rPr>
+              <a:t>  @</a:t>
+            </a:r>
+            <a:r>
+              <a:rPr lang="en-US" sz="1200" b="1" dirty="0" smtClean="0">
+                <a:solidFill>
+                  <a:srgbClr val="FF0000"/>
+                </a:solidFill>
+                <a:latin typeface="Courier New"/>
+                <a:cs typeface="Courier New"/>
+              </a:rPr>
+              <a:t>Autowired</a:t>
+            </a:r>
+            <a:r>
+              <a:rPr lang="en-US" sz="1200" dirty="0" smtClean="0">
+                <a:solidFill>
+                  <a:srgbClr val="FF0000"/>
+                </a:solidFill>
+                <a:latin typeface="Courier New"/>
+                <a:cs typeface="Courier New"/>
+              </a:rPr>
+              <a:t> </a:t>
+            </a:r>
+            <a:r>
+              <a:rPr lang="en-US" sz="1200" dirty="0" smtClean="0">
+                <a:latin typeface="Courier New"/>
+                <a:cs typeface="Courier New"/>
+              </a:rPr>
+              <a:t>LoadBalancerClient </a:t>
+            </a:r>
+            <a:r>
+              <a:rPr lang="en-US" sz="1200" dirty="0">
+                <a:latin typeface="Courier New"/>
+                <a:cs typeface="Courier New"/>
+              </a:rPr>
+              <a:t>loadBalancer</a:t>
+            </a:r>
+            <a:r>
+              <a:rPr lang="en-US" sz="1200" dirty="0" smtClean="0">
+                <a:latin typeface="Courier New"/>
+                <a:cs typeface="Courier New"/>
+              </a:rPr>
+              <a:t>;</a:t>
+            </a:r>
+          </a:p>
+          <a:p>
+            <a:endParaRPr lang="en-US" sz="1200" dirty="0">
+              <a:latin typeface="Courier New"/>
+              <a:cs typeface="Courier New"/>
+            </a:endParaRPr>
+          </a:p>
+          <a:p>
+            <a:r>
+              <a:rPr lang="en-US" sz="1200" dirty="0" smtClean="0">
+                <a:latin typeface="Courier New"/>
+                <a:cs typeface="Courier New"/>
+              </a:rPr>
+              <a:t>  public </a:t>
+            </a:r>
+            <a:r>
+              <a:rPr lang="en-US" sz="1200" dirty="0">
+                <a:latin typeface="Courier New"/>
+                <a:cs typeface="Courier New"/>
+              </a:rPr>
+              <a:t>void </a:t>
+            </a:r>
+            <a:r>
+              <a:rPr lang="en-US" sz="1200" dirty="0">
+                <a:solidFill>
+                  <a:srgbClr val="77933C"/>
+                </a:solidFill>
+                <a:latin typeface="Courier New"/>
+                <a:cs typeface="Courier New"/>
+              </a:rPr>
+              <a:t>doStuff</a:t>
+            </a:r>
+            <a:r>
+              <a:rPr lang="en-US" sz="1200" dirty="0">
+                <a:latin typeface="Courier New"/>
+                <a:cs typeface="Courier New"/>
+              </a:rPr>
+              <a:t>() </a:t>
+            </a:r>
+            <a:r>
+              <a:rPr lang="en-US" sz="1200" dirty="0" smtClean="0">
+                <a:latin typeface="Courier New"/>
+                <a:cs typeface="Courier New"/>
+              </a:rPr>
+              <a:t>{</a:t>
+            </a:r>
+          </a:p>
+          <a:p>
+            <a:r>
+              <a:rPr lang="en-US" sz="1200" dirty="0" smtClean="0">
+                <a:latin typeface="Courier New"/>
+                <a:cs typeface="Courier New"/>
+              </a:rPr>
+              <a:t>  </a:t>
+            </a:r>
+            <a:r>
+              <a:rPr lang="en-US" sz="1200" dirty="0">
+                <a:latin typeface="Courier New"/>
+                <a:cs typeface="Courier New"/>
+              </a:rPr>
+              <a:t> </a:t>
+            </a:r>
+            <a:r>
+              <a:rPr lang="en-US" sz="1200" dirty="0" smtClean="0">
+                <a:latin typeface="Courier New"/>
+                <a:cs typeface="Courier New"/>
+              </a:rPr>
+              <a:t>  ServiceInstance </a:t>
+            </a:r>
+            <a:r>
+              <a:rPr lang="en-US" sz="1200" dirty="0">
+                <a:latin typeface="Courier New"/>
+                <a:cs typeface="Courier New"/>
+              </a:rPr>
+              <a:t>instance = </a:t>
+            </a:r>
+            <a:r>
+              <a:rPr lang="en-US" sz="1200" dirty="0" smtClean="0">
+                <a:latin typeface="Courier New"/>
+                <a:cs typeface="Courier New"/>
+              </a:rPr>
+              <a:t>loadBalancer.choose</a:t>
+            </a:r>
+            <a:r>
+              <a:rPr lang="en-US" sz="1200" dirty="0">
+                <a:latin typeface="Courier New"/>
+                <a:cs typeface="Courier New"/>
+              </a:rPr>
+              <a:t>("stores")</a:t>
+            </a:r>
+            <a:r>
+              <a:rPr lang="en-US" sz="1200" dirty="0" smtClean="0">
+                <a:latin typeface="Courier New"/>
+                <a:cs typeface="Courier New"/>
+              </a:rPr>
+              <a:t>;</a:t>
+            </a:r>
+          </a:p>
+          <a:p>
+            <a:r>
+              <a:rPr lang="en-US" sz="1200" dirty="0" smtClean="0">
+                <a:latin typeface="Courier New"/>
+                <a:cs typeface="Courier New"/>
+              </a:rPr>
+              <a:t>     URI </a:t>
+            </a:r>
+            <a:r>
+              <a:rPr lang="en-US" sz="1200" dirty="0">
+                <a:latin typeface="Courier New"/>
+                <a:cs typeface="Courier New"/>
+              </a:rPr>
+              <a:t>storesUri = URI.create(String.format("http://%s:%s"</a:t>
+            </a:r>
+            <a:r>
+              <a:rPr lang="en-US" sz="1200" dirty="0" smtClean="0">
+                <a:latin typeface="Courier New"/>
+                <a:cs typeface="Courier New"/>
+              </a:rPr>
+              <a:t>,</a:t>
+            </a:r>
+          </a:p>
+          <a:p>
+            <a:r>
+              <a:rPr lang="en-US" sz="1200" dirty="0" smtClean="0">
+                <a:latin typeface="Courier New"/>
+                <a:cs typeface="Courier New"/>
+              </a:rPr>
+              <a:t>                        instance.getHost</a:t>
+            </a:r>
+            <a:r>
+              <a:rPr lang="en-US" sz="1200" dirty="0">
+                <a:latin typeface="Courier New"/>
+                <a:cs typeface="Courier New"/>
+              </a:rPr>
+              <a:t>(), instance.getPort()))</a:t>
+            </a:r>
+            <a:r>
+              <a:rPr lang="en-US" sz="1200" dirty="0" smtClean="0">
+                <a:latin typeface="Courier New"/>
+                <a:cs typeface="Courier New"/>
+              </a:rPr>
+              <a:t>;</a:t>
+            </a:r>
+          </a:p>
+          <a:p>
+            <a:r>
+              <a:rPr lang="en-US" sz="1200" dirty="0">
+                <a:latin typeface="Courier New"/>
+                <a:cs typeface="Courier New"/>
+              </a:rPr>
+              <a:t> </a:t>
+            </a:r>
+            <a:r>
+              <a:rPr lang="en-US" sz="1200" dirty="0" smtClean="0">
+                <a:latin typeface="Courier New"/>
+                <a:cs typeface="Courier New"/>
+              </a:rPr>
+              <a:t>    // Do some stuff</a:t>
+            </a:r>
+            <a:r>
+              <a:rPr lang="is-IS" sz="1200" dirty="0" smtClean="0">
+                <a:latin typeface="Courier New"/>
+                <a:cs typeface="Courier New"/>
+              </a:rPr>
+              <a:t>…</a:t>
+            </a:r>
+            <a:r>
+              <a:rPr lang="en-US" sz="1200" dirty="0" smtClean="0">
+                <a:latin typeface="Courier New"/>
+                <a:cs typeface="Courier New"/>
+              </a:rPr>
+              <a:t>          </a:t>
+            </a:r>
+          </a:p>
+          <a:p>
+            <a:r>
+              <a:rPr lang="en-US" sz="1200" dirty="0" smtClean="0">
+                <a:latin typeface="Courier New"/>
+                <a:cs typeface="Courier New"/>
+              </a:rPr>
+              <a:t>  }</a:t>
+            </a:r>
           </a:p>
         </p:txBody>
       </p:sp>
     </p:spTree>
     <p:extLst>
       <p:ext uri="{BB962C8B-B14F-4D97-AF65-F5344CB8AC3E}">
-        <p14:creationId xmlns:p14="http://schemas.microsoft.com/office/powerpoint/2010/main" val="2019503117"/>
+        <p14:creationId xmlns:p14="http://schemas.microsoft.com/office/powerpoint/2010/main" val="2707292111"/>
       </p:ext>
     </p:extLst>
   </p:cSld>
   <p:clrMapOvr>
     <a:masterClrMapping/>
   </p:clrMapOvr>
-  <p:transition xmlns:p14="http://schemas.microsoft.com/office/powerpoint/2010/main">
-    <p:fade/>
-  </p:transition>
+  <p:timing>
+    <p:tnLst>
+      <p:par>
+        <p:cTn xmlns:p14="http://schemas.microsoft.com/office/powerpoint/2010/main" id="1" dur="indefinite" restart="never" nodeType="tmRoot">
+          <p:childTnLst>
+            <p:seq concurrent="1" nextAc="seek">
+              <p:cTn id="2" dur="indefinite" nodeType="mainSeq">
+                <p:childTnLst>
+                  <p:par>
+                    <p:cTn id="3" fill="hold">
+                      <p:stCondLst>
+                        <p:cond delay="indefinite"/>
+                        <p:cond evt="onBegin" delay="0">
+                          <p:tn val="2"/>
+                        </p:cond>
+                      </p:stCondLst>
+                      <p:childTnLst>
+                        <p:par>
+                          <p:cTn id="4" fill="hold">
+                            <p:stCondLst>
+                              <p:cond delay="0"/>
+                            </p:stCondLst>
+                            <p:childTnLst>
+                              <p:par>
+                                <p:cTn id="5" presetID="1" presetClass="entr" presetSubtype="0" fill="hold" nodeType="withEffect">
+                                  <p:stCondLst>
+                                    <p:cond delay="0"/>
+                                  </p:stCondLst>
+                                  <p:childTnLst>
+                                    <p:set>
+                                      <p:cBhvr>
+                                        <p:cTn id="6" dur="1" fill="hold">
+                                          <p:stCondLst>
+                                            <p:cond delay="0"/>
+                                          </p:stCondLst>
+                                        </p:cTn>
+                                        <p:tgtEl>
+                                          <p:spTgt spid="7"/>
+                                        </p:tgtEl>
+                                        <p:attrNameLst>
+                                          <p:attrName>style.visibility</p:attrName>
+                                        </p:attrNameLst>
+                                      </p:cBhvr>
+                                      <p:to>
+                                        <p:strVal val="visible"/>
+                                      </p:to>
+                                    </p:set>
+                                  </p:childTnLst>
+                                </p:cTn>
+                              </p:par>
+                              <p:par>
+                                <p:cTn id="7" presetID="1" presetClass="entr" presetSubtype="0" fill="hold" grpId="0" nodeType="withEffect">
+                                  <p:stCondLst>
+                                    <p:cond delay="0"/>
+                                  </p:stCondLst>
+                                  <p:childTnLst>
+                                    <p:set>
+                                      <p:cBhvr>
+                                        <p:cTn id="8" dur="1" fill="hold">
+                                          <p:stCondLst>
+                                            <p:cond delay="0"/>
+                                          </p:stCondLst>
+                                        </p:cTn>
+                                        <p:tgtEl>
+                                          <p:spTgt spid="6"/>
+                                        </p:tgtEl>
+                                        <p:attrNameLst>
+                                          <p:attrName>style.visibility</p:attrName>
+                                        </p:attrNameLst>
+                                      </p:cBhvr>
+                                      <p:to>
+                                        <p:strVal val="visible"/>
+                                      </p:to>
+                                    </p:set>
+                                  </p:childTnLst>
+                                </p:cTn>
+                              </p:par>
+                            </p:childTnLst>
+                          </p:cTn>
+                        </p:par>
+                      </p:childTnLst>
+                    </p:cTn>
+                  </p:par>
+                </p:childTnLst>
+              </p:cTn>
+              <p:prevCondLst>
+                <p:cond evt="onPrev" delay="0">
+                  <p:tgtEl>
+                    <p:sldTgt/>
+                  </p:tgtEl>
+                </p:cond>
+              </p:prevCondLst>
+              <p:nextCondLst>
+                <p:cond evt="onNext" delay="0">
+                  <p:tgtEl>
+                    <p:sldTgt/>
+                  </p:tgtEl>
+                </p:cond>
+              </p:nextCondLst>
+            </p:seq>
+          </p:childTnLst>
+        </p:cTn>
+      </p:par>
+    </p:tnLst>
+    <p:bldLst>
+      <p:bldP spid="6" grpId="0"/>
+    </p:bldLst>
+  </p:timing>
+</p:sld>
+</file>
+
+<file path=ppt/slides/slide11.xml><?xml version="1.0" encoding="utf-8"?>
+<p:sld xmlns:a="http://schemas.openxmlformats.org/drawingml/2006/main" xmlns:r="http://schemas.openxmlformats.org/officeDocument/2006/relationships" xmlns:p="http://schemas.openxmlformats.org/presentationml/2006/main">
+  <p:cSld>
+    <p:spTree>
+      <p:nvGrpSpPr>
+        <p:cNvPr id="1" name=""/>
+        <p:cNvGrpSpPr/>
+        <p:nvPr/>
+      </p:nvGrpSpPr>
+      <p:grpSpPr>
+        <a:xfrm>
+          <a:off x="0" y="0"/>
+          <a:ext cx="0" cy="0"/>
+          <a:chOff x="0" y="0"/>
+          <a:chExt cx="0" cy="0"/>
+        </a:xfrm>
+      </p:grpSpPr>
+      <p:sp>
+        <p:nvSpPr>
+          <p:cNvPr id="2" name="Title 1"/>
+          <p:cNvSpPr>
+            <a:spLocks noGrp="1"/>
+          </p:cNvSpPr>
+          <p:nvPr>
+            <p:ph type="title"/>
+          </p:nvPr>
+        </p:nvSpPr>
+        <p:spPr>
+          <a:xfrm>
+            <a:off x="35559" y="320040"/>
+            <a:ext cx="9052561" cy="363558"/>
+          </a:xfrm>
+        </p:spPr>
+        <p:txBody>
+          <a:bodyPr/>
+          <a:lstStyle/>
+          <a:p>
+            <a:r>
+              <a:rPr lang="en-US" dirty="0" smtClean="0"/>
+              <a:t>HOW??</a:t>
+            </a:r>
+            <a:endParaRPr lang="en-US" dirty="0">
+              <a:solidFill>
+                <a:srgbClr val="138A7E"/>
+              </a:solidFill>
+            </a:endParaRPr>
+          </a:p>
+        </p:txBody>
+      </p:sp>
+      <p:sp>
+        <p:nvSpPr>
+          <p:cNvPr id="4" name="Rectangle 3"/>
+          <p:cNvSpPr/>
+          <p:nvPr/>
+        </p:nvSpPr>
+        <p:spPr>
+          <a:xfrm>
+            <a:off x="142240" y="1082308"/>
+            <a:ext cx="4988560" cy="1615827"/>
+          </a:xfrm>
+          <a:prstGeom prst="rect">
+            <a:avLst/>
+          </a:prstGeom>
+          <a:solidFill>
+            <a:schemeClr val="bg1"/>
+          </a:solidFill>
+        </p:spPr>
+        <p:txBody>
+          <a:bodyPr wrap="square">
+            <a:spAutoFit/>
+          </a:bodyPr>
+          <a:lstStyle/>
+          <a:p>
+            <a:r>
+              <a:rPr lang="en-US" sz="1100" b="1" dirty="0" smtClean="0">
+                <a:solidFill>
+                  <a:schemeClr val="accent1"/>
+                </a:solidFill>
+                <a:latin typeface="Courier New"/>
+                <a:cs typeface="Courier New"/>
+              </a:rPr>
+              <a:t>@</a:t>
+            </a:r>
+            <a:r>
+              <a:rPr lang="en-US" sz="1100" b="1" dirty="0" smtClean="0">
+                <a:solidFill>
+                  <a:srgbClr val="008774"/>
+                </a:solidFill>
+                <a:latin typeface="Courier New"/>
+                <a:cs typeface="Courier New"/>
+              </a:rPr>
+              <a:t>SpringBootApplication</a:t>
+            </a:r>
+          </a:p>
+          <a:p>
+            <a:r>
+              <a:rPr lang="en-US" sz="1100" b="1" dirty="0" smtClean="0">
+                <a:solidFill>
+                  <a:srgbClr val="008774"/>
+                </a:solidFill>
+                <a:latin typeface="Courier New"/>
+                <a:cs typeface="Courier New"/>
+              </a:rPr>
+              <a:t>@EnableZuulProxy</a:t>
+            </a:r>
+            <a:endParaRPr lang="en-US" sz="1100" b="1" dirty="0">
+              <a:solidFill>
+                <a:srgbClr val="008774"/>
+              </a:solidFill>
+              <a:latin typeface="Courier New"/>
+              <a:cs typeface="Courier New"/>
+            </a:endParaRPr>
+          </a:p>
+          <a:p>
+            <a:r>
+              <a:rPr lang="en-US" sz="1100" b="1" dirty="0">
+                <a:solidFill>
+                  <a:srgbClr val="008774"/>
+                </a:solidFill>
+                <a:latin typeface="Courier New"/>
+                <a:cs typeface="Courier New"/>
+              </a:rPr>
+              <a:t>@</a:t>
+            </a:r>
+            <a:r>
+              <a:rPr lang="en-US" sz="1100" b="1" dirty="0" smtClean="0">
+                <a:solidFill>
+                  <a:srgbClr val="008774"/>
+                </a:solidFill>
+                <a:latin typeface="Courier New"/>
+                <a:cs typeface="Courier New"/>
+              </a:rPr>
+              <a:t>EnableDiscoveryClient</a:t>
+            </a:r>
+            <a:r>
+              <a:rPr lang="en-US" sz="1100" b="1" dirty="0" smtClean="0">
+                <a:solidFill>
+                  <a:srgbClr val="FF0000"/>
+                </a:solidFill>
+                <a:latin typeface="Courier New"/>
+                <a:cs typeface="Courier New"/>
+              </a:rPr>
+              <a:t> </a:t>
+            </a:r>
+            <a:endParaRPr lang="en-US" sz="1100" b="1" dirty="0" smtClean="0">
+              <a:solidFill>
+                <a:schemeClr val="accent1"/>
+              </a:solidFill>
+              <a:latin typeface="Courier New"/>
+              <a:cs typeface="Courier New"/>
+            </a:endParaRPr>
+          </a:p>
+          <a:p>
+            <a:pPr latinLnBrk="1"/>
+            <a:r>
+              <a:rPr lang="en-US" sz="1100" dirty="0" smtClean="0">
+                <a:latin typeface="Courier New"/>
+                <a:cs typeface="Courier New"/>
+              </a:rPr>
+              <a:t>public class MyAPIGateway {</a:t>
+            </a:r>
+          </a:p>
+          <a:p>
+            <a:pPr latinLnBrk="1"/>
+            <a:r>
+              <a:rPr lang="en-US" sz="1100" dirty="0" smtClean="0">
+                <a:latin typeface="Courier New"/>
+                <a:cs typeface="Courier New"/>
+              </a:rPr>
+              <a:t>   </a:t>
+            </a:r>
+            <a:endParaRPr lang="en-US" sz="1100" dirty="0" smtClean="0">
+              <a:latin typeface="Courier New"/>
+              <a:cs typeface="Courier New"/>
+            </a:endParaRPr>
+          </a:p>
+          <a:p>
+            <a:r>
+              <a:rPr lang="en-US" sz="1100" dirty="0" smtClean="0">
+                <a:latin typeface="Courier New"/>
+                <a:cs typeface="Courier New"/>
+              </a:rPr>
+              <a:t>   </a:t>
+            </a:r>
+            <a:r>
+              <a:rPr lang="en-US" sz="1100" dirty="0">
+                <a:latin typeface="Courier New"/>
+                <a:cs typeface="Courier New"/>
+              </a:rPr>
+              <a:t>public static </a:t>
+            </a:r>
+            <a:r>
+              <a:rPr lang="en-US" sz="1100" dirty="0">
+                <a:solidFill>
+                  <a:schemeClr val="accent3">
+                    <a:lumMod val="50000"/>
+                  </a:schemeClr>
+                </a:solidFill>
+                <a:latin typeface="Courier New"/>
+                <a:cs typeface="Courier New"/>
+              </a:rPr>
+              <a:t>void</a:t>
+            </a:r>
+            <a:r>
+              <a:rPr lang="en-US" sz="1100" dirty="0">
+                <a:latin typeface="Courier New"/>
+                <a:cs typeface="Courier New"/>
+              </a:rPr>
+              <a:t> main(String[] args) {</a:t>
+            </a:r>
+          </a:p>
+          <a:p>
+            <a:r>
+              <a:rPr lang="en-US" sz="1100" dirty="0">
+                <a:latin typeface="Courier New"/>
+                <a:cs typeface="Courier New"/>
+              </a:rPr>
+              <a:t>     SpringApplication.run</a:t>
+            </a:r>
+            <a:r>
+              <a:rPr lang="en-US" sz="1100" dirty="0" smtClean="0">
+                <a:latin typeface="Courier New"/>
+                <a:cs typeface="Courier New"/>
+              </a:rPr>
+              <a:t>(MyAPIGateway</a:t>
+            </a:r>
+            <a:r>
+              <a:rPr lang="en-US" sz="1100" dirty="0" smtClean="0">
+                <a:solidFill>
+                  <a:srgbClr val="1F6FB8"/>
+                </a:solidFill>
+                <a:latin typeface="Courier New"/>
+                <a:cs typeface="Courier New"/>
+              </a:rPr>
+              <a:t>.class</a:t>
+            </a:r>
+            <a:r>
+              <a:rPr lang="en-US" sz="1100" dirty="0">
+                <a:latin typeface="Courier New"/>
+                <a:cs typeface="Courier New"/>
+              </a:rPr>
+              <a:t>, args);</a:t>
+            </a:r>
+          </a:p>
+          <a:p>
+            <a:r>
+              <a:rPr lang="en-US" sz="1100" dirty="0">
+                <a:latin typeface="Courier New"/>
+                <a:cs typeface="Courier New"/>
+              </a:rPr>
+              <a:t>   </a:t>
+            </a:r>
+            <a:r>
+              <a:rPr lang="en-US" sz="1100" dirty="0" smtClean="0">
+                <a:latin typeface="Courier New"/>
+                <a:cs typeface="Courier New"/>
+              </a:rPr>
+              <a:t>}</a:t>
+            </a:r>
+          </a:p>
+          <a:p>
+            <a:r>
+              <a:rPr lang="en-US" sz="1100" dirty="0">
+                <a:latin typeface="Courier New"/>
+                <a:cs typeface="Courier New"/>
+              </a:rPr>
+              <a:t>}</a:t>
+            </a:r>
+          </a:p>
+        </p:txBody>
+      </p:sp>
+      <p:sp>
+        <p:nvSpPr>
+          <p:cNvPr id="11" name="TextBox 10"/>
+          <p:cNvSpPr txBox="1"/>
+          <p:nvPr/>
+        </p:nvSpPr>
+        <p:spPr>
+          <a:xfrm>
+            <a:off x="5354320" y="1822033"/>
+            <a:ext cx="3586480" cy="1015663"/>
+          </a:xfrm>
+          <a:prstGeom prst="rect">
+            <a:avLst/>
+          </a:prstGeom>
+          <a:solidFill>
+            <a:schemeClr val="bg1"/>
+          </a:solidFill>
+        </p:spPr>
+        <p:txBody>
+          <a:bodyPr wrap="square" rtlCol="0">
+            <a:spAutoFit/>
+          </a:bodyPr>
+          <a:lstStyle/>
+          <a:p>
+            <a:r>
+              <a:rPr lang="en-US" sz="1200" dirty="0">
+                <a:latin typeface="Courier New"/>
+                <a:cs typeface="Courier New"/>
+              </a:rPr>
+              <a:t>zuul</a:t>
+            </a:r>
+            <a:r>
+              <a:rPr lang="en-US" sz="1200" dirty="0" smtClean="0">
+                <a:latin typeface="Courier New"/>
+                <a:cs typeface="Courier New"/>
+              </a:rPr>
+              <a:t>:</a:t>
+            </a:r>
+          </a:p>
+          <a:p>
+            <a:r>
+              <a:rPr lang="en-US" sz="1200" dirty="0" smtClean="0">
+                <a:latin typeface="Courier New"/>
+                <a:cs typeface="Courier New"/>
+              </a:rPr>
+              <a:t>   </a:t>
+            </a:r>
+            <a:r>
+              <a:rPr lang="en-US" sz="1200" dirty="0">
+                <a:latin typeface="Courier New"/>
+                <a:cs typeface="Courier New"/>
+              </a:rPr>
+              <a:t>routes</a:t>
+            </a:r>
+            <a:r>
+              <a:rPr lang="en-US" sz="1200" dirty="0" smtClean="0">
+                <a:latin typeface="Courier New"/>
+                <a:cs typeface="Courier New"/>
+              </a:rPr>
+              <a:t>:</a:t>
+            </a:r>
+          </a:p>
+          <a:p>
+            <a:r>
+              <a:rPr lang="en-US" sz="1200" dirty="0" smtClean="0">
+                <a:latin typeface="Courier New"/>
+                <a:cs typeface="Courier New"/>
+              </a:rPr>
+              <a:t>     </a:t>
+            </a:r>
+            <a:r>
+              <a:rPr lang="en-US" sz="1200" dirty="0">
+                <a:latin typeface="Courier New"/>
+                <a:cs typeface="Courier New"/>
+              </a:rPr>
+              <a:t>users</a:t>
+            </a:r>
+            <a:r>
+              <a:rPr lang="en-US" sz="1200" dirty="0" smtClean="0">
+                <a:latin typeface="Courier New"/>
+                <a:cs typeface="Courier New"/>
+              </a:rPr>
+              <a:t>:</a:t>
+            </a:r>
+          </a:p>
+          <a:p>
+            <a:r>
+              <a:rPr lang="en-US" sz="1200" dirty="0" smtClean="0">
+                <a:latin typeface="Courier New"/>
+                <a:cs typeface="Courier New"/>
+              </a:rPr>
+              <a:t>       </a:t>
+            </a:r>
+            <a:r>
+              <a:rPr lang="en-US" sz="1200" dirty="0">
+                <a:latin typeface="Courier New"/>
+                <a:cs typeface="Courier New"/>
+              </a:rPr>
+              <a:t>path: /myusers/*</a:t>
+            </a:r>
+            <a:r>
+              <a:rPr lang="en-US" sz="1200" dirty="0" smtClean="0">
+                <a:latin typeface="Courier New"/>
+                <a:cs typeface="Courier New"/>
+              </a:rPr>
+              <a:t>*</a:t>
+            </a:r>
+          </a:p>
+          <a:p>
+            <a:r>
+              <a:rPr lang="en-US" sz="1200" dirty="0" smtClean="0">
+                <a:latin typeface="Courier New"/>
+                <a:cs typeface="Courier New"/>
+              </a:rPr>
+              <a:t>       </a:t>
+            </a:r>
+            <a:r>
+              <a:rPr lang="en-US" sz="1200" dirty="0">
+                <a:latin typeface="Courier New"/>
+                <a:cs typeface="Courier New"/>
+              </a:rPr>
+              <a:t>serviceId: users_service </a:t>
+            </a:r>
+            <a:r>
+              <a:rPr lang="en-US" sz="1200" dirty="0">
+                <a:latin typeface="Courier New"/>
+                <a:cs typeface="Courier New"/>
+              </a:rPr>
+              <a:t> </a:t>
+            </a:r>
+          </a:p>
+        </p:txBody>
+      </p:sp>
+      <p:sp>
+        <p:nvSpPr>
+          <p:cNvPr id="12" name="TextBox 11"/>
+          <p:cNvSpPr txBox="1"/>
+          <p:nvPr/>
+        </p:nvSpPr>
+        <p:spPr>
+          <a:xfrm>
+            <a:off x="6492239" y="1390680"/>
+            <a:ext cx="3048001" cy="369332"/>
+          </a:xfrm>
+          <a:prstGeom prst="rect">
+            <a:avLst/>
+          </a:prstGeom>
+          <a:noFill/>
+        </p:spPr>
+        <p:txBody>
+          <a:bodyPr wrap="square" rtlCol="0">
+            <a:spAutoFit/>
+          </a:bodyPr>
+          <a:lstStyle/>
+          <a:p>
+            <a:r>
+              <a:rPr lang="en-US" dirty="0">
+                <a:solidFill>
+                  <a:schemeClr val="accent1"/>
+                </a:solidFill>
+              </a:rPr>
+              <a:t>a</a:t>
+            </a:r>
+            <a:r>
+              <a:rPr lang="en-US" dirty="0" smtClean="0">
+                <a:solidFill>
+                  <a:schemeClr val="accent1"/>
+                </a:solidFill>
+              </a:rPr>
+              <a:t>pplication.yml</a:t>
+            </a:r>
+            <a:endParaRPr lang="en-US" dirty="0">
+              <a:solidFill>
+                <a:schemeClr val="accent1"/>
+              </a:solidFill>
+            </a:endParaRPr>
+          </a:p>
+        </p:txBody>
+      </p:sp>
+      <p:sp>
+        <p:nvSpPr>
+          <p:cNvPr id="6" name="TextBox 5"/>
+          <p:cNvSpPr txBox="1"/>
+          <p:nvPr/>
+        </p:nvSpPr>
+        <p:spPr>
+          <a:xfrm>
+            <a:off x="2336800" y="1329888"/>
+            <a:ext cx="2214880" cy="461665"/>
+          </a:xfrm>
+          <a:prstGeom prst="rect">
+            <a:avLst/>
+          </a:prstGeom>
+          <a:noFill/>
+        </p:spPr>
+        <p:txBody>
+          <a:bodyPr wrap="square" rtlCol="0">
+            <a:spAutoFit/>
+          </a:bodyPr>
+          <a:lstStyle/>
+          <a:p>
+            <a:r>
+              <a:rPr lang="en-US" sz="1200" b="1" dirty="0" smtClean="0">
+                <a:solidFill>
+                  <a:srgbClr val="FF0000"/>
+                </a:solidFill>
+                <a:latin typeface="Courier New"/>
+                <a:cs typeface="Courier New"/>
+                <a:sym typeface="Wingdings"/>
+              </a:rPr>
+              <a:t> </a:t>
+            </a:r>
+            <a:r>
+              <a:rPr lang="en-US" sz="1200" b="1" dirty="0">
+                <a:solidFill>
+                  <a:srgbClr val="FF0000"/>
+                </a:solidFill>
+                <a:latin typeface="Courier New"/>
+                <a:cs typeface="Courier New"/>
+                <a:sym typeface="Wingdings"/>
+              </a:rPr>
+              <a:t>MAGIC!!</a:t>
+            </a:r>
+            <a:endParaRPr lang="en-US" sz="1200" b="1" dirty="0">
+              <a:solidFill>
+                <a:srgbClr val="FF0000"/>
+              </a:solidFill>
+              <a:latin typeface="Courier New"/>
+              <a:cs typeface="Courier New"/>
+            </a:endParaRPr>
+          </a:p>
+          <a:p>
+            <a:endParaRPr lang="en-US" sz="1200" dirty="0">
+              <a:latin typeface="Courier New"/>
+              <a:cs typeface="Courier New"/>
+            </a:endParaRPr>
+          </a:p>
+        </p:txBody>
+      </p:sp>
+      <p:cxnSp>
+        <p:nvCxnSpPr>
+          <p:cNvPr id="7" name="Straight Arrow Connector 6"/>
+          <p:cNvCxnSpPr/>
+          <p:nvPr/>
+        </p:nvCxnSpPr>
+        <p:spPr>
+          <a:xfrm flipH="1">
+            <a:off x="2225040" y="1472127"/>
+            <a:ext cx="223520" cy="0"/>
+          </a:xfrm>
+          <a:prstGeom prst="straightConnector1">
+            <a:avLst/>
+          </a:prstGeom>
+          <a:ln>
+            <a:solidFill>
+              <a:srgbClr val="FF0000"/>
+            </a:solidFill>
+            <a:tailEnd type="arrow"/>
+          </a:ln>
+        </p:spPr>
+        <p:style>
+          <a:lnRef idx="2">
+            <a:schemeClr val="accent1"/>
+          </a:lnRef>
+          <a:fillRef idx="0">
+            <a:schemeClr val="accent1"/>
+          </a:fillRef>
+          <a:effectRef idx="1">
+            <a:schemeClr val="accent1"/>
+          </a:effectRef>
+          <a:fontRef idx="minor">
+            <a:schemeClr val="tx1"/>
+          </a:fontRef>
+        </p:style>
+      </p:cxnSp>
+      <p:sp>
+        <p:nvSpPr>
+          <p:cNvPr id="8" name="Content Placeholder 2"/>
+          <p:cNvSpPr>
+            <a:spLocks noGrp="1"/>
+          </p:cNvSpPr>
+          <p:nvPr>
+            <p:ph sz="quarter" idx="10"/>
+          </p:nvPr>
+        </p:nvSpPr>
+        <p:spPr>
+          <a:xfrm>
+            <a:off x="447040" y="3081536"/>
+            <a:ext cx="8229600" cy="1353303"/>
+          </a:xfrm>
+        </p:spPr>
+        <p:txBody>
+          <a:bodyPr/>
+          <a:lstStyle/>
+          <a:p>
+            <a:r>
+              <a:rPr lang="en-US" sz="1800" b="1" dirty="0" smtClean="0"/>
+              <a:t>API proxy will be created at /myusers</a:t>
+            </a:r>
+          </a:p>
+          <a:p>
+            <a:r>
+              <a:rPr lang="en-US" sz="1800" b="1" dirty="0" smtClean="0"/>
+              <a:t>Ribbon/Zuul creates load balancer for Eureka service “users_service”</a:t>
+            </a:r>
+          </a:p>
+          <a:p>
+            <a:r>
+              <a:rPr lang="en-US" sz="1800" b="1" dirty="0" smtClean="0"/>
+              <a:t>All requests </a:t>
+            </a:r>
+            <a:r>
+              <a:rPr lang="en-US" sz="1800" b="1" dirty="0"/>
+              <a:t>are executed in a </a:t>
+            </a:r>
+            <a:r>
+              <a:rPr lang="en-US" sz="1800" b="1" dirty="0"/>
+              <a:t>H</a:t>
+            </a:r>
+            <a:r>
+              <a:rPr lang="en-US" sz="1800" b="1" dirty="0" smtClean="0"/>
+              <a:t>ystrix command</a:t>
+            </a:r>
+            <a:endParaRPr lang="en-US" sz="1800" b="1" dirty="0"/>
+          </a:p>
+        </p:txBody>
+      </p:sp>
+    </p:spTree>
+    <p:extLst>
+      <p:ext uri="{BB962C8B-B14F-4D97-AF65-F5344CB8AC3E}">
+        <p14:creationId xmlns:p14="http://schemas.microsoft.com/office/powerpoint/2010/main" val="4117077508"/>
+      </p:ext>
+    </p:extLst>
+  </p:cSld>
+  <p:clrMapOvr>
+    <a:masterClrMapping/>
+  </p:clrMapOvr>
+  <mc:AlternateContent xmlns:mc="http://schemas.openxmlformats.org/markup-compatibility/2006" xmlns:p14="http://schemas.microsoft.com/office/powerpoint/2010/main">
+    <mc:Choice Requires="p14">
+      <p:transition spd="slow" p14:dur="2000"/>
+    </mc:Choice>
+    <mc:Fallback xmlns="">
+      <p:transition xmlns:p14="http://schemas.microsoft.com/office/powerpoint/2010/main" spd="slow"/>
+    </mc:Fallback>
+  </mc:AlternateContent>
+  <p:timing>
+    <p:tnLst>
+      <p:par>
+        <p:cTn xmlns:p14="http://schemas.microsoft.com/office/powerpoint/2010/main" id="1" dur="indefinite" restart="never" nodeType="tmRoot">
+          <p:childTnLst>
+            <p:seq concurrent="1" nextAc="seek">
+              <p:cTn id="2" dur="indefinite" nodeType="mainSeq">
+                <p:childTnLst>
+                  <p:par>
+                    <p:cTn id="3" fill="hold">
+                      <p:stCondLst>
+                        <p:cond delay="indefinite"/>
+                      </p:stCondLst>
+                      <p:childTnLst>
+                        <p:par>
+                          <p:cTn id="4" fill="hold">
+                            <p:stCondLst>
+                              <p:cond delay="0"/>
+                            </p:stCondLst>
+                            <p:childTnLst>
+                              <p:par>
+                                <p:cTn id="5" presetID="1" presetClass="entr" presetSubtype="0" fill="hold" grpId="0" nodeType="clickEffect">
+                                  <p:stCondLst>
+                                    <p:cond delay="0"/>
+                                  </p:stCondLst>
+                                  <p:childTnLst>
+                                    <p:set>
+                                      <p:cBhvr>
+                                        <p:cTn id="6" dur="1" fill="hold">
+                                          <p:stCondLst>
+                                            <p:cond delay="0"/>
+                                          </p:stCondLst>
+                                        </p:cTn>
+                                        <p:tgtEl>
+                                          <p:spTgt spid="12"/>
+                                        </p:tgtEl>
+                                        <p:attrNameLst>
+                                          <p:attrName>style.visibility</p:attrName>
+                                        </p:attrNameLst>
+                                      </p:cBhvr>
+                                      <p:to>
+                                        <p:strVal val="visible"/>
+                                      </p:to>
+                                    </p:set>
+                                  </p:childTnLst>
+                                </p:cTn>
+                              </p:par>
+                              <p:par>
+                                <p:cTn id="7" presetID="1" presetClass="entr" presetSubtype="0" fill="hold" grpId="0" nodeType="withEffect">
+                                  <p:stCondLst>
+                                    <p:cond delay="0"/>
+                                  </p:stCondLst>
+                                  <p:childTnLst>
+                                    <p:set>
+                                      <p:cBhvr>
+                                        <p:cTn id="8" dur="1" fill="hold">
+                                          <p:stCondLst>
+                                            <p:cond delay="0"/>
+                                          </p:stCondLst>
+                                        </p:cTn>
+                                        <p:tgtEl>
+                                          <p:spTgt spid="11"/>
+                                        </p:tgtEl>
+                                        <p:attrNameLst>
+                                          <p:attrName>style.visibility</p:attrName>
+                                        </p:attrNameLst>
+                                      </p:cBhvr>
+                                      <p:to>
+                                        <p:strVal val="visible"/>
+                                      </p:to>
+                                    </p:set>
+                                  </p:childTnLst>
+                                </p:cTn>
+                              </p:par>
+                            </p:childTnLst>
+                          </p:cTn>
+                        </p:par>
+                      </p:childTnLst>
+                    </p:cTn>
+                  </p:par>
+                  <p:par>
+                    <p:cTn id="9" fill="hold">
+                      <p:stCondLst>
+                        <p:cond delay="indefinite"/>
+                      </p:stCondLst>
+                      <p:childTnLst>
+                        <p:par>
+                          <p:cTn id="10" fill="hold">
+                            <p:stCondLst>
+                              <p:cond delay="0"/>
+                            </p:stCondLst>
+                            <p:childTnLst>
+                              <p:par>
+                                <p:cTn id="11" presetID="1" presetClass="entr" presetSubtype="0" fill="hold" grpId="0" nodeType="clickEffect">
+                                  <p:stCondLst>
+                                    <p:cond delay="0"/>
+                                  </p:stCondLst>
+                                  <p:childTnLst>
+                                    <p:set>
+                                      <p:cBhvr>
+                                        <p:cTn id="12" dur="1" fill="hold">
+                                          <p:stCondLst>
+                                            <p:cond delay="0"/>
+                                          </p:stCondLst>
+                                        </p:cTn>
+                                        <p:tgtEl>
+                                          <p:spTgt spid="6"/>
+                                        </p:tgtEl>
+                                        <p:attrNameLst>
+                                          <p:attrName>style.visibility</p:attrName>
+                                        </p:attrNameLst>
+                                      </p:cBhvr>
+                                      <p:to>
+                                        <p:strVal val="visible"/>
+                                      </p:to>
+                                    </p:set>
+                                  </p:childTnLst>
+                                </p:cTn>
+                              </p:par>
+                              <p:par>
+                                <p:cTn id="13" presetID="1" presetClass="entr" presetSubtype="0" fill="hold" nodeType="withEffect">
+                                  <p:stCondLst>
+                                    <p:cond delay="0"/>
+                                  </p:stCondLst>
+                                  <p:childTnLst>
+                                    <p:set>
+                                      <p:cBhvr>
+                                        <p:cTn id="14" dur="1" fill="hold">
+                                          <p:stCondLst>
+                                            <p:cond delay="0"/>
+                                          </p:stCondLst>
+                                        </p:cTn>
+                                        <p:tgtEl>
+                                          <p:spTgt spid="7"/>
+                                        </p:tgtEl>
+                                        <p:attrNameLst>
+                                          <p:attrName>style.visibility</p:attrName>
+                                        </p:attrNameLst>
+                                      </p:cBhvr>
+                                      <p:to>
+                                        <p:strVal val="visible"/>
+                                      </p:to>
+                                    </p:set>
+                                  </p:childTnLst>
+                                </p:cTn>
+                              </p:par>
+                            </p:childTnLst>
+                          </p:cTn>
+                        </p:par>
+                      </p:childTnLst>
+                    </p:cTn>
+                  </p:par>
+                </p:childTnLst>
+              </p:cTn>
+              <p:prevCondLst>
+                <p:cond evt="onPrev" delay="0">
+                  <p:tgtEl>
+                    <p:sldTgt/>
+                  </p:tgtEl>
+                </p:cond>
+              </p:prevCondLst>
+              <p:nextCondLst>
+                <p:cond evt="onNext" delay="0">
+                  <p:tgtEl>
+                    <p:sldTgt/>
+                  </p:tgtEl>
+                </p:cond>
+              </p:nextCondLst>
+            </p:seq>
+          </p:childTnLst>
+        </p:cTn>
+      </p:par>
+    </p:tnLst>
+    <p:bldLst>
+      <p:bldP spid="11" grpId="0" animBg="1"/>
+      <p:bldP spid="12" grpId="0"/>
+      <p:bldP spid="6" grpId="0"/>
+    </p:bldLst>
+  </p:timing>
+</p:sld>
+</file>
+
+<file path=ppt/slides/slide12.xml><?xml version="1.0" encoding="utf-8"?>
+<p:sld xmlns:a="http://schemas.openxmlformats.org/drawingml/2006/main" xmlns:r="http://schemas.openxmlformats.org/officeDocument/2006/relationships" xmlns:p="http://schemas.openxmlformats.org/presentationml/2006/main">
+  <p:cSld>
+    <p:spTree>
+      <p:nvGrpSpPr>
+        <p:cNvPr id="1" name=""/>
+        <p:cNvGrpSpPr/>
+        <p:nvPr/>
+      </p:nvGrpSpPr>
+      <p:grpSpPr>
+        <a:xfrm>
+          <a:off x="0" y="0"/>
+          <a:ext cx="0" cy="0"/>
+          <a:chOff x="0" y="0"/>
+          <a:chExt cx="0" cy="0"/>
+        </a:xfrm>
+      </p:grpSpPr>
+      <p:pic>
+        <p:nvPicPr>
+          <p:cNvPr id="19" name="Picture 18" descr="Stocksy_txp157cab05rEJ000_Medium_423382.jpg"/>
+          <p:cNvPicPr>
+            <a:picLocks noChangeAspect="1"/>
+          </p:cNvPicPr>
+          <p:nvPr/>
+        </p:nvPicPr>
+        <p:blipFill>
+          <a:blip r:embed="rId3"/>
+          <a:srcRect t="15584"/>
+          <a:stretch>
+            <a:fillRect/>
+          </a:stretch>
+        </p:blipFill>
+        <p:spPr>
+          <a:xfrm>
+            <a:off x="0" y="0"/>
+            <a:ext cx="9144000" cy="5143500"/>
+          </a:xfrm>
+          <a:prstGeom prst="rect">
+            <a:avLst/>
+          </a:prstGeom>
+        </p:spPr>
+      </p:pic>
+      <p:sp>
+        <p:nvSpPr>
+          <p:cNvPr id="20" name="Rectangle 19"/>
+          <p:cNvSpPr/>
+          <p:nvPr/>
+        </p:nvSpPr>
+        <p:spPr>
+          <a:xfrm>
+            <a:off x="0" y="0"/>
+            <a:ext cx="9144000" cy="5143500"/>
+          </a:xfrm>
+          <a:prstGeom prst="rect">
+            <a:avLst/>
+          </a:prstGeom>
+          <a:gradFill flip="none" rotWithShape="1">
+            <a:gsLst>
+              <a:gs pos="8000">
+                <a:srgbClr val="000000">
+                  <a:alpha val="0"/>
+                </a:srgbClr>
+              </a:gs>
+              <a:gs pos="54000">
+                <a:srgbClr val="000000">
+                  <a:alpha val="86000"/>
+                </a:srgbClr>
+              </a:gs>
+              <a:gs pos="83000">
+                <a:srgbClr val="000000">
+                  <a:alpha val="89000"/>
+                </a:srgbClr>
+              </a:gs>
+            </a:gsLst>
+            <a:lin ang="16500000" scaled="0"/>
+            <a:tileRect/>
+          </a:gradFill>
+          <a:ln w="44450" cap="flat" cmpd="sng" algn="ctr">
+            <a:noFill/>
+            <a:prstDash val="solid"/>
+            <a:round/>
+            <a:headEnd type="none" w="med" len="med"/>
+            <a:tailEnd type="none" w="med" len="med"/>
+          </a:ln>
+          <a:effectLst/>
+        </p:spPr>
+        <p:txBody>
+          <a:bodyPr lIns="68579" tIns="34289" rIns="68579" bIns="34289" rtlCol="0" anchor="ctr"/>
+          <a:lstStyle/>
+          <a:p>
+            <a:pPr algn="ctr">
+              <a:defRPr/>
+            </a:pPr>
+            <a:endParaRPr lang="en-US" kern="0">
+              <a:solidFill>
+                <a:srgbClr val="FFFFFF"/>
+              </a:solidFill>
+            </a:endParaRPr>
+          </a:p>
+        </p:txBody>
+      </p:sp>
+      <p:cxnSp>
+        <p:nvCxnSpPr>
+          <p:cNvPr id="40" name="Straight Connector 39"/>
+          <p:cNvCxnSpPr/>
+          <p:nvPr/>
+        </p:nvCxnSpPr>
+        <p:spPr>
+          <a:xfrm>
+            <a:off x="596900" y="2111130"/>
+            <a:ext cx="7848600" cy="1588"/>
+          </a:xfrm>
+          <a:prstGeom prst="line">
+            <a:avLst/>
+          </a:prstGeom>
+          <a:ln w="22225" cap="flat" cmpd="sng" algn="ctr">
+            <a:gradFill flip="none" rotWithShape="1">
+              <a:gsLst>
+                <a:gs pos="0">
+                  <a:schemeClr val="accent1">
+                    <a:alpha val="0"/>
+                  </a:schemeClr>
+                </a:gs>
+                <a:gs pos="100000">
+                  <a:schemeClr val="bg2">
+                    <a:alpha val="0"/>
+                  </a:schemeClr>
+                </a:gs>
+                <a:gs pos="49000">
+                  <a:schemeClr val="accent1"/>
+                </a:gs>
+              </a:gsLst>
+              <a:path path="circle">
+                <a:fillToRect l="100000" t="100000"/>
+              </a:path>
+              <a:tileRect r="-100000" b="-100000"/>
+            </a:gradFill>
+            <a:prstDash val="solid"/>
+            <a:round/>
+            <a:headEnd type="none" w="med" len="med"/>
+            <a:tailEnd type="none" w="med" len="med"/>
+          </a:ln>
+        </p:spPr>
+        <p:style>
+          <a:lnRef idx="2">
+            <a:schemeClr val="accent1"/>
+          </a:lnRef>
+          <a:fillRef idx="0">
+            <a:schemeClr val="accent1"/>
+          </a:fillRef>
+          <a:effectRef idx="1">
+            <a:schemeClr val="accent1"/>
+          </a:effectRef>
+          <a:fontRef idx="minor">
+            <a:schemeClr val="tx1"/>
+          </a:fontRef>
+        </p:style>
+      </p:cxnSp>
+      <p:cxnSp>
+        <p:nvCxnSpPr>
+          <p:cNvPr id="41" name="Straight Connector 40"/>
+          <p:cNvCxnSpPr/>
+          <p:nvPr/>
+        </p:nvCxnSpPr>
+        <p:spPr>
+          <a:xfrm>
+            <a:off x="596900" y="3428754"/>
+            <a:ext cx="7848600" cy="1588"/>
+          </a:xfrm>
+          <a:prstGeom prst="line">
+            <a:avLst/>
+          </a:prstGeom>
+          <a:ln w="22225" cap="flat" cmpd="sng" algn="ctr">
+            <a:gradFill flip="none" rotWithShape="1">
+              <a:gsLst>
+                <a:gs pos="0">
+                  <a:schemeClr val="accent1">
+                    <a:alpha val="0"/>
+                  </a:schemeClr>
+                </a:gs>
+                <a:gs pos="100000">
+                  <a:schemeClr val="bg2">
+                    <a:alpha val="0"/>
+                  </a:schemeClr>
+                </a:gs>
+                <a:gs pos="49000">
+                  <a:schemeClr val="accent1"/>
+                </a:gs>
+              </a:gsLst>
+              <a:path path="circle">
+                <a:fillToRect l="100000" t="100000"/>
+              </a:path>
+              <a:tileRect r="-100000" b="-100000"/>
+            </a:gradFill>
+            <a:prstDash val="solid"/>
+            <a:round/>
+            <a:headEnd type="none" w="med" len="med"/>
+            <a:tailEnd type="none" w="med" len="med"/>
+          </a:ln>
+        </p:spPr>
+        <p:style>
+          <a:lnRef idx="2">
+            <a:schemeClr val="accent1"/>
+          </a:lnRef>
+          <a:fillRef idx="0">
+            <a:schemeClr val="accent1"/>
+          </a:fillRef>
+          <a:effectRef idx="1">
+            <a:schemeClr val="accent1"/>
+          </a:effectRef>
+          <a:fontRef idx="minor">
+            <a:schemeClr val="tx1"/>
+          </a:fontRef>
+        </p:style>
+      </p:cxnSp>
+      <p:sp>
+        <p:nvSpPr>
+          <p:cNvPr id="18" name="Shape 1014"/>
+          <p:cNvSpPr txBox="1">
+            <a:spLocks/>
+          </p:cNvSpPr>
+          <p:nvPr/>
+        </p:nvSpPr>
+        <p:spPr>
+          <a:xfrm>
+            <a:off x="1820794" y="1336859"/>
+            <a:ext cx="5209487" cy="460500"/>
+          </a:xfrm>
+          <a:prstGeom prst="rect">
+            <a:avLst/>
+          </a:prstGeom>
+          <a:noFill/>
+          <a:ln>
+            <a:noFill/>
+          </a:ln>
+        </p:spPr>
+        <p:txBody>
+          <a:bodyPr lIns="0" tIns="0" rIns="0" bIns="0" anchor="t" anchorCtr="0">
+            <a:noAutofit/>
+          </a:bodyPr>
+          <a:lstStyle/>
+          <a:p>
+            <a:pPr algn="dist">
+              <a:lnSpc>
+                <a:spcPct val="90000"/>
+              </a:lnSpc>
+              <a:buSzPct val="25000"/>
+              <a:defRPr/>
+            </a:pPr>
+            <a:endParaRPr lang="en" sz="4500" b="1" kern="0" cap="all" dirty="0">
+              <a:solidFill>
+                <a:srgbClr val="008881"/>
+              </a:solidFill>
+              <a:ea typeface="Arial"/>
+              <a:cs typeface="Arial"/>
+              <a:sym typeface="Arial"/>
+            </a:endParaRPr>
+          </a:p>
+        </p:txBody>
+      </p:sp>
+      <p:sp>
+        <p:nvSpPr>
+          <p:cNvPr id="10" name="Shape 1163"/>
+          <p:cNvSpPr txBox="1">
+            <a:spLocks/>
+          </p:cNvSpPr>
+          <p:nvPr/>
+        </p:nvSpPr>
+        <p:spPr bwMode="gray">
+          <a:xfrm>
+            <a:off x="205956" y="2513670"/>
+            <a:ext cx="8410499" cy="460500"/>
+          </a:xfrm>
+          <a:prstGeom prst="rect">
+            <a:avLst/>
+          </a:prstGeom>
+          <a:noFill/>
+          <a:ln>
+            <a:noFill/>
+          </a:ln>
+        </p:spPr>
+        <p:txBody>
+          <a:bodyPr lIns="0" tIns="0" rIns="0" bIns="0" anchor="t" anchorCtr="0">
+            <a:noAutofit/>
+          </a:bodyPr>
+          <a:lstStyle>
+            <a:defPPr marR="0" algn="l" rtl="0">
+              <a:lnSpc>
+                <a:spcPct val="100000"/>
+              </a:lnSpc>
+              <a:spcBef>
+                <a:spcPts val="0"/>
+              </a:spcBef>
+              <a:spcAft>
+                <a:spcPts val="0"/>
+              </a:spcAft>
+            </a:defPPr>
+            <a:lvl1pPr marR="0" algn="l" rtl="0">
+              <a:lnSpc>
+                <a:spcPct val="90000"/>
+              </a:lnSpc>
+              <a:spcBef>
+                <a:spcPts val="0"/>
+              </a:spcBef>
+              <a:spcAft>
+                <a:spcPts val="0"/>
+              </a:spcAft>
+              <a:buNone/>
+              <a:defRPr sz="3200" b="0" i="0" u="none" strike="noStrike" cap="none" baseline="0">
+                <a:solidFill>
+                  <a:schemeClr val="tx2"/>
+                </a:solidFill>
+                <a:latin typeface="Arial"/>
+                <a:ea typeface="Arial"/>
+                <a:cs typeface="Arial"/>
+                <a:sym typeface="Arial"/>
+              </a:defRPr>
+            </a:lvl1pPr>
+            <a:lvl2pPr marR="0" algn="l" rtl="0">
+              <a:lnSpc>
+                <a:spcPct val="100000"/>
+              </a:lnSpc>
+              <a:spcBef>
+                <a:spcPts val="0"/>
+              </a:spcBef>
+              <a:spcAft>
+                <a:spcPts val="0"/>
+              </a:spcAft>
+              <a:buNone/>
+              <a:defRPr sz="1400" b="0" i="0" u="none" strike="noStrike" cap="none" baseline="0">
+                <a:solidFill>
+                  <a:srgbClr val="000000"/>
+                </a:solidFill>
+                <a:latin typeface="Arial"/>
+                <a:ea typeface="Arial"/>
+                <a:cs typeface="Arial"/>
+                <a:sym typeface="Arial"/>
+              </a:defRPr>
+            </a:lvl2pPr>
+          </a:lstStyle>
+          <a:p>
+            <a:pPr algn="ctr">
+              <a:buSzPct val="25000"/>
+            </a:pPr>
+            <a:r>
+              <a:rPr lang="en-US" b="1" cap="all" dirty="0" smtClean="0">
+                <a:solidFill>
+                  <a:srgbClr val="74CEC7"/>
+                </a:solidFill>
+              </a:rPr>
+              <a:t>Lab</a:t>
+            </a:r>
+            <a:endParaRPr lang="en" sz="2100" b="1" cap="all" dirty="0">
+              <a:solidFill>
+                <a:srgbClr val="74CEC7"/>
+              </a:solidFill>
+            </a:endParaRPr>
+          </a:p>
+        </p:txBody>
+      </p:sp>
+    </p:spTree>
+    <p:extLst>
+      <p:ext uri="{BB962C8B-B14F-4D97-AF65-F5344CB8AC3E}">
+        <p14:creationId xmlns:p14="http://schemas.microsoft.com/office/powerpoint/2010/main" val="4270253235"/>
+      </p:ext>
+    </p:extLst>
+  </p:cSld>
+  <p:clrMapOvr>
+    <a:masterClrMapping/>
+  </p:clrMapOvr>
+  <mc:AlternateContent xmlns:mc="http://schemas.openxmlformats.org/markup-compatibility/2006" xmlns:p14="http://schemas.microsoft.com/office/powerpoint/2010/main">
+    <mc:Choice Requires="p14">
+      <p:transition p14:dur="0"/>
+    </mc:Choice>
+    <mc:Fallback xmlns="">
+      <p:transition xmlns:p14="http://schemas.microsoft.com/office/powerpoint/2010/main"/>
+    </mc:Fallback>
+  </mc:AlternateContent>
+  <p:timing>
+    <p:tnLst>
+      <p:par>
+        <p:cTn xmlns:p14="http://schemas.microsoft.com/office/powerpoint/2010/main" id="1" dur="indefinite" restart="never" nodeType="tmRoot"/>
+      </p:par>
+    </p:tnLst>
+  </p:timing>
+</p:sld>
+</file>
+
+<file path=ppt/slides/slide2.xml><?xml version="1.0" encoding="utf-8"?>
+<p:sld xmlns:a="http://schemas.openxmlformats.org/drawingml/2006/main" xmlns:r="http://schemas.openxmlformats.org/officeDocument/2006/relationships" xmlns:p="http://schemas.openxmlformats.org/presentationml/2006/main">
+  <p:cSld>
+    <p:spTree>
+      <p:nvGrpSpPr>
+        <p:cNvPr id="1" name=""/>
+        <p:cNvGrpSpPr/>
+        <p:nvPr/>
+      </p:nvGrpSpPr>
+      <p:grpSpPr>
+        <a:xfrm>
+          <a:off x="0" y="0"/>
+          <a:ext cx="0" cy="0"/>
+          <a:chOff x="0" y="0"/>
+          <a:chExt cx="0" cy="0"/>
+        </a:xfrm>
+      </p:grpSpPr>
+      <p:sp>
+        <p:nvSpPr>
+          <p:cNvPr id="2" name="Title 1"/>
+          <p:cNvSpPr>
+            <a:spLocks noGrp="1"/>
+          </p:cNvSpPr>
+          <p:nvPr>
+            <p:ph type="title"/>
+          </p:nvPr>
+        </p:nvSpPr>
+        <p:spPr/>
+        <p:txBody>
+          <a:bodyPr/>
+          <a:lstStyle/>
+          <a:p>
+            <a:r>
+              <a:rPr lang="en-US" dirty="0" smtClean="0"/>
+              <a:t>Distributed Service Challenges</a:t>
+            </a:r>
+            <a:endParaRPr lang="en-US" dirty="0"/>
+          </a:p>
+        </p:txBody>
+      </p:sp>
+      <p:sp>
+        <p:nvSpPr>
+          <p:cNvPr id="3" name="Content Placeholder 2"/>
+          <p:cNvSpPr>
+            <a:spLocks noGrp="1"/>
+          </p:cNvSpPr>
+          <p:nvPr>
+            <p:ph sz="quarter" idx="10"/>
+          </p:nvPr>
+        </p:nvSpPr>
+        <p:spPr/>
+        <p:txBody>
+          <a:bodyPr/>
+          <a:lstStyle/>
+          <a:p>
+            <a:r>
+              <a:rPr lang="en-US" sz="1800" dirty="0"/>
+              <a:t>Service Discovery is one of the key tenets of a microservice based architecture</a:t>
+            </a:r>
+            <a:r>
+              <a:rPr lang="en-US" sz="1800" dirty="0" smtClean="0"/>
+              <a:t>.</a:t>
+            </a:r>
+            <a:br>
+              <a:rPr lang="en-US" sz="1800" dirty="0" smtClean="0"/>
+            </a:br>
+            <a:endParaRPr lang="en-US" sz="1800" dirty="0"/>
+          </a:p>
+          <a:p>
+            <a:r>
+              <a:rPr lang="en-US" sz="1800" dirty="0"/>
+              <a:t>In distributed systems, </a:t>
+            </a:r>
+            <a:r>
+              <a:rPr lang="en-US" sz="1800" b="1" i="1" u="sng" dirty="0" smtClean="0"/>
+              <a:t>dependencies != inter-process</a:t>
+            </a:r>
+            <a:r>
+              <a:rPr lang="en-US" sz="1800" b="1" dirty="0" smtClean="0"/>
+              <a:t> </a:t>
+            </a:r>
+            <a:r>
+              <a:rPr lang="en-US" sz="1800" dirty="0" smtClean="0"/>
+              <a:t>method call</a:t>
+            </a:r>
+            <a:br>
+              <a:rPr lang="en-US" sz="1800" dirty="0" smtClean="0"/>
+            </a:br>
+            <a:endParaRPr lang="en-US" sz="1800" dirty="0"/>
+          </a:p>
+          <a:p>
+            <a:r>
+              <a:rPr lang="en-US" sz="1800" dirty="0"/>
+              <a:t>Trying to hand configure each client or use some form of convention can be very difficult to do and can be very brittle</a:t>
+            </a:r>
+            <a:r>
+              <a:rPr lang="en-US" sz="1800" dirty="0" smtClean="0"/>
+              <a:t>.</a:t>
+            </a:r>
+            <a:br>
+              <a:rPr lang="en-US" sz="1800" dirty="0" smtClean="0"/>
+            </a:br>
+            <a:endParaRPr lang="en-US" sz="1800" dirty="0" smtClean="0"/>
+          </a:p>
+          <a:p>
+            <a:r>
+              <a:rPr lang="en-US" sz="1800" dirty="0"/>
+              <a:t>How have we discovered services in the past?</a:t>
+            </a:r>
+          </a:p>
+          <a:p>
+            <a:pPr marL="800100" lvl="1" indent="-342900">
+              <a:buFont typeface="+mj-lt"/>
+              <a:buAutoNum type="arabicPeriod"/>
+            </a:pPr>
+            <a:r>
+              <a:rPr lang="en-US" sz="1400" dirty="0"/>
+              <a:t>Service Locators</a:t>
+            </a:r>
+          </a:p>
+          <a:p>
+            <a:pPr marL="800100" lvl="1" indent="-342900">
+              <a:buFont typeface="+mj-lt"/>
+              <a:buAutoNum type="arabicPeriod"/>
+            </a:pPr>
+            <a:r>
+              <a:rPr lang="en-US" sz="1400" dirty="0"/>
+              <a:t>Dependency Injection</a:t>
+            </a:r>
+          </a:p>
+          <a:p>
+            <a:pPr marL="800100" lvl="1" indent="-342900">
+              <a:buFont typeface="+mj-lt"/>
+              <a:buAutoNum type="arabicPeriod"/>
+            </a:pPr>
+            <a:r>
+              <a:rPr lang="en-US" sz="1400" dirty="0"/>
+              <a:t>Service Registries</a:t>
+            </a:r>
+          </a:p>
+          <a:p>
+            <a:pPr marL="0" indent="0">
+              <a:buNone/>
+            </a:pPr>
+            <a:endParaRPr lang="en-US" sz="1800" dirty="0"/>
+          </a:p>
+        </p:txBody>
+      </p:sp>
+    </p:spTree>
+    <p:extLst>
+      <p:ext uri="{BB962C8B-B14F-4D97-AF65-F5344CB8AC3E}">
+        <p14:creationId xmlns:p14="http://schemas.microsoft.com/office/powerpoint/2010/main" val="2673922808"/>
+      </p:ext>
+    </p:extLst>
+  </p:cSld>
+  <p:clrMapOvr>
+    <a:masterClrMapping/>
+  </p:clrMapOvr>
+  <p:timing>
+    <p:tnLst>
+      <p:par>
+        <p:cTn xmlns:p14="http://schemas.microsoft.com/office/powerpoint/2010/main" id="1" dur="indefinite" restart="never" nodeType="tmRoot"/>
+      </p:par>
+    </p:tnLst>
+  </p:timing>
+</p:sld>
+</file>
+
+<file path=ppt/slides/slide3.xml><?xml version="1.0" encoding="utf-8"?>
+<p:sld xmlns:a="http://schemas.openxmlformats.org/drawingml/2006/main" xmlns:r="http://schemas.openxmlformats.org/officeDocument/2006/relationships" xmlns:p="http://schemas.openxmlformats.org/presentationml/2006/main">
+  <p:cSld>
+    <p:spTree>
+      <p:nvGrpSpPr>
+        <p:cNvPr id="1" name=""/>
+        <p:cNvGrpSpPr/>
+        <p:nvPr/>
+      </p:nvGrpSpPr>
+      <p:grpSpPr>
+        <a:xfrm>
+          <a:off x="0" y="0"/>
+          <a:ext cx="0" cy="0"/>
+          <a:chOff x="0" y="0"/>
+          <a:chExt cx="0" cy="0"/>
+        </a:xfrm>
+      </p:grpSpPr>
+      <p:sp>
+        <p:nvSpPr>
+          <p:cNvPr id="2" name="Title 1"/>
+          <p:cNvSpPr>
+            <a:spLocks noGrp="1"/>
+          </p:cNvSpPr>
+          <p:nvPr>
+            <p:ph type="title"/>
+          </p:nvPr>
+        </p:nvSpPr>
+        <p:spPr/>
+        <p:txBody>
+          <a:bodyPr/>
+          <a:lstStyle/>
+          <a:p>
+            <a:r>
+              <a:rPr lang="en-US" dirty="0"/>
+              <a:t>Service Discovery with Spring Cloud</a:t>
+            </a:r>
+          </a:p>
+        </p:txBody>
+      </p:sp>
+      <p:pic>
+        <p:nvPicPr>
+          <p:cNvPr id="4" name="Content Placeholder 3"/>
+          <p:cNvPicPr>
+            <a:picLocks noGrp="1" noChangeAspect="1"/>
+          </p:cNvPicPr>
+          <p:nvPr>
+            <p:ph sz="quarter" idx="10"/>
+          </p:nvPr>
+        </p:nvPicPr>
+        <p:blipFill rotWithShape="1">
+          <a:blip r:embed="rId3"/>
+          <a:srcRect l="-78" r="-293"/>
+          <a:stretch/>
+        </p:blipFill>
+        <p:spPr>
+          <a:xfrm>
+            <a:off x="457199" y="952500"/>
+            <a:ext cx="8229601" cy="3428999"/>
+          </a:xfrm>
+        </p:spPr>
+      </p:pic>
+    </p:spTree>
+    <p:extLst>
+      <p:ext uri="{BB962C8B-B14F-4D97-AF65-F5344CB8AC3E}">
+        <p14:creationId xmlns:p14="http://schemas.microsoft.com/office/powerpoint/2010/main" val="4037040253"/>
+      </p:ext>
+    </p:extLst>
+  </p:cSld>
+  <p:clrMapOvr>
+    <a:masterClrMapping/>
+  </p:clrMapOvr>
+  <p:timing>
+    <p:tnLst>
+      <p:par>
+        <p:cTn xmlns:p14="http://schemas.microsoft.com/office/powerpoint/2010/main" id="1" dur="indefinite" restart="never" nodeType="tmRoot"/>
+      </p:par>
+    </p:tnLst>
+  </p:timing>
+</p:sld>
+</file>
+
+<file path=ppt/slides/slide4.xml><?xml version="1.0" encoding="utf-8"?>
+<p:sld xmlns:a="http://schemas.openxmlformats.org/drawingml/2006/main" xmlns:r="http://schemas.openxmlformats.org/officeDocument/2006/relationships" xmlns:p="http://schemas.openxmlformats.org/presentationml/2006/main">
+  <p:cSld>
+    <p:spTree>
+      <p:nvGrpSpPr>
+        <p:cNvPr id="1" name=""/>
+        <p:cNvGrpSpPr/>
+        <p:nvPr/>
+      </p:nvGrpSpPr>
+      <p:grpSpPr>
+        <a:xfrm>
+          <a:off x="0" y="0"/>
+          <a:ext cx="0" cy="0"/>
+          <a:chOff x="0" y="0"/>
+          <a:chExt cx="0" cy="0"/>
+        </a:xfrm>
+      </p:grpSpPr>
+      <p:sp>
+        <p:nvSpPr>
+          <p:cNvPr id="2" name="Title 1"/>
+          <p:cNvSpPr>
+            <a:spLocks noGrp="1"/>
+          </p:cNvSpPr>
+          <p:nvPr>
+            <p:ph type="title"/>
+          </p:nvPr>
+        </p:nvSpPr>
+        <p:spPr/>
+        <p:txBody>
+          <a:bodyPr/>
+          <a:lstStyle/>
+          <a:p>
+            <a:r>
+              <a:rPr lang="en-US" dirty="0"/>
+              <a:t>Spring Cloud </a:t>
+            </a:r>
+            <a:r>
+              <a:rPr lang="en-US" dirty="0" smtClean="0"/>
+              <a:t>Service Registry</a:t>
+            </a:r>
+            <a:endParaRPr lang="en-US" dirty="0">
+              <a:solidFill>
+                <a:srgbClr val="138A7E"/>
+              </a:solidFill>
+            </a:endParaRPr>
+          </a:p>
+        </p:txBody>
+      </p:sp>
+      <p:sp>
+        <p:nvSpPr>
+          <p:cNvPr id="3" name="Content Placeholder 2"/>
+          <p:cNvSpPr>
+            <a:spLocks noGrp="1"/>
+          </p:cNvSpPr>
+          <p:nvPr>
+            <p:ph sz="quarter" idx="10"/>
+          </p:nvPr>
+        </p:nvSpPr>
+        <p:spPr>
+          <a:xfrm>
+            <a:off x="457200" y="1047114"/>
+            <a:ext cx="8097520" cy="3273007"/>
+          </a:xfrm>
+        </p:spPr>
+        <p:txBody>
+          <a:bodyPr>
+            <a:noAutofit/>
+          </a:bodyPr>
+          <a:lstStyle/>
+          <a:p>
+            <a:pPr lvl="0" fontAlgn="base"/>
+            <a:r>
+              <a:rPr lang="en-US" sz="1800" b="1" dirty="0" smtClean="0"/>
+              <a:t>Provides </a:t>
+            </a:r>
+            <a:r>
+              <a:rPr lang="en-US" sz="1800" b="1" dirty="0"/>
+              <a:t>an </a:t>
+            </a:r>
+            <a:r>
+              <a:rPr lang="en-US" sz="1800" b="1" dirty="0" smtClean="0"/>
+              <a:t>HTTP interface + client libs for client registry/discovery</a:t>
+            </a:r>
+            <a:endParaRPr lang="en-US" sz="1800" b="1" dirty="0"/>
+          </a:p>
+          <a:p>
+            <a:pPr lvl="0" fontAlgn="base"/>
+            <a:endParaRPr lang="en-US" sz="1800" b="1" dirty="0" smtClean="0"/>
+          </a:p>
+          <a:p>
+            <a:pPr lvl="0" fontAlgn="base"/>
+            <a:r>
+              <a:rPr lang="en-US" sz="1800" b="1" dirty="0" smtClean="0"/>
+              <a:t>Registry server collects heartbeats, maintains registry of available services/instances, exchanges registries with loca</a:t>
+            </a:r>
+            <a:r>
+              <a:rPr lang="en-US" sz="1800" b="1" dirty="0" smtClean="0"/>
+              <a:t>l peers + </a:t>
+            </a:r>
+            <a:r>
+              <a:rPr lang="en-US" sz="1800" b="1" dirty="0" smtClean="0"/>
+              <a:t>other “zones”</a:t>
+            </a:r>
+          </a:p>
+          <a:p>
+            <a:pPr lvl="0" fontAlgn="base"/>
+            <a:endParaRPr lang="en-US" sz="1800" b="1" dirty="0" smtClean="0"/>
+          </a:p>
+          <a:p>
+            <a:pPr lvl="0" fontAlgn="base"/>
+            <a:r>
+              <a:rPr lang="en-US" sz="1800" b="1" dirty="0" smtClean="0"/>
+              <a:t>Registry contains detailed information about each service</a:t>
+            </a:r>
+          </a:p>
+          <a:p>
+            <a:pPr lvl="1" fontAlgn="base"/>
+            <a:r>
+              <a:rPr lang="en-US" sz="1400" b="1" dirty="0" smtClean="0"/>
+              <a:t>Service name, Host &amp; port of each instance</a:t>
+            </a:r>
+          </a:p>
+          <a:p>
+            <a:pPr lvl="1" fontAlgn="base"/>
+            <a:r>
+              <a:rPr lang="en-US" sz="1400" b="1" dirty="0" smtClean="0"/>
+              <a:t>Health indicator, URLs (health, homepage, </a:t>
+            </a:r>
+            <a:r>
+              <a:rPr lang="en-US" sz="1400" b="1" dirty="0" err="1" smtClean="0"/>
+              <a:t>etc</a:t>
+            </a:r>
+            <a:r>
+              <a:rPr lang="en-US" sz="1400" b="1" dirty="0" smtClean="0"/>
+              <a:t>)</a:t>
+            </a:r>
+            <a:br>
+              <a:rPr lang="en-US" sz="1400" b="1" dirty="0" smtClean="0"/>
+            </a:br>
+            <a:endParaRPr lang="en-US" sz="1800" dirty="0"/>
+          </a:p>
+          <a:p>
+            <a:pPr lvl="0" fontAlgn="base"/>
+            <a:r>
+              <a:rPr lang="en-US" sz="1800" b="1" dirty="0"/>
+              <a:t>Embeddable easily in a Spring Boot application using @</a:t>
+            </a:r>
+            <a:r>
+              <a:rPr lang="en-US" sz="1800" b="1" dirty="0" err="1" smtClean="0"/>
+              <a:t>EnableEurekaServer</a:t>
+            </a:r>
+            <a:r>
+              <a:rPr lang="en-US" sz="1800" b="1" dirty="0" smtClean="0"/>
+              <a:t> and @EnableDiscoveryClient</a:t>
+            </a:r>
+            <a:endParaRPr lang="en-US" sz="1800" dirty="0"/>
+          </a:p>
+        </p:txBody>
+      </p:sp>
+    </p:spTree>
+    <p:extLst>
+      <p:ext uri="{BB962C8B-B14F-4D97-AF65-F5344CB8AC3E}">
+        <p14:creationId xmlns:p14="http://schemas.microsoft.com/office/powerpoint/2010/main" val="3781091401"/>
+      </p:ext>
+    </p:extLst>
+  </p:cSld>
+  <p:clrMapOvr>
+    <a:masterClrMapping/>
+  </p:clrMapOvr>
+  <mc:AlternateContent xmlns:mc="http://schemas.openxmlformats.org/markup-compatibility/2006" xmlns:p14="http://schemas.microsoft.com/office/powerpoint/2010/main">
+    <mc:Choice Requires="p14">
+      <p:transition spd="slow" p14:dur="2000"/>
+    </mc:Choice>
+    <mc:Fallback xmlns="">
+      <p:transition xmlns:p14="http://schemas.microsoft.com/office/powerpoint/2010/main" spd="slow"/>
+    </mc:Fallback>
+  </mc:AlternateContent>
+  <p:timing>
+    <p:tnLst>
+      <p:par>
+        <p:cTn xmlns:p14="http://schemas.microsoft.com/office/powerpoint/2010/main" id="1" dur="indefinite" restart="never" nodeType="tmRoot"/>
+      </p:par>
+    </p:tnLst>
+  </p:timing>
+</p:sld>
+</file>
+
+<file path=ppt/slides/slide5.xml><?xml version="1.0" encoding="utf-8"?>
+<p:sld xmlns:a="http://schemas.openxmlformats.org/drawingml/2006/main" xmlns:r="http://schemas.openxmlformats.org/officeDocument/2006/relationships" xmlns:p="http://schemas.openxmlformats.org/presentationml/2006/main">
+  <p:cSld>
+    <p:spTree>
+      <p:nvGrpSpPr>
+        <p:cNvPr id="1" name=""/>
+        <p:cNvGrpSpPr/>
+        <p:nvPr/>
+      </p:nvGrpSpPr>
+      <p:grpSpPr>
+        <a:xfrm>
+          <a:off x="0" y="0"/>
+          <a:ext cx="0" cy="0"/>
+          <a:chOff x="0" y="0"/>
+          <a:chExt cx="0" cy="0"/>
+        </a:xfrm>
+      </p:grpSpPr>
+      <p:sp>
+        <p:nvSpPr>
+          <p:cNvPr id="2" name="Title 1"/>
+          <p:cNvSpPr>
+            <a:spLocks noGrp="1"/>
+          </p:cNvSpPr>
+          <p:nvPr>
+            <p:ph type="title"/>
+          </p:nvPr>
+        </p:nvSpPr>
+        <p:spPr/>
+        <p:txBody>
+          <a:bodyPr/>
+          <a:lstStyle/>
+          <a:p>
+            <a:r>
+              <a:rPr lang="en-US" dirty="0" smtClean="0"/>
+              <a:t>Service Registry – Availability Zones</a:t>
+            </a:r>
+            <a:endParaRPr lang="en-US" dirty="0"/>
+          </a:p>
+        </p:txBody>
+      </p:sp>
+      <p:sp>
+        <p:nvSpPr>
+          <p:cNvPr id="8" name="Rectangle 7"/>
+          <p:cNvSpPr/>
+          <p:nvPr/>
+        </p:nvSpPr>
+        <p:spPr>
+          <a:xfrm>
+            <a:off x="274320" y="1168400"/>
+            <a:ext cx="4165600" cy="3312160"/>
+          </a:xfrm>
+          <a:prstGeom prst="rect">
+            <a:avLst/>
+          </a:prstGeom>
+          <a:noFill/>
+          <a:ln>
+            <a:solidFill>
+              <a:schemeClr val="accent2"/>
+            </a:solidFill>
+            <a:prstDash val="sysDash"/>
+          </a:ln>
+        </p:spPr>
+        <p:style>
+          <a:lnRef idx="1">
+            <a:schemeClr val="accent1"/>
+          </a:lnRef>
+          <a:fillRef idx="3">
+            <a:schemeClr val="accent1"/>
+          </a:fillRef>
+          <a:effectRef idx="2">
+            <a:schemeClr val="accent1"/>
+          </a:effectRef>
+          <a:fontRef idx="minor">
+            <a:schemeClr val="lt1"/>
+          </a:fontRef>
+        </p:style>
+        <p:txBody>
+          <a:bodyPr rtlCol="0" anchor="ctr"/>
+          <a:lstStyle/>
+          <a:p>
+            <a:pPr algn="ctr"/>
+            <a:endParaRPr lang="en-US"/>
+          </a:p>
+        </p:txBody>
+      </p:sp>
+      <p:grpSp>
+        <p:nvGrpSpPr>
+          <p:cNvPr id="54" name="Group 53"/>
+          <p:cNvGrpSpPr/>
+          <p:nvPr/>
+        </p:nvGrpSpPr>
+        <p:grpSpPr>
+          <a:xfrm>
+            <a:off x="457198" y="1168400"/>
+            <a:ext cx="8656322" cy="3312160"/>
+            <a:chOff x="457198" y="1168400"/>
+            <a:chExt cx="8656322" cy="3312160"/>
+          </a:xfrm>
+        </p:grpSpPr>
+        <p:sp>
+          <p:nvSpPr>
+            <p:cNvPr id="7" name="Rectangle 6"/>
+            <p:cNvSpPr/>
+            <p:nvPr/>
+          </p:nvSpPr>
+          <p:spPr>
+            <a:xfrm>
+              <a:off x="2834640" y="1473200"/>
+              <a:ext cx="1016000" cy="538480"/>
+            </a:xfrm>
+            <a:prstGeom prst="rect">
+              <a:avLst/>
+            </a:prstGeom>
+            <a:gradFill>
+              <a:gsLst>
+                <a:gs pos="99000">
+                  <a:schemeClr val="accent1">
+                    <a:tint val="100000"/>
+                    <a:shade val="100000"/>
+                    <a:satMod val="130000"/>
+                  </a:schemeClr>
+                </a:gs>
+                <a:gs pos="100000">
+                  <a:schemeClr val="accent1">
+                    <a:tint val="50000"/>
+                    <a:shade val="100000"/>
+                    <a:satMod val="350000"/>
+                  </a:schemeClr>
+                </a:gs>
+              </a:gsLst>
+            </a:gradFill>
+            <a:ln>
+              <a:solidFill>
+                <a:schemeClr val="bg1"/>
+              </a:solidFill>
+            </a:ln>
+          </p:spPr>
+          <p:style>
+            <a:lnRef idx="1">
+              <a:schemeClr val="accent1"/>
+            </a:lnRef>
+            <a:fillRef idx="3">
+              <a:schemeClr val="accent1"/>
+            </a:fillRef>
+            <a:effectRef idx="2">
+              <a:schemeClr val="accent1"/>
+            </a:effectRef>
+            <a:fontRef idx="minor">
+              <a:schemeClr val="lt1"/>
+            </a:fontRef>
+          </p:style>
+          <p:txBody>
+            <a:bodyPr rtlCol="0" anchor="ctr"/>
+            <a:lstStyle/>
+            <a:p>
+              <a:pPr algn="ctr"/>
+              <a:endParaRPr lang="en-US"/>
+            </a:p>
+          </p:txBody>
+        </p:sp>
+        <p:sp>
+          <p:nvSpPr>
+            <p:cNvPr id="9" name="Rectangle 8"/>
+            <p:cNvSpPr/>
+            <p:nvPr/>
+          </p:nvSpPr>
+          <p:spPr>
+            <a:xfrm>
+              <a:off x="4734560" y="1168400"/>
+              <a:ext cx="4165600" cy="3312160"/>
+            </a:xfrm>
+            <a:prstGeom prst="rect">
+              <a:avLst/>
+            </a:prstGeom>
+            <a:noFill/>
+            <a:ln>
+              <a:solidFill>
+                <a:schemeClr val="accent2"/>
+              </a:solidFill>
+              <a:prstDash val="sysDash"/>
+            </a:ln>
+          </p:spPr>
+          <p:style>
+            <a:lnRef idx="1">
+              <a:schemeClr val="accent1"/>
+            </a:lnRef>
+            <a:fillRef idx="3">
+              <a:schemeClr val="accent1"/>
+            </a:fillRef>
+            <a:effectRef idx="2">
+              <a:schemeClr val="accent1"/>
+            </a:effectRef>
+            <a:fontRef idx="minor">
+              <a:schemeClr val="lt1"/>
+            </a:fontRef>
+          </p:style>
+          <p:txBody>
+            <a:bodyPr rtlCol="0" anchor="ctr"/>
+            <a:lstStyle/>
+            <a:p>
+              <a:pPr algn="ctr"/>
+              <a:endParaRPr lang="en-US"/>
+            </a:p>
+          </p:txBody>
+        </p:sp>
+        <p:sp>
+          <p:nvSpPr>
+            <p:cNvPr id="10" name="Rectangle 9"/>
+            <p:cNvSpPr/>
+            <p:nvPr/>
+          </p:nvSpPr>
+          <p:spPr>
+            <a:xfrm>
+              <a:off x="2987040" y="1625600"/>
+              <a:ext cx="1016000" cy="538480"/>
+            </a:xfrm>
+            <a:prstGeom prst="rect">
+              <a:avLst/>
+            </a:prstGeom>
+            <a:gradFill>
+              <a:gsLst>
+                <a:gs pos="99000">
+                  <a:schemeClr val="accent1">
+                    <a:tint val="100000"/>
+                    <a:shade val="100000"/>
+                    <a:satMod val="130000"/>
+                  </a:schemeClr>
+                </a:gs>
+                <a:gs pos="100000">
+                  <a:schemeClr val="accent1">
+                    <a:tint val="50000"/>
+                    <a:shade val="100000"/>
+                    <a:satMod val="350000"/>
+                  </a:schemeClr>
+                </a:gs>
+              </a:gsLst>
+            </a:gradFill>
+            <a:ln>
+              <a:solidFill>
+                <a:schemeClr val="bg1"/>
+              </a:solidFill>
+            </a:ln>
+          </p:spPr>
+          <p:style>
+            <a:lnRef idx="1">
+              <a:schemeClr val="accent1"/>
+            </a:lnRef>
+            <a:fillRef idx="3">
+              <a:schemeClr val="accent1"/>
+            </a:fillRef>
+            <a:effectRef idx="2">
+              <a:schemeClr val="accent1"/>
+            </a:effectRef>
+            <a:fontRef idx="minor">
+              <a:schemeClr val="lt1"/>
+            </a:fontRef>
+          </p:style>
+          <p:txBody>
+            <a:bodyPr rtlCol="0" anchor="ctr"/>
+            <a:lstStyle/>
+            <a:p>
+              <a:pPr algn="ctr"/>
+              <a:endParaRPr lang="en-US"/>
+            </a:p>
+          </p:txBody>
+        </p:sp>
+        <p:sp>
+          <p:nvSpPr>
+            <p:cNvPr id="11" name="Rectangle 10"/>
+            <p:cNvSpPr/>
+            <p:nvPr/>
+          </p:nvSpPr>
+          <p:spPr>
+            <a:xfrm>
+              <a:off x="3139440" y="1778000"/>
+              <a:ext cx="1016000" cy="538480"/>
+            </a:xfrm>
+            <a:prstGeom prst="rect">
+              <a:avLst/>
+            </a:prstGeom>
+            <a:gradFill>
+              <a:gsLst>
+                <a:gs pos="99000">
+                  <a:schemeClr val="accent1">
+                    <a:tint val="100000"/>
+                    <a:shade val="100000"/>
+                    <a:satMod val="130000"/>
+                  </a:schemeClr>
+                </a:gs>
+                <a:gs pos="100000">
+                  <a:schemeClr val="accent1">
+                    <a:tint val="50000"/>
+                    <a:shade val="100000"/>
+                    <a:satMod val="350000"/>
+                  </a:schemeClr>
+                </a:gs>
+              </a:gsLst>
+            </a:gradFill>
+            <a:ln>
+              <a:solidFill>
+                <a:schemeClr val="bg1"/>
+              </a:solidFill>
+            </a:ln>
+          </p:spPr>
+          <p:style>
+            <a:lnRef idx="1">
+              <a:schemeClr val="accent1"/>
+            </a:lnRef>
+            <a:fillRef idx="3">
+              <a:schemeClr val="accent1"/>
+            </a:fillRef>
+            <a:effectRef idx="2">
+              <a:schemeClr val="accent1"/>
+            </a:effectRef>
+            <a:fontRef idx="minor">
+              <a:schemeClr val="lt1"/>
+            </a:fontRef>
+          </p:style>
+          <p:txBody>
+            <a:bodyPr rtlCol="0" anchor="ctr"/>
+            <a:lstStyle/>
+            <a:p>
+              <a:pPr algn="ctr"/>
+              <a:r>
+                <a:rPr lang="en-US" sz="1400" dirty="0" smtClean="0"/>
+                <a:t>Service Registry</a:t>
+              </a:r>
+              <a:endParaRPr lang="en-US" sz="1400" dirty="0"/>
+            </a:p>
+          </p:txBody>
+        </p:sp>
+        <p:sp>
+          <p:nvSpPr>
+            <p:cNvPr id="12" name="Rectangle 11"/>
+            <p:cNvSpPr/>
+            <p:nvPr/>
+          </p:nvSpPr>
+          <p:spPr>
+            <a:xfrm>
+              <a:off x="4968240" y="1473200"/>
+              <a:ext cx="1016000" cy="538480"/>
+            </a:xfrm>
+            <a:prstGeom prst="rect">
+              <a:avLst/>
+            </a:prstGeom>
+            <a:gradFill>
+              <a:gsLst>
+                <a:gs pos="99000">
+                  <a:schemeClr val="accent1">
+                    <a:tint val="100000"/>
+                    <a:shade val="100000"/>
+                    <a:satMod val="130000"/>
+                  </a:schemeClr>
+                </a:gs>
+                <a:gs pos="100000">
+                  <a:schemeClr val="accent1">
+                    <a:tint val="50000"/>
+                    <a:shade val="100000"/>
+                    <a:satMod val="350000"/>
+                  </a:schemeClr>
+                </a:gs>
+              </a:gsLst>
+            </a:gradFill>
+            <a:ln>
+              <a:solidFill>
+                <a:schemeClr val="bg1"/>
+              </a:solidFill>
+            </a:ln>
+          </p:spPr>
+          <p:style>
+            <a:lnRef idx="1">
+              <a:schemeClr val="accent1"/>
+            </a:lnRef>
+            <a:fillRef idx="3">
+              <a:schemeClr val="accent1"/>
+            </a:fillRef>
+            <a:effectRef idx="2">
+              <a:schemeClr val="accent1"/>
+            </a:effectRef>
+            <a:fontRef idx="minor">
+              <a:schemeClr val="lt1"/>
+            </a:fontRef>
+          </p:style>
+          <p:txBody>
+            <a:bodyPr rtlCol="0" anchor="ctr"/>
+            <a:lstStyle/>
+            <a:p>
+              <a:pPr algn="ctr"/>
+              <a:endParaRPr lang="en-US"/>
+            </a:p>
+          </p:txBody>
+        </p:sp>
+        <p:sp>
+          <p:nvSpPr>
+            <p:cNvPr id="13" name="Rectangle 12"/>
+            <p:cNvSpPr/>
+            <p:nvPr/>
+          </p:nvSpPr>
+          <p:spPr>
+            <a:xfrm>
+              <a:off x="5120640" y="1625600"/>
+              <a:ext cx="1016000" cy="538480"/>
+            </a:xfrm>
+            <a:prstGeom prst="rect">
+              <a:avLst/>
+            </a:prstGeom>
+            <a:gradFill>
+              <a:gsLst>
+                <a:gs pos="99000">
+                  <a:schemeClr val="accent1">
+                    <a:tint val="100000"/>
+                    <a:shade val="100000"/>
+                    <a:satMod val="130000"/>
+                  </a:schemeClr>
+                </a:gs>
+                <a:gs pos="100000">
+                  <a:schemeClr val="accent1">
+                    <a:tint val="50000"/>
+                    <a:shade val="100000"/>
+                    <a:satMod val="350000"/>
+                  </a:schemeClr>
+                </a:gs>
+              </a:gsLst>
+            </a:gradFill>
+            <a:ln>
+              <a:solidFill>
+                <a:schemeClr val="bg1"/>
+              </a:solidFill>
+            </a:ln>
+          </p:spPr>
+          <p:style>
+            <a:lnRef idx="1">
+              <a:schemeClr val="accent1"/>
+            </a:lnRef>
+            <a:fillRef idx="3">
+              <a:schemeClr val="accent1"/>
+            </a:fillRef>
+            <a:effectRef idx="2">
+              <a:schemeClr val="accent1"/>
+            </a:effectRef>
+            <a:fontRef idx="minor">
+              <a:schemeClr val="lt1"/>
+            </a:fontRef>
+          </p:style>
+          <p:txBody>
+            <a:bodyPr rtlCol="0" anchor="ctr"/>
+            <a:lstStyle/>
+            <a:p>
+              <a:pPr algn="ctr"/>
+              <a:endParaRPr lang="en-US"/>
+            </a:p>
+          </p:txBody>
+        </p:sp>
+        <p:sp>
+          <p:nvSpPr>
+            <p:cNvPr id="14" name="Rectangle 13"/>
+            <p:cNvSpPr/>
+            <p:nvPr/>
+          </p:nvSpPr>
+          <p:spPr>
+            <a:xfrm>
+              <a:off x="5273040" y="1778000"/>
+              <a:ext cx="1016000" cy="538480"/>
+            </a:xfrm>
+            <a:prstGeom prst="rect">
+              <a:avLst/>
+            </a:prstGeom>
+            <a:gradFill>
+              <a:gsLst>
+                <a:gs pos="99000">
+                  <a:schemeClr val="accent1">
+                    <a:tint val="100000"/>
+                    <a:shade val="100000"/>
+                    <a:satMod val="130000"/>
+                  </a:schemeClr>
+                </a:gs>
+                <a:gs pos="100000">
+                  <a:schemeClr val="accent1">
+                    <a:tint val="50000"/>
+                    <a:shade val="100000"/>
+                    <a:satMod val="350000"/>
+                  </a:schemeClr>
+                </a:gs>
+              </a:gsLst>
+            </a:gradFill>
+            <a:ln>
+              <a:solidFill>
+                <a:schemeClr val="bg1"/>
+              </a:solidFill>
+            </a:ln>
+          </p:spPr>
+          <p:style>
+            <a:lnRef idx="1">
+              <a:schemeClr val="accent1"/>
+            </a:lnRef>
+            <a:fillRef idx="3">
+              <a:schemeClr val="accent1"/>
+            </a:fillRef>
+            <a:effectRef idx="2">
+              <a:schemeClr val="accent1"/>
+            </a:effectRef>
+            <a:fontRef idx="minor">
+              <a:schemeClr val="lt1"/>
+            </a:fontRef>
+          </p:style>
+          <p:txBody>
+            <a:bodyPr rtlCol="0" anchor="ctr"/>
+            <a:lstStyle/>
+            <a:p>
+              <a:pPr algn="ctr"/>
+              <a:r>
+                <a:rPr lang="en-US" sz="1400" dirty="0"/>
+                <a:t>Service Registry</a:t>
+              </a:r>
+              <a:endParaRPr lang="en-US" sz="1400" dirty="0"/>
+            </a:p>
+          </p:txBody>
+        </p:sp>
+        <p:sp>
+          <p:nvSpPr>
+            <p:cNvPr id="15" name="Rectangle 14"/>
+            <p:cNvSpPr/>
+            <p:nvPr/>
+          </p:nvSpPr>
+          <p:spPr>
+            <a:xfrm>
+              <a:off x="772160" y="2783840"/>
+              <a:ext cx="1016000" cy="538480"/>
+            </a:xfrm>
+            <a:prstGeom prst="rect">
+              <a:avLst/>
+            </a:prstGeom>
+            <a:solidFill>
+              <a:schemeClr val="accent6"/>
+            </a:solidFill>
+            <a:ln>
+              <a:solidFill>
+                <a:schemeClr val="bg1"/>
+              </a:solidFill>
+            </a:ln>
+          </p:spPr>
+          <p:style>
+            <a:lnRef idx="1">
+              <a:schemeClr val="accent1"/>
+            </a:lnRef>
+            <a:fillRef idx="3">
+              <a:schemeClr val="accent1"/>
+            </a:fillRef>
+            <a:effectRef idx="2">
+              <a:schemeClr val="accent1"/>
+            </a:effectRef>
+            <a:fontRef idx="minor">
+              <a:schemeClr val="lt1"/>
+            </a:fontRef>
+          </p:style>
+          <p:txBody>
+            <a:bodyPr rtlCol="0" anchor="ctr"/>
+            <a:lstStyle/>
+            <a:p>
+              <a:pPr algn="ctr"/>
+              <a:endParaRPr lang="en-US"/>
+            </a:p>
+          </p:txBody>
+        </p:sp>
+        <p:sp>
+          <p:nvSpPr>
+            <p:cNvPr id="16" name="Rectangle 15"/>
+            <p:cNvSpPr/>
+            <p:nvPr/>
+          </p:nvSpPr>
+          <p:spPr>
+            <a:xfrm>
+              <a:off x="924560" y="2936240"/>
+              <a:ext cx="1016000" cy="538480"/>
+            </a:xfrm>
+            <a:prstGeom prst="rect">
+              <a:avLst/>
+            </a:prstGeom>
+            <a:solidFill>
+              <a:schemeClr val="accent6"/>
+            </a:solidFill>
+            <a:ln>
+              <a:solidFill>
+                <a:schemeClr val="bg1"/>
+              </a:solidFill>
+            </a:ln>
+          </p:spPr>
+          <p:style>
+            <a:lnRef idx="1">
+              <a:schemeClr val="accent1"/>
+            </a:lnRef>
+            <a:fillRef idx="3">
+              <a:schemeClr val="accent1"/>
+            </a:fillRef>
+            <a:effectRef idx="2">
+              <a:schemeClr val="accent1"/>
+            </a:effectRef>
+            <a:fontRef idx="minor">
+              <a:schemeClr val="lt1"/>
+            </a:fontRef>
+          </p:style>
+          <p:txBody>
+            <a:bodyPr rtlCol="0" anchor="ctr"/>
+            <a:lstStyle/>
+            <a:p>
+              <a:pPr algn="ctr"/>
+              <a:r>
+                <a:rPr lang="en-US" sz="1400" dirty="0" smtClean="0"/>
+                <a:t>Client</a:t>
+              </a:r>
+            </a:p>
+          </p:txBody>
+        </p:sp>
+        <p:sp>
+          <p:nvSpPr>
+            <p:cNvPr id="17" name="Rectangle 16"/>
+            <p:cNvSpPr/>
+            <p:nvPr/>
+          </p:nvSpPr>
+          <p:spPr>
+            <a:xfrm>
+              <a:off x="2987040" y="3322320"/>
+              <a:ext cx="1016000" cy="538480"/>
+            </a:xfrm>
+            <a:prstGeom prst="rect">
+              <a:avLst/>
+            </a:prstGeom>
+            <a:solidFill>
+              <a:schemeClr val="accent2"/>
+            </a:solidFill>
+            <a:ln>
+              <a:solidFill>
+                <a:schemeClr val="bg1"/>
+              </a:solidFill>
+            </a:ln>
+          </p:spPr>
+          <p:style>
+            <a:lnRef idx="1">
+              <a:schemeClr val="accent1"/>
+            </a:lnRef>
+            <a:fillRef idx="3">
+              <a:schemeClr val="accent1"/>
+            </a:fillRef>
+            <a:effectRef idx="2">
+              <a:schemeClr val="accent1"/>
+            </a:effectRef>
+            <a:fontRef idx="minor">
+              <a:schemeClr val="lt1"/>
+            </a:fontRef>
+          </p:style>
+          <p:txBody>
+            <a:bodyPr rtlCol="0" anchor="ctr"/>
+            <a:lstStyle/>
+            <a:p>
+              <a:pPr algn="ctr"/>
+              <a:endParaRPr lang="en-US"/>
+            </a:p>
+          </p:txBody>
+        </p:sp>
+        <p:sp>
+          <p:nvSpPr>
+            <p:cNvPr id="18" name="Rectangle 17"/>
+            <p:cNvSpPr/>
+            <p:nvPr/>
+          </p:nvSpPr>
+          <p:spPr>
+            <a:xfrm>
+              <a:off x="3139440" y="3474720"/>
+              <a:ext cx="1016000" cy="538480"/>
+            </a:xfrm>
+            <a:prstGeom prst="rect">
+              <a:avLst/>
+            </a:prstGeom>
+            <a:solidFill>
+              <a:schemeClr val="accent2"/>
+            </a:solidFill>
+            <a:ln>
+              <a:solidFill>
+                <a:schemeClr val="bg1"/>
+              </a:solidFill>
+            </a:ln>
+          </p:spPr>
+          <p:style>
+            <a:lnRef idx="1">
+              <a:schemeClr val="accent1"/>
+            </a:lnRef>
+            <a:fillRef idx="3">
+              <a:schemeClr val="accent1"/>
+            </a:fillRef>
+            <a:effectRef idx="2">
+              <a:schemeClr val="accent1"/>
+            </a:effectRef>
+            <a:fontRef idx="minor">
+              <a:schemeClr val="lt1"/>
+            </a:fontRef>
+          </p:style>
+          <p:txBody>
+            <a:bodyPr rtlCol="0" anchor="ctr"/>
+            <a:lstStyle/>
+            <a:p>
+              <a:pPr algn="ctr"/>
+              <a:r>
+                <a:rPr lang="en-US" sz="1400" dirty="0" smtClean="0"/>
+                <a:t>Service</a:t>
+              </a:r>
+              <a:endParaRPr lang="en-US" sz="1400" dirty="0"/>
+            </a:p>
+          </p:txBody>
+        </p:sp>
+        <p:sp>
+          <p:nvSpPr>
+            <p:cNvPr id="19" name="Rectangle 18"/>
+            <p:cNvSpPr/>
+            <p:nvPr/>
+          </p:nvSpPr>
+          <p:spPr>
+            <a:xfrm>
+              <a:off x="7376160" y="2783840"/>
+              <a:ext cx="1016000" cy="538480"/>
+            </a:xfrm>
+            <a:prstGeom prst="rect">
+              <a:avLst/>
+            </a:prstGeom>
+            <a:solidFill>
+              <a:schemeClr val="accent6"/>
+            </a:solidFill>
+            <a:ln>
+              <a:solidFill>
+                <a:schemeClr val="bg1"/>
+              </a:solidFill>
+            </a:ln>
+          </p:spPr>
+          <p:style>
+            <a:lnRef idx="1">
+              <a:schemeClr val="accent1"/>
+            </a:lnRef>
+            <a:fillRef idx="3">
+              <a:schemeClr val="accent1"/>
+            </a:fillRef>
+            <a:effectRef idx="2">
+              <a:schemeClr val="accent1"/>
+            </a:effectRef>
+            <a:fontRef idx="minor">
+              <a:schemeClr val="lt1"/>
+            </a:fontRef>
+          </p:style>
+          <p:txBody>
+            <a:bodyPr rtlCol="0" anchor="ctr"/>
+            <a:lstStyle/>
+            <a:p>
+              <a:pPr algn="ctr"/>
+              <a:endParaRPr lang="en-US"/>
+            </a:p>
+          </p:txBody>
+        </p:sp>
+        <p:sp>
+          <p:nvSpPr>
+            <p:cNvPr id="20" name="Rectangle 19"/>
+            <p:cNvSpPr/>
+            <p:nvPr/>
+          </p:nvSpPr>
+          <p:spPr>
+            <a:xfrm>
+              <a:off x="7528560" y="2936240"/>
+              <a:ext cx="1016000" cy="538480"/>
+            </a:xfrm>
+            <a:prstGeom prst="rect">
+              <a:avLst/>
+            </a:prstGeom>
+            <a:solidFill>
+              <a:schemeClr val="accent6"/>
+            </a:solidFill>
+            <a:ln>
+              <a:solidFill>
+                <a:schemeClr val="bg1"/>
+              </a:solidFill>
+            </a:ln>
+          </p:spPr>
+          <p:style>
+            <a:lnRef idx="1">
+              <a:schemeClr val="accent1"/>
+            </a:lnRef>
+            <a:fillRef idx="3">
+              <a:schemeClr val="accent1"/>
+            </a:fillRef>
+            <a:effectRef idx="2">
+              <a:schemeClr val="accent1"/>
+            </a:effectRef>
+            <a:fontRef idx="minor">
+              <a:schemeClr val="lt1"/>
+            </a:fontRef>
+          </p:style>
+          <p:txBody>
+            <a:bodyPr rtlCol="0" anchor="ctr"/>
+            <a:lstStyle/>
+            <a:p>
+              <a:pPr algn="ctr"/>
+              <a:r>
+                <a:rPr lang="en-US" sz="1400" dirty="0" smtClean="0"/>
+                <a:t>Client</a:t>
+              </a:r>
+              <a:endParaRPr lang="en-US" sz="1400" dirty="0"/>
+            </a:p>
+          </p:txBody>
+        </p:sp>
+        <p:sp>
+          <p:nvSpPr>
+            <p:cNvPr id="21" name="Rectangle 20"/>
+            <p:cNvSpPr/>
+            <p:nvPr/>
+          </p:nvSpPr>
+          <p:spPr>
+            <a:xfrm>
+              <a:off x="5262880" y="3322320"/>
+              <a:ext cx="1016000" cy="538480"/>
+            </a:xfrm>
+            <a:prstGeom prst="rect">
+              <a:avLst/>
+            </a:prstGeom>
+            <a:solidFill>
+              <a:schemeClr val="accent2"/>
+            </a:solidFill>
+            <a:ln>
+              <a:solidFill>
+                <a:schemeClr val="bg1"/>
+              </a:solidFill>
+            </a:ln>
+          </p:spPr>
+          <p:style>
+            <a:lnRef idx="1">
+              <a:schemeClr val="accent1"/>
+            </a:lnRef>
+            <a:fillRef idx="3">
+              <a:schemeClr val="accent1"/>
+            </a:fillRef>
+            <a:effectRef idx="2">
+              <a:schemeClr val="accent1"/>
+            </a:effectRef>
+            <a:fontRef idx="minor">
+              <a:schemeClr val="lt1"/>
+            </a:fontRef>
+          </p:style>
+          <p:txBody>
+            <a:bodyPr rtlCol="0" anchor="ctr"/>
+            <a:lstStyle/>
+            <a:p>
+              <a:pPr algn="ctr"/>
+              <a:endParaRPr lang="en-US"/>
+            </a:p>
+          </p:txBody>
+        </p:sp>
+        <p:sp>
+          <p:nvSpPr>
+            <p:cNvPr id="22" name="Rectangle 21"/>
+            <p:cNvSpPr/>
+            <p:nvPr/>
+          </p:nvSpPr>
+          <p:spPr>
+            <a:xfrm>
+              <a:off x="5415280" y="3474720"/>
+              <a:ext cx="1016000" cy="538480"/>
+            </a:xfrm>
+            <a:prstGeom prst="rect">
+              <a:avLst/>
+            </a:prstGeom>
+            <a:solidFill>
+              <a:schemeClr val="accent2"/>
+            </a:solidFill>
+            <a:ln>
+              <a:solidFill>
+                <a:schemeClr val="bg1"/>
+              </a:solidFill>
+            </a:ln>
+          </p:spPr>
+          <p:style>
+            <a:lnRef idx="1">
+              <a:schemeClr val="accent1"/>
+            </a:lnRef>
+            <a:fillRef idx="3">
+              <a:schemeClr val="accent1"/>
+            </a:fillRef>
+            <a:effectRef idx="2">
+              <a:schemeClr val="accent1"/>
+            </a:effectRef>
+            <a:fontRef idx="minor">
+              <a:schemeClr val="lt1"/>
+            </a:fontRef>
+          </p:style>
+          <p:txBody>
+            <a:bodyPr rtlCol="0" anchor="ctr"/>
+            <a:lstStyle/>
+            <a:p>
+              <a:pPr algn="ctr"/>
+              <a:r>
+                <a:rPr lang="en-US" sz="1400" dirty="0" smtClean="0"/>
+                <a:t>Service</a:t>
+              </a:r>
+              <a:endParaRPr lang="en-US" sz="1400" dirty="0"/>
+            </a:p>
+          </p:txBody>
+        </p:sp>
+        <p:sp>
+          <p:nvSpPr>
+            <p:cNvPr id="23" name="TextBox 22"/>
+            <p:cNvSpPr txBox="1"/>
+            <p:nvPr/>
+          </p:nvSpPr>
+          <p:spPr>
+            <a:xfrm>
+              <a:off x="457198" y="1302434"/>
+              <a:ext cx="1554482" cy="369332"/>
+            </a:xfrm>
+            <a:prstGeom prst="rect">
+              <a:avLst/>
+            </a:prstGeom>
+            <a:noFill/>
+          </p:spPr>
+          <p:txBody>
+            <a:bodyPr wrap="square" rtlCol="0">
+              <a:spAutoFit/>
+            </a:bodyPr>
+            <a:lstStyle/>
+            <a:p>
+              <a:r>
+                <a:rPr lang="en-US" b="1" dirty="0" smtClean="0">
+                  <a:solidFill>
+                    <a:schemeClr val="bg1"/>
+                  </a:solidFill>
+                </a:rPr>
+                <a:t>West ‘Zone’</a:t>
+              </a:r>
+              <a:endParaRPr lang="en-US" b="1" dirty="0">
+                <a:solidFill>
+                  <a:schemeClr val="bg1"/>
+                </a:solidFill>
+              </a:endParaRPr>
+            </a:p>
+          </p:txBody>
+        </p:sp>
+        <p:sp>
+          <p:nvSpPr>
+            <p:cNvPr id="24" name="TextBox 23"/>
+            <p:cNvSpPr txBox="1"/>
+            <p:nvPr/>
+          </p:nvSpPr>
+          <p:spPr>
+            <a:xfrm>
+              <a:off x="7559038" y="1317228"/>
+              <a:ext cx="1554482" cy="369332"/>
+            </a:xfrm>
+            <a:prstGeom prst="rect">
+              <a:avLst/>
+            </a:prstGeom>
+            <a:noFill/>
+          </p:spPr>
+          <p:txBody>
+            <a:bodyPr wrap="square" rtlCol="0">
+              <a:spAutoFit/>
+            </a:bodyPr>
+            <a:lstStyle/>
+            <a:p>
+              <a:r>
+                <a:rPr lang="en-US" b="1" dirty="0" smtClean="0">
+                  <a:solidFill>
+                    <a:schemeClr val="bg1"/>
+                  </a:solidFill>
+                </a:rPr>
+                <a:t>East ‘Zone’</a:t>
+              </a:r>
+              <a:endParaRPr lang="en-US" b="1" dirty="0">
+                <a:solidFill>
+                  <a:schemeClr val="bg1"/>
+                </a:solidFill>
+              </a:endParaRPr>
+            </a:p>
+          </p:txBody>
+        </p:sp>
+      </p:grpSp>
+      <p:cxnSp>
+        <p:nvCxnSpPr>
+          <p:cNvPr id="40" name="Curved Connector 39"/>
+          <p:cNvCxnSpPr/>
+          <p:nvPr/>
+        </p:nvCxnSpPr>
+        <p:spPr>
+          <a:xfrm>
+            <a:off x="1940560" y="2936240"/>
+            <a:ext cx="1046480" cy="792480"/>
+          </a:xfrm>
+          <a:prstGeom prst="curvedConnector3">
+            <a:avLst>
+              <a:gd name="adj1" fmla="val 50000"/>
+            </a:avLst>
+          </a:prstGeom>
+          <a:ln>
+            <a:solidFill>
+              <a:schemeClr val="accent3"/>
+            </a:solidFill>
+            <a:prstDash val="sysDot"/>
+            <a:tailEnd type="arrow"/>
+          </a:ln>
+        </p:spPr>
+        <p:style>
+          <a:lnRef idx="2">
+            <a:schemeClr val="accent1"/>
+          </a:lnRef>
+          <a:fillRef idx="0">
+            <a:schemeClr val="accent1"/>
+          </a:fillRef>
+          <a:effectRef idx="1">
+            <a:schemeClr val="accent1"/>
+          </a:effectRef>
+          <a:fontRef idx="minor">
+            <a:schemeClr val="tx1"/>
+          </a:fontRef>
+        </p:style>
+      </p:cxnSp>
+      <p:cxnSp>
+        <p:nvCxnSpPr>
+          <p:cNvPr id="45" name="Curved Connector 44"/>
+          <p:cNvCxnSpPr/>
+          <p:nvPr/>
+        </p:nvCxnSpPr>
+        <p:spPr>
+          <a:xfrm>
+            <a:off x="2011680" y="2936240"/>
+            <a:ext cx="3251200" cy="386080"/>
+          </a:xfrm>
+          <a:prstGeom prst="curvedConnector3">
+            <a:avLst>
+              <a:gd name="adj1" fmla="val 70000"/>
+            </a:avLst>
+          </a:prstGeom>
+          <a:ln>
+            <a:solidFill>
+              <a:schemeClr val="accent3"/>
+            </a:solidFill>
+            <a:prstDash val="sysDot"/>
+            <a:tailEnd type="arrow"/>
+          </a:ln>
+        </p:spPr>
+        <p:style>
+          <a:lnRef idx="2">
+            <a:schemeClr val="accent1"/>
+          </a:lnRef>
+          <a:fillRef idx="0">
+            <a:schemeClr val="accent1"/>
+          </a:fillRef>
+          <a:effectRef idx="1">
+            <a:schemeClr val="accent1"/>
+          </a:effectRef>
+          <a:fontRef idx="minor">
+            <a:schemeClr val="tx1"/>
+          </a:fontRef>
+        </p:style>
+      </p:cxnSp>
+      <p:grpSp>
+        <p:nvGrpSpPr>
+          <p:cNvPr id="55" name="Group 54"/>
+          <p:cNvGrpSpPr/>
+          <p:nvPr/>
+        </p:nvGrpSpPr>
+        <p:grpSpPr>
+          <a:xfrm>
+            <a:off x="3454400" y="1568380"/>
+            <a:ext cx="3901442" cy="1753940"/>
+            <a:chOff x="3454400" y="1568380"/>
+            <a:chExt cx="3901442" cy="1753940"/>
+          </a:xfrm>
+        </p:grpSpPr>
+        <p:cxnSp>
+          <p:nvCxnSpPr>
+            <p:cNvPr id="28" name="Straight Arrow Connector 27"/>
+            <p:cNvCxnSpPr/>
+            <p:nvPr/>
+          </p:nvCxnSpPr>
+          <p:spPr>
+            <a:xfrm>
+              <a:off x="4145280" y="1859280"/>
+              <a:ext cx="812800" cy="0"/>
+            </a:xfrm>
+            <a:prstGeom prst="straightConnector1">
+              <a:avLst/>
+            </a:prstGeom>
+            <a:ln>
+              <a:solidFill>
+                <a:schemeClr val="accent3"/>
+              </a:solidFill>
+              <a:prstDash val="sysDot"/>
+              <a:headEnd type="arrow"/>
+              <a:tailEnd type="arrow"/>
+            </a:ln>
+          </p:spPr>
+          <p:style>
+            <a:lnRef idx="2">
+              <a:schemeClr val="accent1"/>
+            </a:lnRef>
+            <a:fillRef idx="0">
+              <a:schemeClr val="accent1"/>
+            </a:fillRef>
+            <a:effectRef idx="1">
+              <a:schemeClr val="accent1"/>
+            </a:effectRef>
+            <a:fontRef idx="minor">
+              <a:schemeClr val="tx1"/>
+            </a:fontRef>
+          </p:style>
+        </p:cxnSp>
+        <p:cxnSp>
+          <p:nvCxnSpPr>
+            <p:cNvPr id="30" name="Straight Arrow Connector 29"/>
+            <p:cNvCxnSpPr/>
+            <p:nvPr/>
+          </p:nvCxnSpPr>
+          <p:spPr>
+            <a:xfrm>
+              <a:off x="4155440" y="2001520"/>
+              <a:ext cx="812800" cy="0"/>
+            </a:xfrm>
+            <a:prstGeom prst="straightConnector1">
+              <a:avLst/>
+            </a:prstGeom>
+            <a:ln>
+              <a:solidFill>
+                <a:schemeClr val="accent3"/>
+              </a:solidFill>
+              <a:prstDash val="sysDot"/>
+              <a:headEnd type="arrow"/>
+              <a:tailEnd type="arrow"/>
+            </a:ln>
+          </p:spPr>
+          <p:style>
+            <a:lnRef idx="2">
+              <a:schemeClr val="accent1"/>
+            </a:lnRef>
+            <a:fillRef idx="0">
+              <a:schemeClr val="accent1"/>
+            </a:fillRef>
+            <a:effectRef idx="1">
+              <a:schemeClr val="accent1"/>
+            </a:effectRef>
+            <a:fontRef idx="minor">
+              <a:schemeClr val="tx1"/>
+            </a:fontRef>
+          </p:style>
+        </p:cxnSp>
+        <p:cxnSp>
+          <p:nvCxnSpPr>
+            <p:cNvPr id="32" name="Straight Arrow Connector 31"/>
+            <p:cNvCxnSpPr>
+              <a:stCxn id="17" idx="0"/>
+            </p:cNvCxnSpPr>
+            <p:nvPr/>
+          </p:nvCxnSpPr>
+          <p:spPr>
+            <a:xfrm flipV="1">
+              <a:off x="3495040" y="2316480"/>
+              <a:ext cx="10160" cy="1005840"/>
+            </a:xfrm>
+            <a:prstGeom prst="straightConnector1">
+              <a:avLst/>
+            </a:prstGeom>
+            <a:ln>
+              <a:solidFill>
+                <a:schemeClr val="accent3"/>
+              </a:solidFill>
+              <a:prstDash val="sysDot"/>
+              <a:tailEnd type="arrow"/>
+            </a:ln>
+          </p:spPr>
+          <p:style>
+            <a:lnRef idx="2">
+              <a:schemeClr val="accent1"/>
+            </a:lnRef>
+            <a:fillRef idx="0">
+              <a:schemeClr val="accent1"/>
+            </a:fillRef>
+            <a:effectRef idx="1">
+              <a:schemeClr val="accent1"/>
+            </a:effectRef>
+            <a:fontRef idx="minor">
+              <a:schemeClr val="tx1"/>
+            </a:fontRef>
+          </p:style>
+        </p:cxnSp>
+        <p:cxnSp>
+          <p:nvCxnSpPr>
+            <p:cNvPr id="33" name="Straight Arrow Connector 32"/>
+            <p:cNvCxnSpPr/>
+            <p:nvPr/>
+          </p:nvCxnSpPr>
+          <p:spPr>
+            <a:xfrm flipV="1">
+              <a:off x="5791200" y="2316480"/>
+              <a:ext cx="10160" cy="1005840"/>
+            </a:xfrm>
+            <a:prstGeom prst="straightConnector1">
+              <a:avLst/>
+            </a:prstGeom>
+            <a:ln>
+              <a:solidFill>
+                <a:schemeClr val="accent3"/>
+              </a:solidFill>
+              <a:prstDash val="sysDot"/>
+              <a:tailEnd type="arrow"/>
+            </a:ln>
+          </p:spPr>
+          <p:style>
+            <a:lnRef idx="2">
+              <a:schemeClr val="accent1"/>
+            </a:lnRef>
+            <a:fillRef idx="0">
+              <a:schemeClr val="accent1"/>
+            </a:fillRef>
+            <a:effectRef idx="1">
+              <a:schemeClr val="accent1"/>
+            </a:effectRef>
+            <a:fontRef idx="minor">
+              <a:schemeClr val="tx1"/>
+            </a:fontRef>
+          </p:style>
+        </p:cxnSp>
+        <p:sp>
+          <p:nvSpPr>
+            <p:cNvPr id="49" name="TextBox 48"/>
+            <p:cNvSpPr txBox="1"/>
+            <p:nvPr/>
+          </p:nvSpPr>
+          <p:spPr>
+            <a:xfrm>
+              <a:off x="3454400" y="2588121"/>
+              <a:ext cx="1554482" cy="276999"/>
+            </a:xfrm>
+            <a:prstGeom prst="rect">
+              <a:avLst/>
+            </a:prstGeom>
+            <a:noFill/>
+          </p:spPr>
+          <p:txBody>
+            <a:bodyPr wrap="square" rtlCol="0">
+              <a:spAutoFit/>
+            </a:bodyPr>
+            <a:lstStyle/>
+            <a:p>
+              <a:r>
+                <a:rPr lang="en-US" sz="1200" dirty="0" smtClean="0">
+                  <a:solidFill>
+                    <a:schemeClr val="bg1"/>
+                  </a:solidFill>
+                </a:rPr>
+                <a:t>Register</a:t>
+              </a:r>
+              <a:endParaRPr lang="en-US" sz="1200" dirty="0">
+                <a:solidFill>
+                  <a:schemeClr val="bg1"/>
+                </a:solidFill>
+              </a:endParaRPr>
+            </a:p>
+          </p:txBody>
+        </p:sp>
+        <p:sp>
+          <p:nvSpPr>
+            <p:cNvPr id="50" name="TextBox 49"/>
+            <p:cNvSpPr txBox="1"/>
+            <p:nvPr/>
+          </p:nvSpPr>
+          <p:spPr>
+            <a:xfrm>
+              <a:off x="5801360" y="2588121"/>
+              <a:ext cx="1554482" cy="276999"/>
+            </a:xfrm>
+            <a:prstGeom prst="rect">
+              <a:avLst/>
+            </a:prstGeom>
+            <a:noFill/>
+          </p:spPr>
+          <p:txBody>
+            <a:bodyPr wrap="square" rtlCol="0">
+              <a:spAutoFit/>
+            </a:bodyPr>
+            <a:lstStyle/>
+            <a:p>
+              <a:r>
+                <a:rPr lang="en-US" sz="1200" dirty="0" smtClean="0">
+                  <a:solidFill>
+                    <a:schemeClr val="bg1"/>
+                  </a:solidFill>
+                </a:rPr>
+                <a:t>Register</a:t>
+              </a:r>
+              <a:endParaRPr lang="en-US" sz="1200" dirty="0">
+                <a:solidFill>
+                  <a:schemeClr val="bg1"/>
+                </a:solidFill>
+              </a:endParaRPr>
+            </a:p>
+          </p:txBody>
+        </p:sp>
+        <p:sp>
+          <p:nvSpPr>
+            <p:cNvPr id="51" name="TextBox 50"/>
+            <p:cNvSpPr txBox="1"/>
+            <p:nvPr/>
+          </p:nvSpPr>
+          <p:spPr>
+            <a:xfrm>
+              <a:off x="4185920" y="1568380"/>
+              <a:ext cx="883920" cy="276999"/>
+            </a:xfrm>
+            <a:prstGeom prst="rect">
+              <a:avLst/>
+            </a:prstGeom>
+            <a:noFill/>
+          </p:spPr>
+          <p:txBody>
+            <a:bodyPr wrap="square" rtlCol="0">
+              <a:spAutoFit/>
+            </a:bodyPr>
+            <a:lstStyle/>
+            <a:p>
+              <a:r>
+                <a:rPr lang="en-US" sz="1200" dirty="0" smtClean="0">
+                  <a:solidFill>
+                    <a:schemeClr val="bg1"/>
+                  </a:solidFill>
+                </a:rPr>
+                <a:t>Exchange</a:t>
+              </a:r>
+              <a:endParaRPr lang="en-US" sz="1200" dirty="0">
+                <a:solidFill>
+                  <a:schemeClr val="bg1"/>
+                </a:solidFill>
+              </a:endParaRPr>
+            </a:p>
+          </p:txBody>
+        </p:sp>
+      </p:grpSp>
+      <p:grpSp>
+        <p:nvGrpSpPr>
+          <p:cNvPr id="56" name="Group 55"/>
+          <p:cNvGrpSpPr/>
+          <p:nvPr/>
+        </p:nvGrpSpPr>
+        <p:grpSpPr>
+          <a:xfrm>
+            <a:off x="1584958" y="2164080"/>
+            <a:ext cx="1554482" cy="701040"/>
+            <a:chOff x="1584958" y="2164080"/>
+            <a:chExt cx="1554482" cy="701040"/>
+          </a:xfrm>
+        </p:grpSpPr>
+        <p:cxnSp>
+          <p:nvCxnSpPr>
+            <p:cNvPr id="35" name="Straight Arrow Connector 34"/>
+            <p:cNvCxnSpPr/>
+            <p:nvPr/>
+          </p:nvCxnSpPr>
+          <p:spPr>
+            <a:xfrm flipV="1">
+              <a:off x="1859280" y="2164080"/>
+              <a:ext cx="1056640" cy="701040"/>
+            </a:xfrm>
+            <a:prstGeom prst="straightConnector1">
+              <a:avLst/>
+            </a:prstGeom>
+            <a:ln>
+              <a:solidFill>
+                <a:schemeClr val="accent3"/>
+              </a:solidFill>
+              <a:prstDash val="sysDot"/>
+              <a:tailEnd type="arrow"/>
+            </a:ln>
+          </p:spPr>
+          <p:style>
+            <a:lnRef idx="2">
+              <a:schemeClr val="accent1"/>
+            </a:lnRef>
+            <a:fillRef idx="0">
+              <a:schemeClr val="accent1"/>
+            </a:fillRef>
+            <a:effectRef idx="1">
+              <a:schemeClr val="accent1"/>
+            </a:effectRef>
+            <a:fontRef idx="minor">
+              <a:schemeClr val="tx1"/>
+            </a:fontRef>
+          </p:style>
+        </p:cxnSp>
+        <p:sp>
+          <p:nvSpPr>
+            <p:cNvPr id="52" name="TextBox 51"/>
+            <p:cNvSpPr txBox="1"/>
+            <p:nvPr/>
+          </p:nvSpPr>
+          <p:spPr>
+            <a:xfrm>
+              <a:off x="1584958" y="2328763"/>
+              <a:ext cx="1554482" cy="276999"/>
+            </a:xfrm>
+            <a:prstGeom prst="rect">
+              <a:avLst/>
+            </a:prstGeom>
+            <a:noFill/>
+          </p:spPr>
+          <p:txBody>
+            <a:bodyPr wrap="square" rtlCol="0">
+              <a:spAutoFit/>
+            </a:bodyPr>
+            <a:lstStyle/>
+            <a:p>
+              <a:r>
+                <a:rPr lang="en-US" sz="1200" dirty="0" smtClean="0">
+                  <a:solidFill>
+                    <a:schemeClr val="bg1"/>
+                  </a:solidFill>
+                </a:rPr>
+                <a:t>Discover</a:t>
+              </a:r>
+              <a:endParaRPr lang="en-US" sz="1200" dirty="0">
+                <a:solidFill>
+                  <a:schemeClr val="bg1"/>
+                </a:solidFill>
+              </a:endParaRPr>
+            </a:p>
+          </p:txBody>
+        </p:sp>
+      </p:grpSp>
+      <p:grpSp>
+        <p:nvGrpSpPr>
+          <p:cNvPr id="57" name="Group 56"/>
+          <p:cNvGrpSpPr/>
+          <p:nvPr/>
+        </p:nvGrpSpPr>
+        <p:grpSpPr>
+          <a:xfrm>
+            <a:off x="1940560" y="2936240"/>
+            <a:ext cx="2164080" cy="538480"/>
+            <a:chOff x="1940560" y="2936240"/>
+            <a:chExt cx="2164080" cy="538480"/>
+          </a:xfrm>
+        </p:grpSpPr>
+        <p:cxnSp>
+          <p:nvCxnSpPr>
+            <p:cNvPr id="37" name="Curved Connector 36"/>
+            <p:cNvCxnSpPr/>
+            <p:nvPr/>
+          </p:nvCxnSpPr>
+          <p:spPr>
+            <a:xfrm>
+              <a:off x="1940560" y="2936240"/>
+              <a:ext cx="1198880" cy="538480"/>
+            </a:xfrm>
+            <a:prstGeom prst="curvedConnector3">
+              <a:avLst>
+                <a:gd name="adj1" fmla="val 51695"/>
+              </a:avLst>
+            </a:prstGeom>
+            <a:ln>
+              <a:solidFill>
+                <a:schemeClr val="accent3"/>
+              </a:solidFill>
+              <a:prstDash val="sysDot"/>
+              <a:tailEnd type="arrow"/>
+            </a:ln>
+          </p:spPr>
+          <p:style>
+            <a:lnRef idx="2">
+              <a:schemeClr val="accent1"/>
+            </a:lnRef>
+            <a:fillRef idx="0">
+              <a:schemeClr val="accent1"/>
+            </a:fillRef>
+            <a:effectRef idx="1">
+              <a:schemeClr val="accent1"/>
+            </a:effectRef>
+            <a:fontRef idx="minor">
+              <a:schemeClr val="tx1"/>
+            </a:fontRef>
+          </p:style>
+        </p:cxnSp>
+        <p:sp>
+          <p:nvSpPr>
+            <p:cNvPr id="53" name="TextBox 52"/>
+            <p:cNvSpPr txBox="1"/>
+            <p:nvPr/>
+          </p:nvSpPr>
+          <p:spPr>
+            <a:xfrm>
+              <a:off x="2550158" y="3055481"/>
+              <a:ext cx="1554482" cy="276999"/>
+            </a:xfrm>
+            <a:prstGeom prst="rect">
+              <a:avLst/>
+            </a:prstGeom>
+            <a:noFill/>
+          </p:spPr>
+          <p:txBody>
+            <a:bodyPr wrap="square" rtlCol="0">
+              <a:spAutoFit/>
+            </a:bodyPr>
+            <a:lstStyle/>
+            <a:p>
+              <a:r>
+                <a:rPr lang="en-US" sz="1200" dirty="0" smtClean="0">
+                  <a:solidFill>
+                    <a:schemeClr val="bg1"/>
+                  </a:solidFill>
+                </a:rPr>
+                <a:t>Connect</a:t>
+              </a:r>
+              <a:endParaRPr lang="en-US" sz="1200" dirty="0">
+                <a:solidFill>
+                  <a:schemeClr val="bg1"/>
+                </a:solidFill>
+              </a:endParaRPr>
+            </a:p>
+          </p:txBody>
+        </p:sp>
+      </p:grpSp>
+      <p:sp>
+        <p:nvSpPr>
+          <p:cNvPr id="61" name="Rectangle 60"/>
+          <p:cNvSpPr/>
+          <p:nvPr/>
+        </p:nvSpPr>
+        <p:spPr>
+          <a:xfrm>
+            <a:off x="2836201" y="3035161"/>
+            <a:ext cx="2010119" cy="1015663"/>
+          </a:xfrm>
+          <a:prstGeom prst="rect">
+            <a:avLst/>
+          </a:prstGeom>
+        </p:spPr>
+        <p:txBody>
+          <a:bodyPr wrap="square">
+            <a:spAutoFit/>
+          </a:bodyPr>
+          <a:lstStyle/>
+          <a:p>
+            <a:r>
+              <a:rPr lang="en-US" sz="6000" b="1" dirty="0" smtClean="0">
+                <a:solidFill>
+                  <a:srgbClr val="FF0000"/>
+                </a:solidFill>
+                <a:latin typeface="Zapf Dingbats"/>
+                <a:ea typeface="Zapf Dingbats"/>
+                <a:cs typeface="Zapf Dingbats"/>
+              </a:rPr>
+              <a:t>✗</a:t>
+            </a:r>
+            <a:r>
+              <a:rPr lang="en-US" sz="6000" b="1" dirty="0" smtClean="0">
+                <a:solidFill>
+                  <a:srgbClr val="FF0000"/>
+                </a:solidFill>
+                <a:latin typeface="Zapf Dingbats"/>
+                <a:ea typeface="Zapf Dingbats"/>
+                <a:cs typeface="Zapf Dingbats"/>
+                <a:sym typeface="Zapf Dingbats"/>
+              </a:rPr>
+              <a:t>✗✗</a:t>
+            </a:r>
+            <a:endParaRPr lang="en-US" sz="6000" b="1" dirty="0">
+              <a:solidFill>
+                <a:srgbClr val="FF0000"/>
+              </a:solidFill>
+            </a:endParaRPr>
+          </a:p>
+        </p:txBody>
+      </p:sp>
+      <p:sp>
+        <p:nvSpPr>
+          <p:cNvPr id="59" name="Rectangle 58"/>
+          <p:cNvSpPr/>
+          <p:nvPr/>
+        </p:nvSpPr>
+        <p:spPr>
+          <a:xfrm>
+            <a:off x="3223846" y="3429615"/>
+            <a:ext cx="911274" cy="584776"/>
+          </a:xfrm>
+          <a:prstGeom prst="rect">
+            <a:avLst/>
+          </a:prstGeom>
+        </p:spPr>
+        <p:txBody>
+          <a:bodyPr wrap="square">
+            <a:spAutoFit/>
+          </a:bodyPr>
+          <a:lstStyle/>
+          <a:p>
+            <a:r>
+              <a:rPr lang="en-US" sz="3200" b="1" dirty="0" smtClean="0">
+                <a:solidFill>
+                  <a:srgbClr val="FF0000"/>
+                </a:solidFill>
+                <a:latin typeface="Zapf Dingbats"/>
+                <a:ea typeface="Zapf Dingbats"/>
+                <a:cs typeface="Zapf Dingbats"/>
+              </a:rPr>
+              <a:t>✗</a:t>
+            </a:r>
+            <a:r>
+              <a:rPr lang="en-US" sz="3200" b="1" dirty="0" smtClean="0">
+                <a:solidFill>
+                  <a:srgbClr val="FF0000"/>
+                </a:solidFill>
+                <a:latin typeface="Zapf Dingbats"/>
+                <a:ea typeface="Zapf Dingbats"/>
+                <a:cs typeface="Zapf Dingbats"/>
+                <a:sym typeface="Zapf Dingbats"/>
+              </a:rPr>
+              <a:t>✗✗</a:t>
+            </a:r>
+            <a:endParaRPr lang="en-US" sz="3200" b="1" dirty="0">
+              <a:solidFill>
+                <a:srgbClr val="FF0000"/>
+              </a:solidFill>
+            </a:endParaRPr>
+          </a:p>
+        </p:txBody>
+      </p:sp>
+    </p:spTree>
+    <p:extLst>
+      <p:ext uri="{BB962C8B-B14F-4D97-AF65-F5344CB8AC3E}">
+        <p14:creationId xmlns:p14="http://schemas.microsoft.com/office/powerpoint/2010/main" val="1768317019"/>
+      </p:ext>
+    </p:extLst>
+  </p:cSld>
+  <p:clrMapOvr>
+    <a:masterClrMapping/>
+  </p:clrMapOvr>
+  <p:timing>
+    <p:tnLst>
+      <p:par>
+        <p:cTn xmlns:p14="http://schemas.microsoft.com/office/powerpoint/2010/main" id="1" dur="indefinite" restart="never" nodeType="tmRoot">
+          <p:childTnLst>
+            <p:seq concurrent="1" nextAc="seek">
+              <p:cTn id="2" dur="indefinite" nodeType="mainSeq">
+                <p:childTnLst>
+                  <p:par>
+                    <p:cTn id="3" fill="hold">
+                      <p:stCondLst>
+                        <p:cond delay="indefinite"/>
+                      </p:stCondLst>
+                      <p:childTnLst>
+                        <p:par>
+                          <p:cTn id="4" fill="hold">
+                            <p:stCondLst>
+                              <p:cond delay="0"/>
+                            </p:stCondLst>
+                            <p:childTnLst>
+                              <p:par>
+                                <p:cTn id="5" presetID="1" presetClass="entr" presetSubtype="0" fill="hold" nodeType="clickEffect">
+                                  <p:stCondLst>
+                                    <p:cond delay="0"/>
+                                  </p:stCondLst>
+                                  <p:childTnLst>
+                                    <p:set>
+                                      <p:cBhvr>
+                                        <p:cTn id="6" dur="1" fill="hold">
+                                          <p:stCondLst>
+                                            <p:cond delay="0"/>
+                                          </p:stCondLst>
+                                        </p:cTn>
+                                        <p:tgtEl>
+                                          <p:spTgt spid="55"/>
+                                        </p:tgtEl>
+                                        <p:attrNameLst>
+                                          <p:attrName>style.visibility</p:attrName>
+                                        </p:attrNameLst>
+                                      </p:cBhvr>
+                                      <p:to>
+                                        <p:strVal val="visible"/>
+                                      </p:to>
+                                    </p:set>
+                                  </p:childTnLst>
+                                </p:cTn>
+                              </p:par>
+                            </p:childTnLst>
+                          </p:cTn>
+                        </p:par>
+                      </p:childTnLst>
+                    </p:cTn>
+                  </p:par>
+                  <p:par>
+                    <p:cTn id="7" fill="hold">
+                      <p:stCondLst>
+                        <p:cond delay="indefinite"/>
+                      </p:stCondLst>
+                      <p:childTnLst>
+                        <p:par>
+                          <p:cTn id="8" fill="hold">
+                            <p:stCondLst>
+                              <p:cond delay="0"/>
+                            </p:stCondLst>
+                            <p:childTnLst>
+                              <p:par>
+                                <p:cTn id="9" presetID="1" presetClass="entr" presetSubtype="0" fill="hold" nodeType="clickEffect">
+                                  <p:stCondLst>
+                                    <p:cond delay="0"/>
+                                  </p:stCondLst>
+                                  <p:childTnLst>
+                                    <p:set>
+                                      <p:cBhvr>
+                                        <p:cTn id="10" dur="1" fill="hold">
+                                          <p:stCondLst>
+                                            <p:cond delay="0"/>
+                                          </p:stCondLst>
+                                        </p:cTn>
+                                        <p:tgtEl>
+                                          <p:spTgt spid="56"/>
+                                        </p:tgtEl>
+                                        <p:attrNameLst>
+                                          <p:attrName>style.visibility</p:attrName>
+                                        </p:attrNameLst>
+                                      </p:cBhvr>
+                                      <p:to>
+                                        <p:strVal val="visible"/>
+                                      </p:to>
+                                    </p:set>
+                                  </p:childTnLst>
+                                </p:cTn>
+                              </p:par>
+                            </p:childTnLst>
+                          </p:cTn>
+                        </p:par>
+                      </p:childTnLst>
+                    </p:cTn>
+                  </p:par>
+                  <p:par>
+                    <p:cTn id="11" fill="hold">
+                      <p:stCondLst>
+                        <p:cond delay="indefinite"/>
+                      </p:stCondLst>
+                      <p:childTnLst>
+                        <p:par>
+                          <p:cTn id="12" fill="hold">
+                            <p:stCondLst>
+                              <p:cond delay="0"/>
+                            </p:stCondLst>
+                            <p:childTnLst>
+                              <p:par>
+                                <p:cTn id="13" presetID="1" presetClass="entr" presetSubtype="0" fill="hold" nodeType="clickEffect">
+                                  <p:stCondLst>
+                                    <p:cond delay="0"/>
+                                  </p:stCondLst>
+                                  <p:childTnLst>
+                                    <p:set>
+                                      <p:cBhvr>
+                                        <p:cTn id="14" dur="1" fill="hold">
+                                          <p:stCondLst>
+                                            <p:cond delay="0"/>
+                                          </p:stCondLst>
+                                        </p:cTn>
+                                        <p:tgtEl>
+                                          <p:spTgt spid="57"/>
+                                        </p:tgtEl>
+                                        <p:attrNameLst>
+                                          <p:attrName>style.visibility</p:attrName>
+                                        </p:attrNameLst>
+                                      </p:cBhvr>
+                                      <p:to>
+                                        <p:strVal val="visible"/>
+                                      </p:to>
+                                    </p:set>
+                                  </p:childTnLst>
+                                </p:cTn>
+                              </p:par>
+                            </p:childTnLst>
+                          </p:cTn>
+                        </p:par>
+                      </p:childTnLst>
+                    </p:cTn>
+                  </p:par>
+                  <p:par>
+                    <p:cTn id="15" fill="hold">
+                      <p:stCondLst>
+                        <p:cond delay="indefinite"/>
+                      </p:stCondLst>
+                      <p:childTnLst>
+                        <p:par>
+                          <p:cTn id="16" fill="hold">
+                            <p:stCondLst>
+                              <p:cond delay="0"/>
+                            </p:stCondLst>
+                            <p:childTnLst>
+                              <p:par>
+                                <p:cTn id="17" presetID="1" presetClass="entr" presetSubtype="0" fill="hold" grpId="0" nodeType="clickEffect">
+                                  <p:stCondLst>
+                                    <p:cond delay="0"/>
+                                  </p:stCondLst>
+                                  <p:childTnLst>
+                                    <p:set>
+                                      <p:cBhvr>
+                                        <p:cTn id="18" dur="1" fill="hold">
+                                          <p:stCondLst>
+                                            <p:cond delay="0"/>
+                                          </p:stCondLst>
+                                        </p:cTn>
+                                        <p:tgtEl>
+                                          <p:spTgt spid="59"/>
+                                        </p:tgtEl>
+                                        <p:attrNameLst>
+                                          <p:attrName>style.visibility</p:attrName>
+                                        </p:attrNameLst>
+                                      </p:cBhvr>
+                                      <p:to>
+                                        <p:strVal val="visible"/>
+                                      </p:to>
+                                    </p:set>
+                                  </p:childTnLst>
+                                </p:cTn>
+                              </p:par>
+                              <p:par>
+                                <p:cTn id="19" presetID="1" presetClass="entr" presetSubtype="0" fill="hold" nodeType="withEffect">
+                                  <p:stCondLst>
+                                    <p:cond delay="0"/>
+                                  </p:stCondLst>
+                                  <p:childTnLst>
+                                    <p:set>
+                                      <p:cBhvr>
+                                        <p:cTn id="20" dur="1" fill="hold">
+                                          <p:stCondLst>
+                                            <p:cond delay="0"/>
+                                          </p:stCondLst>
+                                        </p:cTn>
+                                        <p:tgtEl>
+                                          <p:spTgt spid="40"/>
+                                        </p:tgtEl>
+                                        <p:attrNameLst>
+                                          <p:attrName>style.visibility</p:attrName>
+                                        </p:attrNameLst>
+                                      </p:cBhvr>
+                                      <p:to>
+                                        <p:strVal val="visible"/>
+                                      </p:to>
+                                    </p:set>
+                                  </p:childTnLst>
+                                </p:cTn>
+                              </p:par>
+                            </p:childTnLst>
+                          </p:cTn>
+                        </p:par>
+                      </p:childTnLst>
+                    </p:cTn>
+                  </p:par>
+                  <p:par>
+                    <p:cTn id="21" fill="hold">
+                      <p:stCondLst>
+                        <p:cond delay="indefinite"/>
+                      </p:stCondLst>
+                      <p:childTnLst>
+                        <p:par>
+                          <p:cTn id="22" fill="hold">
+                            <p:stCondLst>
+                              <p:cond delay="0"/>
+                            </p:stCondLst>
+                            <p:childTnLst>
+                              <p:par>
+                                <p:cTn id="23" presetID="1" presetClass="entr" presetSubtype="0" fill="hold" grpId="0" nodeType="clickEffect">
+                                  <p:stCondLst>
+                                    <p:cond delay="0"/>
+                                  </p:stCondLst>
+                                  <p:childTnLst>
+                                    <p:set>
+                                      <p:cBhvr>
+                                        <p:cTn id="24" dur="1" fill="hold">
+                                          <p:stCondLst>
+                                            <p:cond delay="0"/>
+                                          </p:stCondLst>
+                                        </p:cTn>
+                                        <p:tgtEl>
+                                          <p:spTgt spid="61"/>
+                                        </p:tgtEl>
+                                        <p:attrNameLst>
+                                          <p:attrName>style.visibility</p:attrName>
+                                        </p:attrNameLst>
+                                      </p:cBhvr>
+                                      <p:to>
+                                        <p:strVal val="visible"/>
+                                      </p:to>
+                                    </p:set>
+                                  </p:childTnLst>
+                                </p:cTn>
+                              </p:par>
+                              <p:par>
+                                <p:cTn id="25" presetID="1" presetClass="entr" presetSubtype="0" fill="hold" nodeType="withEffect">
+                                  <p:stCondLst>
+                                    <p:cond delay="0"/>
+                                  </p:stCondLst>
+                                  <p:childTnLst>
+                                    <p:set>
+                                      <p:cBhvr>
+                                        <p:cTn id="26" dur="1" fill="hold">
+                                          <p:stCondLst>
+                                            <p:cond delay="0"/>
+                                          </p:stCondLst>
+                                        </p:cTn>
+                                        <p:tgtEl>
+                                          <p:spTgt spid="45"/>
+                                        </p:tgtEl>
+                                        <p:attrNameLst>
+                                          <p:attrName>style.visibility</p:attrName>
+                                        </p:attrNameLst>
+                                      </p:cBhvr>
+                                      <p:to>
+                                        <p:strVal val="visible"/>
+                                      </p:to>
+                                    </p:set>
+                                  </p:childTnLst>
+                                </p:cTn>
+                              </p:par>
+                            </p:childTnLst>
+                          </p:cTn>
+                        </p:par>
+                      </p:childTnLst>
+                    </p:cTn>
+                  </p:par>
+                </p:childTnLst>
+              </p:cTn>
+              <p:prevCondLst>
+                <p:cond evt="onPrev" delay="0">
+                  <p:tgtEl>
+                    <p:sldTgt/>
+                  </p:tgtEl>
+                </p:cond>
+              </p:prevCondLst>
+              <p:nextCondLst>
+                <p:cond evt="onNext" delay="0">
+                  <p:tgtEl>
+                    <p:sldTgt/>
+                  </p:tgtEl>
+                </p:cond>
+              </p:nextCondLst>
+            </p:seq>
+          </p:childTnLst>
+        </p:cTn>
+      </p:par>
+    </p:tnLst>
+    <p:bldLst>
+      <p:bldP spid="61" grpId="0"/>
+      <p:bldP spid="59" grpId="0"/>
+    </p:bldLst>
+  </p:timing>
+</p:sld>
+</file>
+
+<file path=ppt/slides/slide6.xml><?xml version="1.0" encoding="utf-8"?>
+<p:sld xmlns:a="http://schemas.openxmlformats.org/drawingml/2006/main" xmlns:r="http://schemas.openxmlformats.org/officeDocument/2006/relationships" xmlns:p="http://schemas.openxmlformats.org/presentationml/2006/main">
+  <p:cSld>
+    <p:spTree>
+      <p:nvGrpSpPr>
+        <p:cNvPr id="1" name=""/>
+        <p:cNvGrpSpPr/>
+        <p:nvPr/>
+      </p:nvGrpSpPr>
+      <p:grpSpPr>
+        <a:xfrm>
+          <a:off x="0" y="0"/>
+          <a:ext cx="0" cy="0"/>
+          <a:chOff x="0" y="0"/>
+          <a:chExt cx="0" cy="0"/>
+        </a:xfrm>
+      </p:grpSpPr>
+      <p:sp>
+        <p:nvSpPr>
+          <p:cNvPr id="2" name="Title 1"/>
+          <p:cNvSpPr>
+            <a:spLocks noGrp="1"/>
+          </p:cNvSpPr>
+          <p:nvPr>
+            <p:ph type="title"/>
+          </p:nvPr>
+        </p:nvSpPr>
+        <p:spPr/>
+        <p:txBody>
+          <a:bodyPr/>
+          <a:lstStyle/>
+          <a:p>
+            <a:r>
+              <a:rPr lang="en-US" dirty="0" smtClean="0"/>
+              <a:t>Client Service Discovery</a:t>
+            </a:r>
+            <a:endParaRPr lang="en-US" dirty="0">
+              <a:solidFill>
+                <a:srgbClr val="138A7E"/>
+              </a:solidFill>
+            </a:endParaRPr>
+          </a:p>
+        </p:txBody>
+      </p:sp>
+      <p:sp>
+        <p:nvSpPr>
+          <p:cNvPr id="6" name="TextBox 5"/>
+          <p:cNvSpPr txBox="1"/>
+          <p:nvPr/>
+        </p:nvSpPr>
+        <p:spPr>
+          <a:xfrm>
+            <a:off x="193040" y="1097280"/>
+            <a:ext cx="5100320" cy="1384995"/>
+          </a:xfrm>
+          <a:prstGeom prst="rect">
+            <a:avLst/>
+          </a:prstGeom>
+          <a:solidFill>
+            <a:schemeClr val="bg1"/>
+          </a:solidFill>
+        </p:spPr>
+        <p:txBody>
+          <a:bodyPr wrap="square" rtlCol="0">
+            <a:spAutoFit/>
+          </a:bodyPr>
+          <a:lstStyle/>
+          <a:p>
+            <a:r>
+              <a:rPr lang="en-US" sz="1200" b="1" dirty="0">
+                <a:solidFill>
+                  <a:srgbClr val="008774"/>
+                </a:solidFill>
+                <a:latin typeface="Courier New"/>
+                <a:cs typeface="Courier New"/>
+              </a:rPr>
+              <a:t>@</a:t>
+            </a:r>
+            <a:r>
+              <a:rPr lang="en-US" sz="1200" b="1" dirty="0" smtClean="0">
+                <a:solidFill>
+                  <a:srgbClr val="008774"/>
+                </a:solidFill>
+                <a:latin typeface="Courier New"/>
+                <a:cs typeface="Courier New"/>
+              </a:rPr>
+              <a:t>SpringBootApplication</a:t>
+            </a:r>
+          </a:p>
+          <a:p>
+            <a:r>
+              <a:rPr lang="en-US" sz="1200" b="1" dirty="0" smtClean="0">
+                <a:solidFill>
+                  <a:srgbClr val="008774"/>
+                </a:solidFill>
+                <a:latin typeface="Courier New"/>
+                <a:cs typeface="Courier New"/>
+              </a:rPr>
+              <a:t>@</a:t>
+            </a:r>
+            <a:r>
+              <a:rPr lang="en-US" sz="1200" b="1" dirty="0" smtClean="0">
+                <a:solidFill>
+                  <a:srgbClr val="008774"/>
+                </a:solidFill>
+                <a:latin typeface="Courier New"/>
+                <a:cs typeface="Courier New"/>
+              </a:rPr>
+              <a:t>EnableDiscoveryClient</a:t>
+            </a:r>
+            <a:endParaRPr lang="en-US" sz="1200" b="1" dirty="0" smtClean="0">
+              <a:solidFill>
+                <a:srgbClr val="FF0000"/>
+              </a:solidFill>
+              <a:latin typeface="Courier New"/>
+              <a:cs typeface="Courier New"/>
+            </a:endParaRPr>
+          </a:p>
+          <a:p>
+            <a:r>
+              <a:rPr lang="en-US" sz="1200" dirty="0" smtClean="0">
+                <a:latin typeface="Courier New"/>
+                <a:cs typeface="Courier New"/>
+              </a:rPr>
+              <a:t>public </a:t>
+            </a:r>
+            <a:r>
+              <a:rPr lang="en-US" sz="1200" dirty="0">
+                <a:latin typeface="Courier New"/>
+                <a:cs typeface="Courier New"/>
+              </a:rPr>
+              <a:t>class </a:t>
+            </a:r>
+            <a:r>
+              <a:rPr lang="en-US" sz="1200" dirty="0" smtClean="0">
+                <a:solidFill>
+                  <a:schemeClr val="accent3"/>
+                </a:solidFill>
+                <a:latin typeface="Courier New"/>
+                <a:cs typeface="Courier New"/>
+              </a:rPr>
+              <a:t>MyClientApp</a:t>
+            </a:r>
+            <a:r>
+              <a:rPr lang="en-US" sz="1200" dirty="0" smtClean="0">
+                <a:latin typeface="Courier New"/>
+                <a:cs typeface="Courier New"/>
+              </a:rPr>
+              <a:t>{</a:t>
+            </a:r>
+            <a:endParaRPr lang="en-US" sz="1200" dirty="0" smtClean="0">
+              <a:latin typeface="Courier New"/>
+              <a:cs typeface="Courier New"/>
+            </a:endParaRPr>
+          </a:p>
+          <a:p>
+            <a:r>
+              <a:rPr lang="en-US" sz="1200" dirty="0" smtClean="0">
+                <a:latin typeface="Courier New"/>
+                <a:cs typeface="Courier New"/>
+              </a:rPr>
+              <a:t>   </a:t>
+            </a:r>
+            <a:r>
+              <a:rPr lang="en-US" sz="1200" dirty="0">
+                <a:latin typeface="Courier New"/>
+                <a:cs typeface="Courier New"/>
+              </a:rPr>
+              <a:t>public static </a:t>
+            </a:r>
+            <a:r>
+              <a:rPr lang="en-US" sz="1200" dirty="0">
+                <a:solidFill>
+                  <a:schemeClr val="accent3">
+                    <a:lumMod val="50000"/>
+                  </a:schemeClr>
+                </a:solidFill>
+                <a:latin typeface="Courier New"/>
+                <a:cs typeface="Courier New"/>
+              </a:rPr>
+              <a:t>void</a:t>
+            </a:r>
+            <a:r>
+              <a:rPr lang="en-US" sz="1200" dirty="0">
+                <a:latin typeface="Courier New"/>
+                <a:cs typeface="Courier New"/>
+              </a:rPr>
+              <a:t> main(String[] </a:t>
+            </a:r>
+            <a:r>
+              <a:rPr lang="en-US" sz="1200" dirty="0" smtClean="0">
+                <a:latin typeface="Courier New"/>
+                <a:cs typeface="Courier New"/>
+              </a:rPr>
+              <a:t>args</a:t>
+            </a:r>
+            <a:r>
+              <a:rPr lang="en-US" sz="1200" dirty="0">
+                <a:latin typeface="Courier New"/>
+                <a:cs typeface="Courier New"/>
+              </a:rPr>
+              <a:t>) </a:t>
+            </a:r>
+            <a:r>
+              <a:rPr lang="en-US" sz="1200" dirty="0" smtClean="0">
+                <a:latin typeface="Courier New"/>
+                <a:cs typeface="Courier New"/>
+              </a:rPr>
+              <a:t>{</a:t>
+            </a:r>
+          </a:p>
+          <a:p>
+            <a:r>
+              <a:rPr lang="en-US" sz="1200" dirty="0" smtClean="0">
+                <a:latin typeface="Courier New"/>
+                <a:cs typeface="Courier New"/>
+              </a:rPr>
+              <a:t>     SpringApplication.run</a:t>
+            </a:r>
+            <a:r>
+              <a:rPr lang="en-US" sz="1200" dirty="0" smtClean="0">
+                <a:latin typeface="Courier New"/>
+                <a:cs typeface="Courier New"/>
+              </a:rPr>
+              <a:t>(MyClientApp</a:t>
+            </a:r>
+            <a:r>
+              <a:rPr lang="en-US" sz="1200" dirty="0" smtClean="0">
+                <a:solidFill>
+                  <a:srgbClr val="1F6FB8"/>
+                </a:solidFill>
+                <a:latin typeface="Courier New"/>
+                <a:cs typeface="Courier New"/>
+              </a:rPr>
+              <a:t>.class</a:t>
+            </a:r>
+            <a:r>
+              <a:rPr lang="en-US" sz="1200" dirty="0" smtClean="0">
+                <a:latin typeface="Courier New"/>
+                <a:cs typeface="Courier New"/>
+              </a:rPr>
+              <a:t>, </a:t>
+            </a:r>
+            <a:r>
+              <a:rPr lang="en-US" sz="1200" dirty="0">
+                <a:latin typeface="Courier New"/>
+                <a:cs typeface="Courier New"/>
+              </a:rPr>
+              <a:t>args)</a:t>
+            </a:r>
+            <a:r>
+              <a:rPr lang="en-US" sz="1200" dirty="0" smtClean="0">
+                <a:latin typeface="Courier New"/>
+                <a:cs typeface="Courier New"/>
+              </a:rPr>
+              <a:t>;</a:t>
+            </a:r>
+          </a:p>
+          <a:p>
+            <a:r>
+              <a:rPr lang="en-US" sz="1200" dirty="0" smtClean="0">
+                <a:latin typeface="Courier New"/>
+                <a:cs typeface="Courier New"/>
+              </a:rPr>
+              <a:t>   }</a:t>
+            </a:r>
+          </a:p>
+          <a:p>
+            <a:r>
+              <a:rPr lang="en-US" sz="1200" dirty="0" smtClean="0">
+                <a:latin typeface="Courier New"/>
+                <a:cs typeface="Courier New"/>
+              </a:rPr>
+              <a:t>}</a:t>
+            </a:r>
+            <a:endParaRPr lang="en-US" sz="1200" dirty="0">
+              <a:latin typeface="Courier New"/>
+              <a:cs typeface="Courier New"/>
+            </a:endParaRPr>
+          </a:p>
+        </p:txBody>
+      </p:sp>
+      <p:sp>
+        <p:nvSpPr>
+          <p:cNvPr id="7" name="TextBox 6"/>
+          <p:cNvSpPr txBox="1"/>
+          <p:nvPr/>
+        </p:nvSpPr>
+        <p:spPr>
+          <a:xfrm>
+            <a:off x="193040" y="3017520"/>
+            <a:ext cx="5181600" cy="1384995"/>
+          </a:xfrm>
+          <a:prstGeom prst="rect">
+            <a:avLst/>
+          </a:prstGeom>
+          <a:solidFill>
+            <a:schemeClr val="bg1"/>
+          </a:solidFill>
+        </p:spPr>
+        <p:txBody>
+          <a:bodyPr wrap="square" rtlCol="0">
+            <a:spAutoFit/>
+          </a:bodyPr>
+          <a:lstStyle/>
+          <a:p>
+            <a:r>
+              <a:rPr lang="en-US" sz="1200" dirty="0">
+                <a:latin typeface="Courier New"/>
+                <a:cs typeface="Courier New"/>
+              </a:rPr>
+              <a:t> </a:t>
+            </a:r>
+            <a:r>
+              <a:rPr lang="en-US" sz="1200" dirty="0" smtClean="0">
+                <a:latin typeface="Courier New"/>
+                <a:cs typeface="Courier New"/>
+              </a:rPr>
+              <a:t>  public Portfolio </a:t>
+            </a:r>
+            <a:r>
+              <a:rPr lang="en-US" sz="1200" dirty="0" smtClean="0">
+                <a:solidFill>
+                  <a:srgbClr val="77933C"/>
+                </a:solidFill>
+                <a:latin typeface="Courier New"/>
+                <a:cs typeface="Courier New"/>
+              </a:rPr>
+              <a:t>accountLookup</a:t>
+            </a:r>
+            <a:r>
+              <a:rPr lang="en-US" sz="1200" dirty="0" smtClean="0">
+                <a:latin typeface="Courier New"/>
+                <a:cs typeface="Courier New"/>
+              </a:rPr>
+              <a:t>(</a:t>
+            </a:r>
+            <a:r>
+              <a:rPr lang="en-US" sz="1200" dirty="0">
+                <a:latin typeface="Courier New"/>
+                <a:cs typeface="Courier New"/>
+              </a:rPr>
+              <a:t>String</a:t>
+            </a:r>
+            <a:r>
+              <a:rPr lang="en-US" sz="1200" dirty="0" smtClean="0">
+                <a:latin typeface="Courier New"/>
+                <a:cs typeface="Courier New"/>
+              </a:rPr>
+              <a:t>[acctId) {</a:t>
+            </a:r>
+          </a:p>
+          <a:p>
+            <a:r>
+              <a:rPr lang="en-US" sz="1200" dirty="0">
+                <a:latin typeface="Courier New"/>
+                <a:cs typeface="Courier New"/>
+              </a:rPr>
+              <a:t> </a:t>
+            </a:r>
+            <a:r>
+              <a:rPr lang="en-US" sz="1200" dirty="0" smtClean="0">
+                <a:latin typeface="Courier New"/>
+                <a:cs typeface="Courier New"/>
+              </a:rPr>
+              <a:t>     Portfolio p = restTemplate.getForObject(</a:t>
+            </a:r>
+          </a:p>
+          <a:p>
+            <a:r>
+              <a:rPr lang="en-US" sz="1200" dirty="0">
+                <a:latin typeface="Courier New"/>
+                <a:cs typeface="Courier New"/>
+              </a:rPr>
+              <a:t>	</a:t>
+            </a:r>
+            <a:r>
+              <a:rPr lang="en-US" sz="1200" dirty="0" smtClean="0">
+                <a:latin typeface="Courier New"/>
+                <a:cs typeface="Courier New"/>
+              </a:rPr>
+              <a:t>    </a:t>
+            </a:r>
+            <a:r>
+              <a:rPr lang="en-US" sz="1200" dirty="0" smtClean="0">
+                <a:latin typeface="Courier New"/>
+                <a:cs typeface="Courier New"/>
+                <a:hlinkClick r:id="rId3"/>
+              </a:rPr>
+              <a:t>“http://portfolio-service/portfolio/{accId}</a:t>
+            </a:r>
+            <a:r>
+              <a:rPr lang="en-US" sz="1200" dirty="0" smtClean="0">
+                <a:latin typeface="Courier New"/>
+                <a:cs typeface="Courier New"/>
+              </a:rPr>
+              <a:t>”,</a:t>
+            </a:r>
+          </a:p>
+          <a:p>
+            <a:r>
+              <a:rPr lang="en-US" sz="1200" dirty="0">
+                <a:latin typeface="Courier New"/>
+                <a:cs typeface="Courier New"/>
+              </a:rPr>
+              <a:t>	 </a:t>
+            </a:r>
+            <a:r>
+              <a:rPr lang="en-US" sz="1200" dirty="0" smtClean="0">
+                <a:latin typeface="Courier New"/>
+                <a:cs typeface="Courier New"/>
+              </a:rPr>
+              <a:t>   Portfolio.class</a:t>
+            </a:r>
+          </a:p>
+          <a:p>
+            <a:r>
+              <a:rPr lang="en-US" sz="1200" dirty="0">
+                <a:latin typeface="Courier New"/>
+                <a:cs typeface="Courier New"/>
+              </a:rPr>
+              <a:t>	</a:t>
+            </a:r>
+            <a:r>
+              <a:rPr lang="en-US" sz="1200" dirty="0" smtClean="0">
+                <a:latin typeface="Courier New"/>
+                <a:cs typeface="Courier New"/>
+              </a:rPr>
+              <a:t>    acctId);</a:t>
+            </a:r>
+            <a:endParaRPr lang="en-US" sz="1200" dirty="0">
+              <a:latin typeface="Courier New"/>
+              <a:cs typeface="Courier New"/>
+            </a:endParaRPr>
+          </a:p>
+          <a:p>
+            <a:r>
+              <a:rPr lang="en-US" sz="1200" dirty="0" smtClean="0">
+                <a:latin typeface="Courier New"/>
+                <a:cs typeface="Courier New"/>
+              </a:rPr>
+              <a:t>	 return p;</a:t>
+            </a:r>
+          </a:p>
+          <a:p>
+            <a:r>
+              <a:rPr lang="en-US" sz="1200" dirty="0" smtClean="0">
+                <a:latin typeface="Courier New"/>
+                <a:cs typeface="Courier New"/>
+              </a:rPr>
+              <a:t>   }</a:t>
+            </a:r>
+            <a:endParaRPr lang="en-US" sz="1200" dirty="0">
+              <a:latin typeface="Courier New"/>
+              <a:cs typeface="Courier New"/>
+            </a:endParaRPr>
+          </a:p>
+        </p:txBody>
+      </p:sp>
+      <p:sp>
+        <p:nvSpPr>
+          <p:cNvPr id="3" name="TextBox 2"/>
+          <p:cNvSpPr txBox="1"/>
+          <p:nvPr/>
+        </p:nvSpPr>
+        <p:spPr>
+          <a:xfrm>
+            <a:off x="3159760" y="3718561"/>
+            <a:ext cx="2214880" cy="461665"/>
+          </a:xfrm>
+          <a:prstGeom prst="rect">
+            <a:avLst/>
+          </a:prstGeom>
+          <a:noFill/>
+        </p:spPr>
+        <p:txBody>
+          <a:bodyPr wrap="square" rtlCol="0">
+            <a:spAutoFit/>
+          </a:bodyPr>
+          <a:lstStyle/>
+          <a:p>
+            <a:r>
+              <a:rPr lang="en-US" sz="1200" b="1" dirty="0" smtClean="0">
+                <a:solidFill>
+                  <a:srgbClr val="FF0000"/>
+                </a:solidFill>
+                <a:latin typeface="Courier New"/>
+                <a:cs typeface="Courier New"/>
+                <a:sym typeface="Wingdings"/>
+              </a:rPr>
+              <a:t> </a:t>
+            </a:r>
+            <a:r>
+              <a:rPr lang="en-US" sz="1200" b="1" dirty="0">
+                <a:solidFill>
+                  <a:srgbClr val="FF0000"/>
+                </a:solidFill>
+                <a:latin typeface="Courier New"/>
+                <a:cs typeface="Courier New"/>
+                <a:sym typeface="Wingdings"/>
+              </a:rPr>
+              <a:t>MAGIC!!</a:t>
+            </a:r>
+            <a:endParaRPr lang="en-US" sz="1200" b="1" dirty="0">
+              <a:solidFill>
+                <a:srgbClr val="FF0000"/>
+              </a:solidFill>
+              <a:latin typeface="Courier New"/>
+              <a:cs typeface="Courier New"/>
+            </a:endParaRPr>
+          </a:p>
+          <a:p>
+            <a:endParaRPr lang="en-US" sz="1200" dirty="0">
+              <a:latin typeface="Courier New"/>
+              <a:cs typeface="Courier New"/>
+            </a:endParaRPr>
+          </a:p>
+        </p:txBody>
+      </p:sp>
+      <p:cxnSp>
+        <p:nvCxnSpPr>
+          <p:cNvPr id="5" name="Straight Arrow Connector 4"/>
+          <p:cNvCxnSpPr/>
+          <p:nvPr/>
+        </p:nvCxnSpPr>
+        <p:spPr>
+          <a:xfrm flipH="1" flipV="1">
+            <a:off x="3088640" y="3637280"/>
+            <a:ext cx="132080" cy="162560"/>
+          </a:xfrm>
+          <a:prstGeom prst="straightConnector1">
+            <a:avLst/>
+          </a:prstGeom>
+          <a:ln>
+            <a:solidFill>
+              <a:srgbClr val="FF0000"/>
+            </a:solidFill>
+            <a:tailEnd type="arrow"/>
+          </a:ln>
+        </p:spPr>
+        <p:style>
+          <a:lnRef idx="2">
+            <a:schemeClr val="accent1"/>
+          </a:lnRef>
+          <a:fillRef idx="0">
+            <a:schemeClr val="accent1"/>
+          </a:fillRef>
+          <a:effectRef idx="1">
+            <a:schemeClr val="accent1"/>
+          </a:effectRef>
+          <a:fontRef idx="minor">
+            <a:schemeClr val="tx1"/>
+          </a:fontRef>
+        </p:style>
+      </p:cxnSp>
+      <p:sp>
+        <p:nvSpPr>
+          <p:cNvPr id="11" name="TextBox 10"/>
+          <p:cNvSpPr txBox="1"/>
+          <p:nvPr/>
+        </p:nvSpPr>
+        <p:spPr>
+          <a:xfrm>
+            <a:off x="2519680" y="1280161"/>
+            <a:ext cx="2214880" cy="461665"/>
+          </a:xfrm>
+          <a:prstGeom prst="rect">
+            <a:avLst/>
+          </a:prstGeom>
+          <a:noFill/>
+        </p:spPr>
+        <p:txBody>
+          <a:bodyPr wrap="square" rtlCol="0">
+            <a:spAutoFit/>
+          </a:bodyPr>
+          <a:lstStyle/>
+          <a:p>
+            <a:r>
+              <a:rPr lang="en-US" sz="1200" b="1" dirty="0" smtClean="0">
+                <a:solidFill>
+                  <a:srgbClr val="FF0000"/>
+                </a:solidFill>
+                <a:latin typeface="Courier New"/>
+                <a:cs typeface="Courier New"/>
+                <a:sym typeface="Wingdings"/>
+              </a:rPr>
+              <a:t> </a:t>
+            </a:r>
+            <a:r>
+              <a:rPr lang="en-US" sz="1200" b="1" dirty="0">
+                <a:solidFill>
+                  <a:srgbClr val="FF0000"/>
+                </a:solidFill>
+                <a:latin typeface="Courier New"/>
+                <a:cs typeface="Courier New"/>
+                <a:sym typeface="Wingdings"/>
+              </a:rPr>
+              <a:t>MAGIC!!</a:t>
+            </a:r>
+            <a:endParaRPr lang="en-US" sz="1200" b="1" dirty="0">
+              <a:solidFill>
+                <a:srgbClr val="FF0000"/>
+              </a:solidFill>
+              <a:latin typeface="Courier New"/>
+              <a:cs typeface="Courier New"/>
+            </a:endParaRPr>
+          </a:p>
+          <a:p>
+            <a:endParaRPr lang="en-US" sz="1200" dirty="0">
+              <a:latin typeface="Courier New"/>
+              <a:cs typeface="Courier New"/>
+            </a:endParaRPr>
+          </a:p>
+        </p:txBody>
+      </p:sp>
+      <p:cxnSp>
+        <p:nvCxnSpPr>
+          <p:cNvPr id="12" name="Straight Arrow Connector 11"/>
+          <p:cNvCxnSpPr/>
+          <p:nvPr/>
+        </p:nvCxnSpPr>
+        <p:spPr>
+          <a:xfrm flipH="1">
+            <a:off x="2407920" y="1422400"/>
+            <a:ext cx="223520" cy="0"/>
+          </a:xfrm>
+          <a:prstGeom prst="straightConnector1">
+            <a:avLst/>
+          </a:prstGeom>
+          <a:ln>
+            <a:solidFill>
+              <a:srgbClr val="FF0000"/>
+            </a:solidFill>
+            <a:tailEnd type="arrow"/>
+          </a:ln>
+        </p:spPr>
+        <p:style>
+          <a:lnRef idx="2">
+            <a:schemeClr val="accent1"/>
+          </a:lnRef>
+          <a:fillRef idx="0">
+            <a:schemeClr val="accent1"/>
+          </a:fillRef>
+          <a:effectRef idx="1">
+            <a:schemeClr val="accent1"/>
+          </a:effectRef>
+          <a:fontRef idx="minor">
+            <a:schemeClr val="tx1"/>
+          </a:fontRef>
+        </p:style>
+      </p:cxnSp>
+      <p:pic>
+        <p:nvPicPr>
+          <p:cNvPr id="14" name="Picture 13"/>
+          <p:cNvPicPr>
+            <a:picLocks noChangeAspect="1"/>
+          </p:cNvPicPr>
+          <p:nvPr/>
+        </p:nvPicPr>
+        <p:blipFill>
+          <a:blip r:embed="rId4"/>
+          <a:stretch>
+            <a:fillRect/>
+          </a:stretch>
+        </p:blipFill>
+        <p:spPr>
+          <a:xfrm>
+            <a:off x="5659119" y="1989115"/>
+            <a:ext cx="3178580" cy="1810725"/>
+          </a:xfrm>
+          <a:prstGeom prst="rect">
+            <a:avLst/>
+          </a:prstGeom>
+        </p:spPr>
+      </p:pic>
+    </p:spTree>
+    <p:extLst>
+      <p:ext uri="{BB962C8B-B14F-4D97-AF65-F5344CB8AC3E}">
+        <p14:creationId xmlns:p14="http://schemas.microsoft.com/office/powerpoint/2010/main" val="742756240"/>
+      </p:ext>
+    </p:extLst>
+  </p:cSld>
+  <p:clrMapOvr>
+    <a:masterClrMapping/>
+  </p:clrMapOvr>
+  <mc:AlternateContent xmlns:mc="http://schemas.openxmlformats.org/markup-compatibility/2006" xmlns:p14="http://schemas.microsoft.com/office/powerpoint/2010/main">
+    <mc:Choice Requires="p14">
+      <p:transition spd="slow" p14:dur="2000"/>
+    </mc:Choice>
+    <mc:Fallback xmlns="">
+      <p:transition xmlns:p14="http://schemas.microsoft.com/office/powerpoint/2010/main" spd="slow"/>
+    </mc:Fallback>
+  </mc:AlternateContent>
+  <p:timing>
+    <p:tnLst>
+      <p:par>
+        <p:cTn xmlns:p14="http://schemas.microsoft.com/office/powerpoint/2010/main" id="1" dur="indefinite" restart="never" nodeType="tmRoot">
+          <p:childTnLst>
+            <p:seq concurrent="1" nextAc="seek">
+              <p:cTn id="2" dur="indefinite" nodeType="mainSeq">
+                <p:childTnLst>
+                  <p:par>
+                    <p:cTn id="3" fill="hold">
+                      <p:stCondLst>
+                        <p:cond delay="indefinite"/>
+                      </p:stCondLst>
+                      <p:childTnLst>
+                        <p:par>
+                          <p:cTn id="4" fill="hold">
+                            <p:stCondLst>
+                              <p:cond delay="0"/>
+                            </p:stCondLst>
+                            <p:childTnLst>
+                              <p:par>
+                                <p:cTn id="5" presetID="1" presetClass="entr" presetSubtype="0" fill="hold" grpId="0" nodeType="clickEffect">
+                                  <p:stCondLst>
+                                    <p:cond delay="0"/>
+                                  </p:stCondLst>
+                                  <p:childTnLst>
+                                    <p:set>
+                                      <p:cBhvr>
+                                        <p:cTn id="6" dur="1" fill="hold">
+                                          <p:stCondLst>
+                                            <p:cond delay="0"/>
+                                          </p:stCondLst>
+                                        </p:cTn>
+                                        <p:tgtEl>
+                                          <p:spTgt spid="11"/>
+                                        </p:tgtEl>
+                                        <p:attrNameLst>
+                                          <p:attrName>style.visibility</p:attrName>
+                                        </p:attrNameLst>
+                                      </p:cBhvr>
+                                      <p:to>
+                                        <p:strVal val="visible"/>
+                                      </p:to>
+                                    </p:set>
+                                  </p:childTnLst>
+                                </p:cTn>
+                              </p:par>
+                              <p:par>
+                                <p:cTn id="7" presetID="1" presetClass="entr" presetSubtype="0" fill="hold" nodeType="withEffect">
+                                  <p:stCondLst>
+                                    <p:cond delay="0"/>
+                                  </p:stCondLst>
+                                  <p:childTnLst>
+                                    <p:set>
+                                      <p:cBhvr>
+                                        <p:cTn id="8" dur="1" fill="hold">
+                                          <p:stCondLst>
+                                            <p:cond delay="0"/>
+                                          </p:stCondLst>
+                                        </p:cTn>
+                                        <p:tgtEl>
+                                          <p:spTgt spid="12"/>
+                                        </p:tgtEl>
+                                        <p:attrNameLst>
+                                          <p:attrName>style.visibility</p:attrName>
+                                        </p:attrNameLst>
+                                      </p:cBhvr>
+                                      <p:to>
+                                        <p:strVal val="visible"/>
+                                      </p:to>
+                                    </p:set>
+                                  </p:childTnLst>
+                                </p:cTn>
+                              </p:par>
+                              <p:par>
+                                <p:cTn id="9" presetID="1" presetClass="entr" presetSubtype="0" fill="hold" nodeType="withEffect">
+                                  <p:stCondLst>
+                                    <p:cond delay="0"/>
+                                  </p:stCondLst>
+                                  <p:childTnLst>
+                                    <p:set>
+                                      <p:cBhvr>
+                                        <p:cTn id="10" dur="1" fill="hold">
+                                          <p:stCondLst>
+                                            <p:cond delay="0"/>
+                                          </p:stCondLst>
+                                        </p:cTn>
+                                        <p:tgtEl>
+                                          <p:spTgt spid="5"/>
+                                        </p:tgtEl>
+                                        <p:attrNameLst>
+                                          <p:attrName>style.visibility</p:attrName>
+                                        </p:attrNameLst>
+                                      </p:cBhvr>
+                                      <p:to>
+                                        <p:strVal val="visible"/>
+                                      </p:to>
+                                    </p:set>
+                                  </p:childTnLst>
+                                </p:cTn>
+                              </p:par>
+                              <p:par>
+                                <p:cTn id="11" presetID="1" presetClass="entr" presetSubtype="0" fill="hold" grpId="0" nodeType="withEffect">
+                                  <p:stCondLst>
+                                    <p:cond delay="0"/>
+                                  </p:stCondLst>
+                                  <p:childTnLst>
+                                    <p:set>
+                                      <p:cBhvr>
+                                        <p:cTn id="12" dur="1" fill="hold">
+                                          <p:stCondLst>
+                                            <p:cond delay="0"/>
+                                          </p:stCondLst>
+                                        </p:cTn>
+                                        <p:tgtEl>
+                                          <p:spTgt spid="3"/>
+                                        </p:tgtEl>
+                                        <p:attrNameLst>
+                                          <p:attrName>style.visibility</p:attrName>
+                                        </p:attrNameLst>
+                                      </p:cBhvr>
+                                      <p:to>
+                                        <p:strVal val="visible"/>
+                                      </p:to>
+                                    </p:set>
+                                  </p:childTnLst>
+                                </p:cTn>
+                              </p:par>
+                            </p:childTnLst>
+                          </p:cTn>
+                        </p:par>
+                      </p:childTnLst>
+                    </p:cTn>
+                  </p:par>
+                </p:childTnLst>
+              </p:cTn>
+              <p:prevCondLst>
+                <p:cond evt="onPrev" delay="0">
+                  <p:tgtEl>
+                    <p:sldTgt/>
+                  </p:tgtEl>
+                </p:cond>
+              </p:prevCondLst>
+              <p:nextCondLst>
+                <p:cond evt="onNext" delay="0">
+                  <p:tgtEl>
+                    <p:sldTgt/>
+                  </p:tgtEl>
+                </p:cond>
+              </p:nextCondLst>
+            </p:seq>
+          </p:childTnLst>
+        </p:cTn>
+      </p:par>
+    </p:tnLst>
+    <p:bldLst>
+      <p:bldP spid="3" grpId="0"/>
+      <p:bldP spid="11" grpId="0"/>
+    </p:bldLst>
+  </p:timing>
+</p:sld>
+</file>
+
+<file path=ppt/slides/slide7.xml><?xml version="1.0" encoding="utf-8"?>
+<p:sld xmlns:a="http://schemas.openxmlformats.org/drawingml/2006/main" xmlns:r="http://schemas.openxmlformats.org/officeDocument/2006/relationships" xmlns:p="http://schemas.openxmlformats.org/presentationml/2006/main">
+  <p:cSld>
+    <p:spTree>
+      <p:nvGrpSpPr>
+        <p:cNvPr id="1" name=""/>
+        <p:cNvGrpSpPr/>
+        <p:nvPr/>
+      </p:nvGrpSpPr>
+      <p:grpSpPr>
+        <a:xfrm>
+          <a:off x="0" y="0"/>
+          <a:ext cx="0" cy="0"/>
+          <a:chOff x="0" y="0"/>
+          <a:chExt cx="0" cy="0"/>
+        </a:xfrm>
+      </p:grpSpPr>
+      <p:sp>
+        <p:nvSpPr>
+          <p:cNvPr id="2" name="Title 1"/>
+          <p:cNvSpPr>
+            <a:spLocks noGrp="1"/>
+          </p:cNvSpPr>
+          <p:nvPr>
+            <p:ph type="title"/>
+          </p:nvPr>
+        </p:nvSpPr>
+        <p:spPr>
+          <a:xfrm>
+            <a:off x="35559" y="320040"/>
+            <a:ext cx="9052561" cy="363558"/>
+          </a:xfrm>
+        </p:spPr>
+        <p:txBody>
+          <a:bodyPr/>
+          <a:lstStyle/>
+          <a:p>
+            <a:r>
+              <a:rPr lang="en-US" dirty="0" smtClean="0"/>
+              <a:t>Spring Cloud Services: </a:t>
+            </a:r>
+            <a:r>
+              <a:rPr lang="en-US" dirty="0" smtClean="0"/>
+              <a:t>Service Registry</a:t>
+            </a:r>
+            <a:endParaRPr lang="en-US" dirty="0">
+              <a:solidFill>
+                <a:srgbClr val="138A7E"/>
+              </a:solidFill>
+            </a:endParaRPr>
+          </a:p>
+        </p:txBody>
+      </p:sp>
+      <p:sp>
+        <p:nvSpPr>
+          <p:cNvPr id="5" name="TextBox 4"/>
+          <p:cNvSpPr txBox="1"/>
+          <p:nvPr/>
+        </p:nvSpPr>
+        <p:spPr>
+          <a:xfrm>
+            <a:off x="325120" y="1209040"/>
+            <a:ext cx="3434080" cy="2308324"/>
+          </a:xfrm>
+          <a:prstGeom prst="rect">
+            <a:avLst/>
+          </a:prstGeom>
+          <a:noFill/>
+        </p:spPr>
+        <p:txBody>
+          <a:bodyPr wrap="square" rtlCol="0">
+            <a:spAutoFit/>
+          </a:bodyPr>
+          <a:lstStyle/>
+          <a:p>
+            <a:pPr marL="285750" lvl="0" indent="-285750" fontAlgn="base">
+              <a:buFont typeface="Arial"/>
+              <a:buChar char="•"/>
+            </a:pPr>
+            <a:r>
+              <a:rPr lang="en-US" dirty="0" smtClean="0">
+                <a:solidFill>
+                  <a:srgbClr val="FFFFFF"/>
+                </a:solidFill>
+              </a:rPr>
+              <a:t>Automated deployment of server </a:t>
+            </a:r>
+            <a:r>
+              <a:rPr lang="en-US" dirty="0" smtClean="0">
+                <a:solidFill>
+                  <a:srgbClr val="FFFFFF"/>
+                </a:solidFill>
+              </a:rPr>
+              <a:t>component</a:t>
+            </a:r>
+            <a:br>
+              <a:rPr lang="en-US" dirty="0" smtClean="0">
+                <a:solidFill>
+                  <a:srgbClr val="FFFFFF"/>
+                </a:solidFill>
+              </a:rPr>
+            </a:br>
+            <a:endParaRPr lang="en-US" dirty="0">
+              <a:solidFill>
+                <a:srgbClr val="FFFFFF"/>
+              </a:solidFill>
+            </a:endParaRPr>
+          </a:p>
+          <a:p>
+            <a:pPr marL="285750" lvl="0" indent="-285750" fontAlgn="base">
+              <a:buFont typeface="Arial"/>
+              <a:buChar char="•"/>
+            </a:pPr>
+            <a:r>
+              <a:rPr lang="en-US" dirty="0" smtClean="0">
+                <a:solidFill>
+                  <a:srgbClr val="FFFFFF"/>
+                </a:solidFill>
+              </a:rPr>
+              <a:t>Security-optimized Eureka service instance.</a:t>
+            </a:r>
+          </a:p>
+          <a:p>
+            <a:pPr marL="285750" lvl="0" indent="-285750" fontAlgn="base">
+              <a:buFont typeface="Arial"/>
+              <a:buChar char="•"/>
+            </a:pPr>
+            <a:endParaRPr lang="en-US" dirty="0">
+              <a:solidFill>
+                <a:srgbClr val="FFFFFF"/>
+              </a:solidFill>
+            </a:endParaRPr>
+          </a:p>
+          <a:p>
+            <a:pPr marL="285750" lvl="0" indent="-285750" fontAlgn="base">
+              <a:buFont typeface="Arial"/>
+              <a:buChar char="•"/>
+            </a:pPr>
+            <a:r>
+              <a:rPr lang="en-US" dirty="0" smtClean="0">
+                <a:solidFill>
+                  <a:srgbClr val="FFFFFF"/>
+                </a:solidFill>
+              </a:rPr>
+              <a:t>Bind into CF </a:t>
+            </a:r>
+            <a:r>
+              <a:rPr lang="en-US" dirty="0" smtClean="0">
+                <a:solidFill>
+                  <a:srgbClr val="FFFFFF"/>
+                </a:solidFill>
+              </a:rPr>
+              <a:t>client application(s)</a:t>
+            </a:r>
+            <a:endParaRPr lang="en-US" dirty="0" smtClean="0">
+              <a:solidFill>
+                <a:srgbClr val="FFFFFF"/>
+              </a:solidFill>
+            </a:endParaRPr>
+          </a:p>
+        </p:txBody>
+      </p:sp>
+      <p:pic>
+        <p:nvPicPr>
+          <p:cNvPr id="4" name="Picture 3"/>
+          <p:cNvPicPr>
+            <a:picLocks noChangeAspect="1"/>
+          </p:cNvPicPr>
+          <p:nvPr/>
+        </p:nvPicPr>
+        <p:blipFill>
+          <a:blip r:embed="rId3"/>
+          <a:stretch>
+            <a:fillRect/>
+          </a:stretch>
+        </p:blipFill>
+        <p:spPr>
+          <a:xfrm>
+            <a:off x="3711203" y="952377"/>
+            <a:ext cx="5113493" cy="3599303"/>
+          </a:xfrm>
+          <a:prstGeom prst="rect">
+            <a:avLst/>
+          </a:prstGeom>
+        </p:spPr>
+      </p:pic>
+    </p:spTree>
+    <p:extLst>
+      <p:ext uri="{BB962C8B-B14F-4D97-AF65-F5344CB8AC3E}">
+        <p14:creationId xmlns:p14="http://schemas.microsoft.com/office/powerpoint/2010/main" val="3584806669"/>
+      </p:ext>
+    </p:extLst>
+  </p:cSld>
+  <p:clrMapOvr>
+    <a:masterClrMapping/>
+  </p:clrMapOvr>
+  <mc:AlternateContent xmlns:mc="http://schemas.openxmlformats.org/markup-compatibility/2006" xmlns:p14="http://schemas.microsoft.com/office/powerpoint/2010/main">
+    <mc:Choice Requires="p14">
+      <p:transition spd="slow" p14:dur="2000"/>
+    </mc:Choice>
+    <mc:Fallback xmlns="">
+      <p:transition xmlns:p14="http://schemas.microsoft.com/office/powerpoint/2010/main" spd="slow"/>
+    </mc:Fallback>
+  </mc:AlternateContent>
+  <p:timing>
+    <p:tnLst>
+      <p:par>
+        <p:cTn xmlns:p14="http://schemas.microsoft.com/office/powerpoint/2010/main" id="1" dur="indefinite" restart="never" nodeType="tmRoot"/>
+      </p:par>
+    </p:tnLst>
+  </p:timing>
+</p:sld>
+</file>
+
+<file path=ppt/slides/slide8.xml><?xml version="1.0" encoding="utf-8"?>
+<p:sld xmlns:a="http://schemas.openxmlformats.org/drawingml/2006/main" xmlns:r="http://schemas.openxmlformats.org/officeDocument/2006/relationships" xmlns:p="http://schemas.openxmlformats.org/presentationml/2006/main">
+  <p:cSld>
+    <p:spTree>
+      <p:nvGrpSpPr>
+        <p:cNvPr id="1" name=""/>
+        <p:cNvGrpSpPr/>
+        <p:nvPr/>
+      </p:nvGrpSpPr>
+      <p:grpSpPr>
+        <a:xfrm>
+          <a:off x="0" y="0"/>
+          <a:ext cx="0" cy="0"/>
+          <a:chOff x="0" y="0"/>
+          <a:chExt cx="0" cy="0"/>
+        </a:xfrm>
+      </p:grpSpPr>
+      <p:sp>
+        <p:nvSpPr>
+          <p:cNvPr id="2" name="Title 1"/>
+          <p:cNvSpPr>
+            <a:spLocks noGrp="1"/>
+          </p:cNvSpPr>
+          <p:nvPr>
+            <p:ph type="title"/>
+          </p:nvPr>
+        </p:nvSpPr>
+        <p:spPr/>
+        <p:txBody>
+          <a:bodyPr/>
+          <a:lstStyle/>
+          <a:p>
+            <a:r>
+              <a:rPr lang="en-US" dirty="0" smtClean="0"/>
+              <a:t>Spring Cloud: Client-side Load Balancing</a:t>
+            </a:r>
+            <a:endParaRPr lang="en-US" dirty="0"/>
+          </a:p>
+        </p:txBody>
+      </p:sp>
+      <p:sp>
+        <p:nvSpPr>
+          <p:cNvPr id="3" name="Content Placeholder 2"/>
+          <p:cNvSpPr>
+            <a:spLocks noGrp="1"/>
+          </p:cNvSpPr>
+          <p:nvPr>
+            <p:ph sz="quarter" idx="10"/>
+          </p:nvPr>
+        </p:nvSpPr>
+        <p:spPr/>
+        <p:txBody>
+          <a:bodyPr/>
+          <a:lstStyle/>
+          <a:p>
+            <a:r>
+              <a:rPr lang="en-US" sz="1800" b="1" dirty="0" smtClean="0"/>
+              <a:t>Eureka </a:t>
+            </a:r>
+            <a:r>
+              <a:rPr lang="en-US" sz="1800" b="1" i="1" u="sng" dirty="0" smtClean="0"/>
+              <a:t>only</a:t>
+            </a:r>
+            <a:r>
+              <a:rPr lang="en-US" sz="1800" b="1" dirty="0" smtClean="0"/>
+              <a:t> provides registry + discovery</a:t>
+            </a:r>
+            <a:br>
+              <a:rPr lang="en-US" sz="1800" b="1" dirty="0" smtClean="0"/>
+            </a:br>
+            <a:endParaRPr lang="en-US" sz="1800" b="1" dirty="0" smtClean="0"/>
+          </a:p>
+          <a:p>
+            <a:r>
+              <a:rPr lang="en-US" sz="1800" b="1" dirty="0" smtClean="0"/>
+              <a:t>Ribbon </a:t>
+            </a:r>
+            <a:r>
+              <a:rPr lang="en-US" sz="1800" b="1" dirty="0"/>
+              <a:t>is a </a:t>
+            </a:r>
+            <a:r>
+              <a:rPr lang="en-US" sz="1800" b="1" i="1" u="sng" dirty="0"/>
+              <a:t>client side </a:t>
+            </a:r>
+            <a:r>
+              <a:rPr lang="en-US" sz="1800" b="1" i="1" u="sng" dirty="0" smtClean="0"/>
+              <a:t>LB </a:t>
+            </a:r>
+            <a:r>
+              <a:rPr lang="en-US" sz="1800" b="1" dirty="0" smtClean="0"/>
+              <a:t>providing </a:t>
+            </a:r>
+            <a:r>
+              <a:rPr lang="en-US" sz="1800" b="1" dirty="0"/>
+              <a:t>control over the </a:t>
+            </a:r>
+            <a:r>
+              <a:rPr lang="en-US" sz="1800" b="1" dirty="0" smtClean="0"/>
+              <a:t>behavior </a:t>
+            </a:r>
+            <a:r>
+              <a:rPr lang="en-US" sz="1800" b="1" dirty="0"/>
+              <a:t>of HTTP and TCP </a:t>
+            </a:r>
+            <a:r>
+              <a:rPr lang="en-US" sz="1800" b="1" dirty="0" smtClean="0"/>
+              <a:t>clients</a:t>
+            </a:r>
+          </a:p>
+          <a:p>
+            <a:pPr lvl="1"/>
+            <a:r>
+              <a:rPr lang="en-US" sz="1400" dirty="0" smtClean="0"/>
+              <a:t>Pick right LB algorithm for client application + extensible algorithms</a:t>
+            </a:r>
+          </a:p>
+          <a:p>
+            <a:pPr lvl="1"/>
+            <a:r>
+              <a:rPr lang="en-US" sz="1400" dirty="0" smtClean="0"/>
+              <a:t>At least 1 less hop for client requests</a:t>
+            </a:r>
+          </a:p>
+          <a:p>
+            <a:pPr lvl="1"/>
+            <a:r>
+              <a:rPr lang="en-US" sz="1400" dirty="0" smtClean="0"/>
+              <a:t>Cloud-aware patterns (zones, circuit breakers, etc.)</a:t>
+            </a:r>
+          </a:p>
+          <a:p>
+            <a:pPr lvl="1"/>
+            <a:r>
+              <a:rPr lang="en-US" sz="1400" dirty="0" smtClean="0"/>
+              <a:t>No additional setup, just deploy apps</a:t>
+            </a:r>
+            <a:endParaRPr lang="en-US" sz="1800" dirty="0"/>
+          </a:p>
+          <a:p>
+            <a:endParaRPr lang="is-IS" sz="1800" dirty="0" smtClean="0"/>
+          </a:p>
+          <a:p>
+            <a:r>
+              <a:rPr lang="is-IS" sz="1800" b="1" dirty="0" smtClean="0"/>
+              <a:t>Zuul is JVM-based router and proxy commonly paired with Ribbon to create API gateways and reverse proxies</a:t>
+            </a:r>
+          </a:p>
+        </p:txBody>
+      </p:sp>
+    </p:spTree>
+    <p:extLst>
+      <p:ext uri="{BB962C8B-B14F-4D97-AF65-F5344CB8AC3E}">
+        <p14:creationId xmlns:p14="http://schemas.microsoft.com/office/powerpoint/2010/main" val="1208915741"/>
+      </p:ext>
+    </p:extLst>
+  </p:cSld>
+  <p:clrMapOvr>
+    <a:masterClrMapping/>
+  </p:clrMapOvr>
+  <p:timing>
+    <p:tnLst>
+      <p:par>
+        <p:cTn xmlns:p14="http://schemas.microsoft.com/office/powerpoint/2010/main" id="1" dur="indefinite" restart="never" nodeType="tmRoot"/>
+      </p:par>
+    </p:tnLst>
+  </p:timing>
+</p:sld>
+</file>
+
+<file path=ppt/slides/slide9.xml><?xml version="1.0" encoding="utf-8"?>
+<p:sld xmlns:a="http://schemas.openxmlformats.org/drawingml/2006/main" xmlns:r="http://schemas.openxmlformats.org/officeDocument/2006/relationships" xmlns:p="http://schemas.openxmlformats.org/presentationml/2006/main">
+  <p:cSld>
+    <p:spTree>
+      <p:nvGrpSpPr>
+        <p:cNvPr id="1" name=""/>
+        <p:cNvGrpSpPr/>
+        <p:nvPr/>
+      </p:nvGrpSpPr>
+      <p:grpSpPr>
+        <a:xfrm>
+          <a:off x="0" y="0"/>
+          <a:ext cx="0" cy="0"/>
+          <a:chOff x="0" y="0"/>
+          <a:chExt cx="0" cy="0"/>
+        </a:xfrm>
+      </p:grpSpPr>
+      <p:sp>
+        <p:nvSpPr>
+          <p:cNvPr id="2" name="Title 1"/>
+          <p:cNvSpPr>
+            <a:spLocks noGrp="1"/>
+          </p:cNvSpPr>
+          <p:nvPr>
+            <p:ph type="title"/>
+          </p:nvPr>
+        </p:nvSpPr>
+        <p:spPr/>
+        <p:txBody>
+          <a:bodyPr/>
+          <a:lstStyle/>
+          <a:p>
+            <a:r>
+              <a:rPr lang="en-US" dirty="0" smtClean="0"/>
+              <a:t>Microservice API Gateways</a:t>
+            </a:r>
+            <a:endParaRPr lang="en-US" dirty="0"/>
+          </a:p>
+        </p:txBody>
+      </p:sp>
+      <p:pic>
+        <p:nvPicPr>
+          <p:cNvPr id="6" name="Picture 5"/>
+          <p:cNvPicPr>
+            <a:picLocks noChangeAspect="1"/>
+          </p:cNvPicPr>
+          <p:nvPr/>
+        </p:nvPicPr>
+        <p:blipFill>
+          <a:blip r:embed="rId3"/>
+          <a:stretch>
+            <a:fillRect/>
+          </a:stretch>
+        </p:blipFill>
+        <p:spPr>
+          <a:xfrm>
+            <a:off x="4389120" y="1052830"/>
+            <a:ext cx="4627880" cy="3470910"/>
+          </a:xfrm>
+          <a:prstGeom prst="rect">
+            <a:avLst/>
+          </a:prstGeom>
+        </p:spPr>
+      </p:pic>
+      <p:sp>
+        <p:nvSpPr>
+          <p:cNvPr id="7" name="Content Placeholder 2"/>
+          <p:cNvSpPr>
+            <a:spLocks noGrp="1"/>
+          </p:cNvSpPr>
+          <p:nvPr>
+            <p:ph sz="quarter" idx="10"/>
+          </p:nvPr>
+        </p:nvSpPr>
+        <p:spPr>
+          <a:xfrm>
+            <a:off x="457200" y="1108074"/>
+            <a:ext cx="8229600" cy="3082925"/>
+          </a:xfrm>
+        </p:spPr>
+        <p:txBody>
+          <a:bodyPr/>
+          <a:lstStyle/>
+          <a:p>
+            <a:pPr marL="0" indent="0">
+              <a:buNone/>
+            </a:pPr>
+            <a:r>
+              <a:rPr lang="en-US" sz="1800" dirty="0" smtClean="0">
+                <a:solidFill>
+                  <a:srgbClr val="FFFFFF"/>
+                </a:solidFill>
+              </a:rPr>
+              <a:t>Netflix uses Zuul</a:t>
+            </a:r>
+            <a:r>
+              <a:rPr lang="en-US" sz="1800" dirty="0">
+                <a:solidFill>
+                  <a:srgbClr val="FFFFFF"/>
+                </a:solidFill>
+              </a:rPr>
+              <a:t> </a:t>
+            </a:r>
+            <a:r>
+              <a:rPr lang="en-US" sz="1800" dirty="0" smtClean="0">
+                <a:solidFill>
+                  <a:srgbClr val="FFFFFF"/>
+                </a:solidFill>
+              </a:rPr>
+              <a:t>and Ribbon for</a:t>
+            </a:r>
+            <a:endParaRPr lang="en-US" sz="1800" dirty="0" smtClean="0">
+              <a:solidFill>
+                <a:srgbClr val="FFFFFF"/>
+              </a:solidFill>
+              <a:hlinkClick r:id="rId4"/>
+            </a:endParaRPr>
+          </a:p>
+          <a:p>
+            <a:pPr lvl="0"/>
+            <a:r>
+              <a:rPr lang="en-US" sz="1800" dirty="0" smtClean="0"/>
+              <a:t>Authentication</a:t>
+            </a:r>
+            <a:endParaRPr lang="en-US" sz="1800" dirty="0"/>
+          </a:p>
+          <a:p>
+            <a:pPr lvl="0"/>
+            <a:r>
+              <a:rPr lang="en-US" sz="1800" dirty="0" smtClean="0"/>
+              <a:t>Stress </a:t>
+            </a:r>
+            <a:r>
+              <a:rPr lang="en-US" sz="1800" dirty="0"/>
+              <a:t>Testing</a:t>
+            </a:r>
+          </a:p>
+          <a:p>
+            <a:pPr lvl="0"/>
+            <a:r>
+              <a:rPr lang="en-US" sz="1800" dirty="0"/>
+              <a:t>Canary Testing</a:t>
+            </a:r>
+          </a:p>
+          <a:p>
+            <a:pPr lvl="0"/>
+            <a:r>
+              <a:rPr lang="en-US" sz="1800" dirty="0"/>
+              <a:t>Dynamic Routing</a:t>
+            </a:r>
+          </a:p>
+          <a:p>
+            <a:pPr lvl="0"/>
+            <a:r>
+              <a:rPr lang="en-US" sz="1800" dirty="0"/>
+              <a:t>Service Migration</a:t>
+            </a:r>
+          </a:p>
+          <a:p>
+            <a:pPr lvl="0"/>
+            <a:r>
+              <a:rPr lang="en-US" sz="1800" dirty="0"/>
+              <a:t>Load Shedding</a:t>
+            </a:r>
+          </a:p>
+          <a:p>
+            <a:pPr lvl="0"/>
+            <a:r>
+              <a:rPr lang="en-US" sz="1800" dirty="0"/>
+              <a:t>Security</a:t>
+            </a:r>
+          </a:p>
+          <a:p>
+            <a:pPr lvl="0"/>
+            <a:r>
+              <a:rPr lang="en-US" sz="1800" dirty="0"/>
+              <a:t>Static Response handling</a:t>
+            </a:r>
+          </a:p>
+          <a:p>
+            <a:pPr lvl="0"/>
+            <a:r>
+              <a:rPr lang="en-US" sz="1800" dirty="0"/>
+              <a:t>Active/Active </a:t>
+            </a:r>
+            <a:r>
+              <a:rPr lang="en-US" sz="1800" dirty="0" smtClean="0"/>
+              <a:t>management</a:t>
+            </a:r>
+            <a:endParaRPr lang="en-US" sz="1800" dirty="0"/>
+          </a:p>
+        </p:txBody>
+      </p:sp>
+    </p:spTree>
+    <p:extLst>
+      <p:ext uri="{BB962C8B-B14F-4D97-AF65-F5344CB8AC3E}">
+        <p14:creationId xmlns:p14="http://schemas.microsoft.com/office/powerpoint/2010/main" val="2707292111"/>
+      </p:ext>
+    </p:extLst>
+  </p:cSld>
+  <p:clrMapOvr>
+    <a:masterClrMapping/>
+  </p:clrMapOvr>
   <p:timing>
     <p:tnLst>
       <p:par>

--- a/presentations/Session_7_SC_Discovery_LB.pptx
+++ b/presentations/Session_7_SC_Discovery_LB.pptx
@@ -231,7 +231,7 @@
           <a:p>
             <a:fld id="{372E5B6B-8713-8747-AE5B-F1241B2BF5F0}" type="datetimeFigureOut">
               <a:rPr lang="en-US" smtClean="0"/>
-              <a:t>4/5/16</a:t>
+              <a:t>4/6/16</a:t>
             </a:fld>
             <a:endParaRPr lang="en-US"/>
           </a:p>
@@ -397,7 +397,7 @@
           <a:p>
             <a:fld id="{7E7B7340-DDD5-1B49-81AA-25BC4050C073}" type="datetimeFigureOut">
               <a:rPr lang="en-US" smtClean="0"/>
-              <a:t>4/5/16</a:t>
+              <a:t>4/6/16</a:t>
             </a:fld>
             <a:endParaRPr lang="en-US"/>
           </a:p>
@@ -9869,10 +9869,6 @@
               </a:rPr>
               <a:t>   </a:t>
             </a:r>
-            <a:endParaRPr lang="en-US" sz="1100" dirty="0" smtClean="0">
-              <a:latin typeface="Courier New"/>
-              <a:cs typeface="Courier New"/>
-            </a:endParaRPr>
           </a:p>
           <a:p>
             <a:r>
@@ -10090,14 +10086,7 @@
                 <a:latin typeface="Courier New"/>
                 <a:cs typeface="Courier New"/>
               </a:rPr>
-              <a:t>serviceId: users_service </a:t>
-            </a:r>
-            <a:r>
-              <a:rPr lang="en-US" sz="1200" dirty="0">
-                <a:latin typeface="Courier New"/>
-                <a:cs typeface="Courier New"/>
-              </a:rPr>
-              <a:t> </a:t>
+              <a:t>serviceId: users_service  </a:t>
             </a:r>
           </a:p>
         </p:txBody>
@@ -10282,11 +10271,7 @@
             </a:r>
             <a:r>
               <a:rPr lang="en-US" sz="1800" b="1" dirty="0"/>
-              <a:t>are executed in a </a:t>
-            </a:r>
-            <a:r>
-              <a:rPr lang="en-US" sz="1800" b="1" dirty="0"/>
-              <a:t>H</a:t>
+              <a:t>are executed in a H</a:t>
             </a:r>
             <a:r>
               <a:rPr lang="en-US" sz="1800" b="1" dirty="0" smtClean="0"/>
@@ -10348,78 +10333,6 @@
                                           </p:stCondLst>
                                         </p:cTn>
                                         <p:tgtEl>
-                                          <p:spTgt spid="12"/>
-                                        </p:tgtEl>
-                                        <p:attrNameLst>
-                                          <p:attrName>style.visibility</p:attrName>
-                                        </p:attrNameLst>
-                                      </p:cBhvr>
-                                      <p:to>
-                                        <p:strVal val="visible"/>
-                                      </p:to>
-                                    </p:set>
-                                  </p:childTnLst>
-                                </p:cTn>
-                              </p:par>
-                              <p:par>
-                                <p:cTn id="7" presetID="1" presetClass="entr" presetSubtype="0" fill="hold" grpId="0" nodeType="withEffect">
-                                  <p:stCondLst>
-                                    <p:cond delay="0"/>
-                                  </p:stCondLst>
-                                  <p:childTnLst>
-                                    <p:set>
-                                      <p:cBhvr>
-                                        <p:cTn id="8" dur="1" fill="hold">
-                                          <p:stCondLst>
-                                            <p:cond delay="0"/>
-                                          </p:stCondLst>
-                                        </p:cTn>
-                                        <p:tgtEl>
-                                          <p:spTgt spid="11"/>
-                                        </p:tgtEl>
-                                        <p:attrNameLst>
-                                          <p:attrName>style.visibility</p:attrName>
-                                        </p:attrNameLst>
-                                      </p:cBhvr>
-                                      <p:to>
-                                        <p:strVal val="visible"/>
-                                      </p:to>
-                                    </p:set>
-                                  </p:childTnLst>
-                                </p:cTn>
-                              </p:par>
-                            </p:childTnLst>
-                          </p:cTn>
-                        </p:par>
-                      </p:childTnLst>
-                    </p:cTn>
-                  </p:par>
-                  <p:par>
-                    <p:cTn id="9" fill="hold">
-                      <p:stCondLst>
-                        <p:cond delay="indefinite"/>
-                      </p:stCondLst>
-                      <p:childTnLst>
-                        <p:par>
-                          <p:cTn id="10" fill="hold">
-                            <p:stCondLst>
-                              <p:cond delay="0"/>
-                            </p:stCondLst>
-                            <p:childTnLst>
-                              <p:par>
-                                <p:cTn id="11" presetID="1" presetClass="entr" presetSubtype="0" fill="hold" grpId="0" nodeType="clickEffect">
-                                  <p:stCondLst>
-                                    <p:cond delay="0"/>
-                                  </p:stCondLst>
-                                  <p:childTnLst>
-                                    <p:set>
-                                      <p:cBhvr>
-                                        <p:cTn id="12" dur="1" fill="hold">
-                                          <p:stCondLst>
-                                            <p:cond delay="0"/>
-                                          </p:stCondLst>
-                                        </p:cTn>
-                                        <p:tgtEl>
                                           <p:spTgt spid="6"/>
                                         </p:tgtEl>
                                         <p:attrNameLst>
@@ -10434,14 +10347,14 @@
                                 </p:cTn>
                               </p:par>
                               <p:par>
-                                <p:cTn id="13" presetID="1" presetClass="entr" presetSubtype="0" fill="hold" nodeType="withEffect">
+                                <p:cTn id="7" presetID="1" presetClass="entr" presetSubtype="0" fill="hold" nodeType="withEffect">
                                   <p:stCondLst>
                                     <p:cond delay="0"/>
                                   </p:stCondLst>
                                   <p:childTnLst>
                                     <p:set>
                                       <p:cBhvr>
-                                        <p:cTn id="14" dur="1" fill="hold">
+                                        <p:cTn id="8" dur="1" fill="hold">
                                           <p:stCondLst>
                                             <p:cond delay="0"/>
                                           </p:stCondLst>
@@ -10488,8 +10401,6 @@
       </p:par>
     </p:tnLst>
     <p:bldLst>
-      <p:bldP spid="11" grpId="0" animBg="1"/>
-      <p:bldP spid="12" grpId="0"/>
       <p:bldP spid="6" grpId="0"/>
     </p:bldLst>
   </p:timing>
@@ -11226,15 +11137,7 @@
             <a:pPr lvl="0" fontAlgn="base"/>
             <a:r>
               <a:rPr lang="en-US" sz="1800" b="1" dirty="0" smtClean="0"/>
-              <a:t>Registry server collects heartbeats, maintains registry of available services/instances, exchanges registries with loca</a:t>
-            </a:r>
-            <a:r>
-              <a:rPr lang="en-US" sz="1800" b="1" dirty="0" smtClean="0"/>
-              <a:t>l peers + </a:t>
-            </a:r>
-            <a:r>
-              <a:rPr lang="en-US" sz="1800" b="1" dirty="0" smtClean="0"/>
-              <a:t>other “zones”</a:t>
+              <a:t>Registry server collects heartbeats, maintains registry of available services/instances, exchanges registries with local peers + other “zones”</a:t>
             </a:r>
           </a:p>
           <a:p>
@@ -11834,7 +11737,6 @@
                 <a:rPr lang="en-US" sz="1400" dirty="0"/>
                 <a:t>Service Registry</a:t>
               </a:r>
-              <a:endParaRPr lang="en-US" sz="1400" dirty="0"/>
             </a:p>
           </p:txBody>
         </p:sp>
@@ -13367,17 +13269,7 @@
                 <a:latin typeface="Courier New"/>
                 <a:cs typeface="Courier New"/>
               </a:rPr>
-              <a:t>@</a:t>
-            </a:r>
-            <a:r>
-              <a:rPr lang="en-US" sz="1200" b="1" dirty="0" smtClean="0">
-                <a:solidFill>
-                  <a:srgbClr val="008774"/>
-                </a:solidFill>
-                <a:latin typeface="Courier New"/>
-                <a:cs typeface="Courier New"/>
-              </a:rPr>
-              <a:t>EnableDiscoveryClient</a:t>
+              <a:t>@EnableDiscoveryClient</a:t>
             </a:r>
             <a:endParaRPr lang="en-US" sz="1200" b="1" dirty="0" smtClean="0">
               <a:solidFill>
@@ -13419,10 +13311,6 @@
               </a:rPr>
               <a:t>{</a:t>
             </a:r>
-            <a:endParaRPr lang="en-US" sz="1200" dirty="0" smtClean="0">
-              <a:latin typeface="Courier New"/>
-              <a:cs typeface="Courier New"/>
-            </a:endParaRPr>
           </a:p>
           <a:p>
             <a:r>
@@ -13486,14 +13374,7 @@
                 <a:latin typeface="Courier New"/>
                 <a:cs typeface="Courier New"/>
               </a:rPr>
-              <a:t>     SpringApplication.run</a:t>
-            </a:r>
-            <a:r>
-              <a:rPr lang="en-US" sz="1200" dirty="0" smtClean="0">
-                <a:latin typeface="Courier New"/>
-                <a:cs typeface="Courier New"/>
-              </a:rPr>
-              <a:t>(MyClientApp</a:t>
+              <a:t>     SpringApplication.run(MyClientApp</a:t>
             </a:r>
             <a:r>
               <a:rPr lang="en-US" sz="1200" dirty="0" smtClean="0">
@@ -14164,11 +14045,7 @@
           <a:p>
             <a:r>
               <a:rPr lang="en-US" dirty="0" smtClean="0"/>
-              <a:t>Spring Cloud Services: </a:t>
-            </a:r>
-            <a:r>
-              <a:rPr lang="en-US" dirty="0" smtClean="0"/>
-              <a:t>Service Registry</a:t>
+              <a:t>Spring Cloud Services: Service Registry</a:t>
             </a:r>
             <a:endParaRPr lang="en-US" dirty="0">
               <a:solidFill>
@@ -14210,15 +14087,7 @@
                   <a:srgbClr val="FFFFFF"/>
                 </a:solidFill>
               </a:rPr>
-              <a:t>Automated deployment of server </a:t>
-            </a:r>
-            <a:r>
-              <a:rPr lang="en-US" dirty="0" smtClean="0">
-                <a:solidFill>
-                  <a:srgbClr val="FFFFFF"/>
-                </a:solidFill>
-              </a:rPr>
-              <a:t>component</a:t>
+              <a:t>Automated deployment of server component</a:t>
             </a:r>
             <a:br>
               <a:rPr lang="en-US" dirty="0" smtClean="0">
@@ -14269,21 +14138,8 @@
                   <a:srgbClr val="FFFFFF"/>
                 </a:solidFill>
               </a:rPr>
-              <a:t>Bind into CF </a:t>
-            </a:r>
-            <a:r>
-              <a:rPr lang="en-US" dirty="0" smtClean="0">
-                <a:solidFill>
-                  <a:srgbClr val="FFFFFF"/>
-                </a:solidFill>
-              </a:rPr>
-              <a:t>client application(s)</a:t>
-            </a:r>
-            <a:endParaRPr lang="en-US" dirty="0" smtClean="0">
-              <a:solidFill>
-                <a:srgbClr val="FFFFFF"/>
-              </a:solidFill>
-            </a:endParaRPr>
+              <a:t>Bind into CF client application(s)</a:t>
+            </a:r>
           </a:p>
         </p:txBody>
       </p:sp>

--- a/presentations/Session_7_SC_Discovery_LB.pptx
+++ b/presentations/Session_7_SC_Discovery_LB.pptx
@@ -231,7 +231,7 @@
           <a:p>
             <a:fld id="{372E5B6B-8713-8747-AE5B-F1241B2BF5F0}" type="datetimeFigureOut">
               <a:rPr lang="en-US" smtClean="0"/>
-              <a:t>4/6/16</a:t>
+              <a:t>4/14/16</a:t>
             </a:fld>
             <a:endParaRPr lang="en-US"/>
           </a:p>
@@ -397,7 +397,7 @@
           <a:p>
             <a:fld id="{7E7B7340-DDD5-1B49-81AA-25BC4050C073}" type="datetimeFigureOut">
               <a:rPr lang="en-US" smtClean="0"/>
-              <a:t>4/6/16</a:t>
+              <a:t>4/14/16</a:t>
             </a:fld>
             <a:endParaRPr lang="en-US"/>
           </a:p>
@@ -8965,26 +8965,35 @@
       </p:sp>
       <p:pic>
         <p:nvPicPr>
-          <p:cNvPr id="7" name="Picture 6"/>
+          <p:cNvPr id="9" name="Picture 8" descr="1280px-Boeing-Logo.svg.png"/>
           <p:cNvPicPr>
             <a:picLocks noChangeAspect="1"/>
           </p:cNvPicPr>
           <p:nvPr/>
         </p:nvPicPr>
         <p:blipFill>
-          <a:blip r:embed="rId5"/>
+          <a:blip r:embed="rId5">
+            <a:extLst>
+              <a:ext uri="{28A0092B-C50C-407E-A947-70E740481C1C}">
+                <a14:useLocalDpi xmlns:a14="http://schemas.microsoft.com/office/drawing/2010/main" val="0"/>
+              </a:ext>
+            </a:extLst>
+          </a:blip>
           <a:stretch>
             <a:fillRect/>
           </a:stretch>
         </p:blipFill>
         <p:spPr>
           <a:xfrm>
-            <a:off x="8196204" y="1558"/>
-            <a:ext cx="947796" cy="947796"/>
+            <a:off x="7826822" y="162560"/>
+            <a:ext cx="1053018" cy="660400"/>
           </a:xfrm>
           <a:prstGeom prst="rect">
             <a:avLst/>
           </a:prstGeom>
+          <a:solidFill>
+            <a:schemeClr val="bg1"/>
+          </a:solidFill>
         </p:spPr>
       </p:pic>
     </p:spTree>
